--- a/Yarely-slides/SlideDeckGroup2.pptx
+++ b/Yarely-slides/SlideDeckGroup2.pptx
@@ -5,18 +5,15 @@
     <p:sldMasterId id="2147483648" r:id="rId1"/>
   </p:sldMasterIdLst>
   <p:sldIdLst>
-    <p:sldId id="256" r:id="rId2"/>
-    <p:sldId id="257" r:id="rId3"/>
-    <p:sldId id="267" r:id="rId4"/>
-    <p:sldId id="268" r:id="rId5"/>
-    <p:sldId id="259" r:id="rId6"/>
-    <p:sldId id="263" r:id="rId7"/>
+    <p:sldId id="274" r:id="rId2"/>
+    <p:sldId id="275" r:id="rId3"/>
+    <p:sldId id="276" r:id="rId4"/>
+    <p:sldId id="263" r:id="rId5"/>
+    <p:sldId id="278" r:id="rId6"/>
+    <p:sldId id="266" r:id="rId7"/>
     <p:sldId id="262" r:id="rId8"/>
-    <p:sldId id="261" r:id="rId9"/>
-    <p:sldId id="266" r:id="rId10"/>
-    <p:sldId id="265" r:id="rId11"/>
-    <p:sldId id="264" r:id="rId12"/>
-    <p:sldId id="260" r:id="rId13"/>
+    <p:sldId id="283" r:id="rId9"/>
+    <p:sldId id="272" r:id="rId10"/>
   </p:sldIdLst>
   <p:sldSz cx="12192000" cy="6858000"/>
   <p:notesSz cx="6858000" cy="9144000"/>
@@ -115,6 +112,11 @@
       </a:defRPr>
     </a:lvl9pPr>
   </p:defaultTextStyle>
+  <p:extLst>
+    <p:ext uri="{EFAFB233-063F-42B5-8137-9DF3F51BA10A}">
+      <p15:sldGuideLst xmlns:p15="http://schemas.microsoft.com/office/powerpoint/2012/main"/>
+    </p:ext>
+  </p:extLst>
 </p:presentation>
 </file>
 
@@ -265,7 +267,7 @@
           <a:p>
             <a:fld id="{F306CEB2-1A51-4545-941B-C7217795C3A1}" type="datetimeFigureOut">
               <a:rPr lang="en-US" smtClean="0"/>
-              <a:t>2/7/2022</a:t>
+              <a:t>2/8/2022</a:t>
             </a:fld>
             <a:endParaRPr lang="en-US"/>
           </a:p>
@@ -463,7 +465,7 @@
           <a:p>
             <a:fld id="{F306CEB2-1A51-4545-941B-C7217795C3A1}" type="datetimeFigureOut">
               <a:rPr lang="en-US" smtClean="0"/>
-              <a:t>2/7/2022</a:t>
+              <a:t>2/8/2022</a:t>
             </a:fld>
             <a:endParaRPr lang="en-US"/>
           </a:p>
@@ -671,7 +673,7 @@
           <a:p>
             <a:fld id="{F306CEB2-1A51-4545-941B-C7217795C3A1}" type="datetimeFigureOut">
               <a:rPr lang="en-US" smtClean="0"/>
-              <a:t>2/7/2022</a:t>
+              <a:t>2/8/2022</a:t>
             </a:fld>
             <a:endParaRPr lang="en-US"/>
           </a:p>
@@ -869,7 +871,7 @@
           <a:p>
             <a:fld id="{F306CEB2-1A51-4545-941B-C7217795C3A1}" type="datetimeFigureOut">
               <a:rPr lang="en-US" smtClean="0"/>
-              <a:t>2/7/2022</a:t>
+              <a:t>2/8/2022</a:t>
             </a:fld>
             <a:endParaRPr lang="en-US"/>
           </a:p>
@@ -1144,7 +1146,7 @@
           <a:p>
             <a:fld id="{F306CEB2-1A51-4545-941B-C7217795C3A1}" type="datetimeFigureOut">
               <a:rPr lang="en-US" smtClean="0"/>
-              <a:t>2/7/2022</a:t>
+              <a:t>2/8/2022</a:t>
             </a:fld>
             <a:endParaRPr lang="en-US"/>
           </a:p>
@@ -1409,7 +1411,7 @@
           <a:p>
             <a:fld id="{F306CEB2-1A51-4545-941B-C7217795C3A1}" type="datetimeFigureOut">
               <a:rPr lang="en-US" smtClean="0"/>
-              <a:t>2/7/2022</a:t>
+              <a:t>2/8/2022</a:t>
             </a:fld>
             <a:endParaRPr lang="en-US"/>
           </a:p>
@@ -1821,7 +1823,7 @@
           <a:p>
             <a:fld id="{F306CEB2-1A51-4545-941B-C7217795C3A1}" type="datetimeFigureOut">
               <a:rPr lang="en-US" smtClean="0"/>
-              <a:t>2/7/2022</a:t>
+              <a:t>2/8/2022</a:t>
             </a:fld>
             <a:endParaRPr lang="en-US"/>
           </a:p>
@@ -1962,7 +1964,7 @@
           <a:p>
             <a:fld id="{F306CEB2-1A51-4545-941B-C7217795C3A1}" type="datetimeFigureOut">
               <a:rPr lang="en-US" smtClean="0"/>
-              <a:t>2/7/2022</a:t>
+              <a:t>2/8/2022</a:t>
             </a:fld>
             <a:endParaRPr lang="en-US"/>
           </a:p>
@@ -2075,7 +2077,7 @@
           <a:p>
             <a:fld id="{F306CEB2-1A51-4545-941B-C7217795C3A1}" type="datetimeFigureOut">
               <a:rPr lang="en-US" smtClean="0"/>
-              <a:t>2/7/2022</a:t>
+              <a:t>2/8/2022</a:t>
             </a:fld>
             <a:endParaRPr lang="en-US"/>
           </a:p>
@@ -2386,7 +2388,7 @@
           <a:p>
             <a:fld id="{F306CEB2-1A51-4545-941B-C7217795C3A1}" type="datetimeFigureOut">
               <a:rPr lang="en-US" smtClean="0"/>
-              <a:t>2/7/2022</a:t>
+              <a:t>2/8/2022</a:t>
             </a:fld>
             <a:endParaRPr lang="en-US"/>
           </a:p>
@@ -2674,7 +2676,7 @@
           <a:p>
             <a:fld id="{F306CEB2-1A51-4545-941B-C7217795C3A1}" type="datetimeFigureOut">
               <a:rPr lang="en-US" smtClean="0"/>
-              <a:t>2/7/2022</a:t>
+              <a:t>2/8/2022</a:t>
             </a:fld>
             <a:endParaRPr lang="en-US"/>
           </a:p>
@@ -2915,7 +2917,7 @@
           <a:p>
             <a:fld id="{F306CEB2-1A51-4545-941B-C7217795C3A1}" type="datetimeFigureOut">
               <a:rPr lang="en-US" smtClean="0"/>
-              <a:t>2/7/2022</a:t>
+              <a:t>2/8/2022</a:t>
             </a:fld>
             <a:endParaRPr lang="en-US"/>
           </a:p>
@@ -3321,7 +3323,7 @@
     <p:bg>
       <p:bgPr>
         <a:solidFill>
-          <a:srgbClr val="58595B"/>
+          <a:schemeClr val="bg1"/>
         </a:solidFill>
         <a:effectLst/>
       </p:bgPr>
@@ -3342,10 +3344,1790 @@
       </p:grpSpPr>
       <p:pic>
         <p:nvPicPr>
-          <p:cNvPr id="1026" name="Picture 2" descr="See the source image">
-            <a:extLst>
-              <a:ext uri="{FF2B5EF4-FFF2-40B4-BE49-F238E27FC236}">
-                <a16:creationId xmlns:a16="http://schemas.microsoft.com/office/drawing/2014/main" id="{BF0A632E-53CB-43E7-AADC-4B32462D7DE6}"/>
+          <p:cNvPr id="2050" name="Picture 2" descr="2013 Ford Flex - Interior, car, HD wallpaper | Peakpx">
+            <a:extLst>
+              <a:ext uri="{FF2B5EF4-FFF2-40B4-BE49-F238E27FC236}">
+                <a16:creationId xmlns:a16="http://schemas.microsoft.com/office/drawing/2014/main" id="{C645EA6E-2317-45B5-BFB6-CB8C30416667}"/>
+              </a:ext>
+            </a:extLst>
+          </p:cNvPr>
+          <p:cNvPicPr>
+            <a:picLocks noChangeAspect="1" noChangeArrowheads="1"/>
+          </p:cNvPicPr>
+          <p:nvPr/>
+        </p:nvPicPr>
+        <p:blipFill rotWithShape="1">
+          <a:blip r:embed="rId2">
+            <a:alphaModFix amt="85000"/>
+            <a:extLst>
+              <a:ext uri="{28A0092B-C50C-407E-A947-70E740481C1C}">
+                <a14:useLocalDpi xmlns:a14="http://schemas.microsoft.com/office/drawing/2010/main" val="0"/>
+              </a:ext>
+            </a:extLst>
+          </a:blip>
+          <a:srcRect l="13875" r="21663"/>
+          <a:stretch/>
+        </p:blipFill>
+        <p:spPr bwMode="auto">
+          <a:xfrm>
+            <a:off x="4117521" y="10"/>
+            <a:ext cx="8074479" cy="6857990"/>
+          </a:xfrm>
+          <a:prstGeom prst="rect">
+            <a:avLst/>
+          </a:prstGeom>
+          <a:noFill/>
+          <a:extLst>
+            <a:ext uri="{909E8E84-426E-40DD-AFC4-6F175D3DCCD1}">
+              <a14:hiddenFill xmlns:a14="http://schemas.microsoft.com/office/drawing/2010/main">
+                <a:solidFill>
+                  <a:srgbClr val="FFFFFF"/>
+                </a:solidFill>
+              </a14:hiddenFill>
+            </a:ext>
+          </a:extLst>
+        </p:spPr>
+      </p:pic>
+      <p:sp>
+        <p:nvSpPr>
+          <p:cNvPr id="2052" name="Freeform: Shape 70">
+            <a:extLst>
+              <a:ext uri="{FF2B5EF4-FFF2-40B4-BE49-F238E27FC236}">
+                <a16:creationId xmlns:a16="http://schemas.microsoft.com/office/drawing/2014/main" id="{8F23F8A3-8FD7-4779-8323-FDC26BE99889}"/>
+              </a:ext>
+              <a:ext uri="{C183D7F6-B498-43B3-948B-1728B52AA6E4}">
+                <adec:decorative xmlns:adec="http://schemas.microsoft.com/office/drawing/2017/decorative" val="1"/>
+              </a:ext>
+            </a:extLst>
+          </p:cNvPr>
+          <p:cNvSpPr>
+            <a:spLocks noGrp="1" noRot="1" noChangeAspect="1" noMove="1" noResize="1" noEditPoints="1" noAdjustHandles="1" noChangeArrowheads="1" noChangeShapeType="1" noTextEdit="1"/>
+          </p:cNvSpPr>
+          <p:nvPr>
+            <p:extLst>
+              <p:ext uri="{386F3935-93C4-4BCD-93E2-E3B085C9AB24}">
+                <p16:designElem xmlns:p16="http://schemas.microsoft.com/office/powerpoint/2015/main" val="1"/>
+              </p:ext>
+            </p:extLst>
+          </p:nvPr>
+        </p:nvSpPr>
+        <p:spPr>
+          <a:xfrm flipV="1">
+            <a:off x="0" y="-478"/>
+            <a:ext cx="7859800" cy="6858478"/>
+          </a:xfrm>
+          <a:custGeom>
+            <a:avLst/>
+            <a:gdLst>
+              <a:gd name="connsiteX0" fmla="*/ 7859800 w 7859800"/>
+              <a:gd name="connsiteY0" fmla="*/ 6858478 h 6858478"/>
+              <a:gd name="connsiteX1" fmla="*/ 435245 w 7859800"/>
+              <a:gd name="connsiteY1" fmla="*/ 6858478 h 6858478"/>
+              <a:gd name="connsiteX2" fmla="*/ 435505 w 7859800"/>
+              <a:gd name="connsiteY2" fmla="*/ 6857916 h 6858478"/>
+              <a:gd name="connsiteX3" fmla="*/ 0 w 7859800"/>
+              <a:gd name="connsiteY3" fmla="*/ 6857916 h 6858478"/>
+              <a:gd name="connsiteX4" fmla="*/ 0 w 7859800"/>
+              <a:gd name="connsiteY4" fmla="*/ 0 h 6858478"/>
+              <a:gd name="connsiteX5" fmla="*/ 3611620 w 7859800"/>
+              <a:gd name="connsiteY5" fmla="*/ 0 h 6858478"/>
+              <a:gd name="connsiteX6" fmla="*/ 4677848 w 7859800"/>
+              <a:gd name="connsiteY6" fmla="*/ 0 h 6858478"/>
+              <a:gd name="connsiteX7" fmla="*/ 4683425 w 7859800"/>
+              <a:gd name="connsiteY7" fmla="*/ 0 h 6858478"/>
+            </a:gdLst>
+            <a:ahLst/>
+            <a:cxnLst>
+              <a:cxn ang="0">
+                <a:pos x="connsiteX0" y="connsiteY0"/>
+              </a:cxn>
+              <a:cxn ang="0">
+                <a:pos x="connsiteX1" y="connsiteY1"/>
+              </a:cxn>
+              <a:cxn ang="0">
+                <a:pos x="connsiteX2" y="connsiteY2"/>
+              </a:cxn>
+              <a:cxn ang="0">
+                <a:pos x="connsiteX3" y="connsiteY3"/>
+              </a:cxn>
+              <a:cxn ang="0">
+                <a:pos x="connsiteX4" y="connsiteY4"/>
+              </a:cxn>
+              <a:cxn ang="0">
+                <a:pos x="connsiteX5" y="connsiteY5"/>
+              </a:cxn>
+              <a:cxn ang="0">
+                <a:pos x="connsiteX6" y="connsiteY6"/>
+              </a:cxn>
+              <a:cxn ang="0">
+                <a:pos x="connsiteX7" y="connsiteY7"/>
+              </a:cxn>
+            </a:cxnLst>
+            <a:rect l="l" t="t" r="r" b="b"/>
+            <a:pathLst>
+              <a:path w="7859800" h="6858478">
+                <a:moveTo>
+                  <a:pt x="7859800" y="6858478"/>
+                </a:moveTo>
+                <a:lnTo>
+                  <a:pt x="435245" y="6858478"/>
+                </a:lnTo>
+                <a:lnTo>
+                  <a:pt x="435505" y="6857916"/>
+                </a:lnTo>
+                <a:lnTo>
+                  <a:pt x="0" y="6857916"/>
+                </a:lnTo>
+                <a:lnTo>
+                  <a:pt x="0" y="0"/>
+                </a:lnTo>
+                <a:lnTo>
+                  <a:pt x="3611620" y="0"/>
+                </a:lnTo>
+                <a:lnTo>
+                  <a:pt x="4677848" y="0"/>
+                </a:lnTo>
+                <a:lnTo>
+                  <a:pt x="4683425" y="0"/>
+                </a:lnTo>
+                <a:close/>
+              </a:path>
+            </a:pathLst>
+          </a:custGeom>
+          <a:solidFill>
+            <a:schemeClr val="bg1">
+              <a:lumMod val="85000"/>
+              <a:lumOff val="15000"/>
+              <a:alpha val="70000"/>
+            </a:schemeClr>
+          </a:solidFill>
+          <a:ln>
+            <a:noFill/>
+          </a:ln>
+        </p:spPr>
+        <p:style>
+          <a:lnRef idx="2">
+            <a:schemeClr val="accent1">
+              <a:shade val="50000"/>
+            </a:schemeClr>
+          </a:lnRef>
+          <a:fillRef idx="1">
+            <a:schemeClr val="accent1"/>
+          </a:fillRef>
+          <a:effectRef idx="0">
+            <a:schemeClr val="accent1"/>
+          </a:effectRef>
+          <a:fontRef idx="minor">
+            <a:schemeClr val="lt1"/>
+          </a:fontRef>
+        </p:style>
+        <p:txBody>
+          <a:bodyPr wrap="square" rtlCol="0" anchor="ctr">
+            <a:noAutofit/>
+          </a:bodyPr>
+          <a:lstStyle/>
+          <a:p>
+            <a:pPr algn="ctr"/>
+            <a:endParaRPr lang="en-US"/>
+          </a:p>
+        </p:txBody>
+      </p:sp>
+      <p:sp>
+        <p:nvSpPr>
+          <p:cNvPr id="2053" name="Freeform: Shape 72">
+            <a:extLst>
+              <a:ext uri="{FF2B5EF4-FFF2-40B4-BE49-F238E27FC236}">
+                <a16:creationId xmlns:a16="http://schemas.microsoft.com/office/drawing/2014/main" id="{F605C4CC-A25C-416F-8333-7CB7DC97D870}"/>
+              </a:ext>
+              <a:ext uri="{C183D7F6-B498-43B3-948B-1728B52AA6E4}">
+                <adec:decorative xmlns:adec="http://schemas.microsoft.com/office/drawing/2017/decorative" val="1"/>
+              </a:ext>
+            </a:extLst>
+          </p:cNvPr>
+          <p:cNvSpPr>
+            <a:spLocks noGrp="1" noRot="1" noChangeAspect="1" noMove="1" noResize="1" noEditPoints="1" noAdjustHandles="1" noChangeArrowheads="1" noChangeShapeType="1" noTextEdit="1"/>
+          </p:cNvSpPr>
+          <p:nvPr>
+            <p:extLst>
+              <p:ext uri="{386F3935-93C4-4BCD-93E2-E3B085C9AB24}">
+                <p16:designElem xmlns:p16="http://schemas.microsoft.com/office/powerpoint/2015/main" val="1"/>
+              </p:ext>
+            </p:extLst>
+          </p:nvPr>
+        </p:nvSpPr>
+        <p:spPr>
+          <a:xfrm flipV="1">
+            <a:off x="0" y="-478"/>
+            <a:ext cx="7431174" cy="6858478"/>
+          </a:xfrm>
+          <a:custGeom>
+            <a:avLst/>
+            <a:gdLst>
+              <a:gd name="connsiteX0" fmla="*/ 7431174 w 7431174"/>
+              <a:gd name="connsiteY0" fmla="*/ 6858478 h 6858478"/>
+              <a:gd name="connsiteX1" fmla="*/ 6619 w 7431174"/>
+              <a:gd name="connsiteY1" fmla="*/ 6858478 h 6858478"/>
+              <a:gd name="connsiteX2" fmla="*/ 6879 w 7431174"/>
+              <a:gd name="connsiteY2" fmla="*/ 6857916 h 6858478"/>
+              <a:gd name="connsiteX3" fmla="*/ 0 w 7431174"/>
+              <a:gd name="connsiteY3" fmla="*/ 6857916 h 6858478"/>
+              <a:gd name="connsiteX4" fmla="*/ 0 w 7431174"/>
+              <a:gd name="connsiteY4" fmla="*/ 0 h 6858478"/>
+              <a:gd name="connsiteX5" fmla="*/ 3182994 w 7431174"/>
+              <a:gd name="connsiteY5" fmla="*/ 0 h 6858478"/>
+              <a:gd name="connsiteX6" fmla="*/ 4249222 w 7431174"/>
+              <a:gd name="connsiteY6" fmla="*/ 0 h 6858478"/>
+              <a:gd name="connsiteX7" fmla="*/ 4254799 w 7431174"/>
+              <a:gd name="connsiteY7" fmla="*/ 0 h 6858478"/>
+            </a:gdLst>
+            <a:ahLst/>
+            <a:cxnLst>
+              <a:cxn ang="0">
+                <a:pos x="connsiteX0" y="connsiteY0"/>
+              </a:cxn>
+              <a:cxn ang="0">
+                <a:pos x="connsiteX1" y="connsiteY1"/>
+              </a:cxn>
+              <a:cxn ang="0">
+                <a:pos x="connsiteX2" y="connsiteY2"/>
+              </a:cxn>
+              <a:cxn ang="0">
+                <a:pos x="connsiteX3" y="connsiteY3"/>
+              </a:cxn>
+              <a:cxn ang="0">
+                <a:pos x="connsiteX4" y="connsiteY4"/>
+              </a:cxn>
+              <a:cxn ang="0">
+                <a:pos x="connsiteX5" y="connsiteY5"/>
+              </a:cxn>
+              <a:cxn ang="0">
+                <a:pos x="connsiteX6" y="connsiteY6"/>
+              </a:cxn>
+              <a:cxn ang="0">
+                <a:pos x="connsiteX7" y="connsiteY7"/>
+              </a:cxn>
+            </a:cxnLst>
+            <a:rect l="l" t="t" r="r" b="b"/>
+            <a:pathLst>
+              <a:path w="7431174" h="6858478">
+                <a:moveTo>
+                  <a:pt x="7431174" y="6858478"/>
+                </a:moveTo>
+                <a:lnTo>
+                  <a:pt x="6619" y="6858478"/>
+                </a:lnTo>
+                <a:lnTo>
+                  <a:pt x="6879" y="6857916"/>
+                </a:lnTo>
+                <a:lnTo>
+                  <a:pt x="0" y="6857916"/>
+                </a:lnTo>
+                <a:lnTo>
+                  <a:pt x="0" y="0"/>
+                </a:lnTo>
+                <a:lnTo>
+                  <a:pt x="3182994" y="0"/>
+                </a:lnTo>
+                <a:lnTo>
+                  <a:pt x="4249222" y="0"/>
+                </a:lnTo>
+                <a:lnTo>
+                  <a:pt x="4254799" y="0"/>
+                </a:lnTo>
+                <a:close/>
+              </a:path>
+            </a:pathLst>
+          </a:custGeom>
+          <a:solidFill>
+            <a:schemeClr val="bg1">
+              <a:lumMod val="85000"/>
+              <a:lumOff val="15000"/>
+            </a:schemeClr>
+          </a:solidFill>
+          <a:ln>
+            <a:noFill/>
+          </a:ln>
+        </p:spPr>
+        <p:style>
+          <a:lnRef idx="2">
+            <a:schemeClr val="accent1">
+              <a:shade val="50000"/>
+            </a:schemeClr>
+          </a:lnRef>
+          <a:fillRef idx="1">
+            <a:schemeClr val="accent1"/>
+          </a:fillRef>
+          <a:effectRef idx="0">
+            <a:schemeClr val="accent1"/>
+          </a:effectRef>
+          <a:fontRef idx="minor">
+            <a:schemeClr val="lt1"/>
+          </a:fontRef>
+        </p:style>
+        <p:txBody>
+          <a:bodyPr wrap="square" rtlCol="0" anchor="ctr">
+            <a:noAutofit/>
+          </a:bodyPr>
+          <a:lstStyle/>
+          <a:p>
+            <a:pPr algn="ctr"/>
+            <a:endParaRPr lang="en-US"/>
+          </a:p>
+        </p:txBody>
+      </p:sp>
+      <p:sp>
+        <p:nvSpPr>
+          <p:cNvPr id="2" name="Title 1">
+            <a:extLst>
+              <a:ext uri="{FF2B5EF4-FFF2-40B4-BE49-F238E27FC236}">
+                <a16:creationId xmlns:a16="http://schemas.microsoft.com/office/drawing/2014/main" id="{B2F4CE48-2DD3-4B5F-B567-2AD61732C240}"/>
+              </a:ext>
+            </a:extLst>
+          </p:cNvPr>
+          <p:cNvSpPr>
+            <a:spLocks noGrp="1"/>
+          </p:cNvSpPr>
+          <p:nvPr>
+            <p:ph type="title"/>
+          </p:nvPr>
+        </p:nvSpPr>
+        <p:spPr>
+          <a:xfrm>
+            <a:off x="465848" y="867939"/>
+            <a:ext cx="5630152" cy="769612"/>
+          </a:xfrm>
+        </p:spPr>
+        <p:txBody>
+          <a:bodyPr>
+            <a:normAutofit fontScale="90000"/>
+          </a:bodyPr>
+          <a:lstStyle/>
+          <a:p>
+            <a:r>
+              <a:rPr lang="en-US" sz="4400" b="1" i="0" u="none" strike="noStrike" dirty="0">
+                <a:effectLst/>
+                <a:latin typeface="Arial" panose="020B0604020202020204" pitchFamily="34" charset="0"/>
+              </a:rPr>
+              <a:t>Used Car Price Prediction</a:t>
+            </a:r>
+            <a:br>
+              <a:rPr lang="en-US" sz="4400" dirty="0"/>
+            </a:br>
+            <a:endParaRPr lang="en-US" dirty="0"/>
+          </a:p>
+        </p:txBody>
+      </p:sp>
+      <p:sp>
+        <p:nvSpPr>
+          <p:cNvPr id="2054" name="Content Placeholder 2">
+            <a:extLst>
+              <a:ext uri="{FF2B5EF4-FFF2-40B4-BE49-F238E27FC236}">
+                <a16:creationId xmlns:a16="http://schemas.microsoft.com/office/drawing/2014/main" id="{E7F494DC-C4E4-4085-9760-4C738960230C}"/>
+              </a:ext>
+            </a:extLst>
+          </p:cNvPr>
+          <p:cNvSpPr>
+            <a:spLocks noGrp="1"/>
+          </p:cNvSpPr>
+          <p:nvPr>
+            <p:ph idx="1"/>
+          </p:nvPr>
+        </p:nvSpPr>
+        <p:spPr>
+          <a:xfrm>
+            <a:off x="465847" y="2870900"/>
+            <a:ext cx="3941499" cy="1899404"/>
+          </a:xfrm>
+        </p:spPr>
+        <p:txBody>
+          <a:bodyPr>
+            <a:normAutofit/>
+          </a:bodyPr>
+          <a:lstStyle/>
+          <a:p>
+            <a:r>
+              <a:rPr lang="en-US" sz="2000" i="0" u="none" strike="noStrike" dirty="0">
+                <a:effectLst/>
+                <a:latin typeface="Arial" panose="020B0604020202020204" pitchFamily="34" charset="0"/>
+                <a:cs typeface="Arial" panose="020B0604020202020204" pitchFamily="34" charset="0"/>
+              </a:rPr>
+              <a:t>Joseph </a:t>
+            </a:r>
+            <a:r>
+              <a:rPr lang="en-US" sz="2000" i="0" u="none" strike="noStrike" dirty="0" err="1">
+                <a:effectLst/>
+                <a:latin typeface="Arial" panose="020B0604020202020204" pitchFamily="34" charset="0"/>
+                <a:cs typeface="Arial" panose="020B0604020202020204" pitchFamily="34" charset="0"/>
+              </a:rPr>
+              <a:t>Onwukeme</a:t>
+            </a:r>
+            <a:endParaRPr lang="en-US" sz="2000" i="0" u="none" strike="noStrike" dirty="0">
+              <a:effectLst/>
+              <a:latin typeface="Arial" panose="020B0604020202020204" pitchFamily="34" charset="0"/>
+              <a:cs typeface="Arial" panose="020B0604020202020204" pitchFamily="34" charset="0"/>
+            </a:endParaRPr>
+          </a:p>
+          <a:p>
+            <a:r>
+              <a:rPr lang="en-US" sz="2000" i="0" u="none" strike="noStrike" dirty="0">
+                <a:effectLst/>
+                <a:latin typeface="Arial" panose="020B0604020202020204" pitchFamily="34" charset="0"/>
+                <a:cs typeface="Arial" panose="020B0604020202020204" pitchFamily="34" charset="0"/>
+              </a:rPr>
+              <a:t>Matthew </a:t>
+            </a:r>
+            <a:r>
+              <a:rPr lang="en-US" sz="2000" i="0" u="none" strike="noStrike" dirty="0" err="1">
+                <a:effectLst/>
+                <a:latin typeface="Arial" panose="020B0604020202020204" pitchFamily="34" charset="0"/>
+                <a:cs typeface="Arial" panose="020B0604020202020204" pitchFamily="34" charset="0"/>
+              </a:rPr>
+              <a:t>Witschorke</a:t>
+            </a:r>
+            <a:endParaRPr lang="en-US" sz="2000" i="0" u="none" strike="noStrike" dirty="0">
+              <a:effectLst/>
+              <a:latin typeface="Arial" panose="020B0604020202020204" pitchFamily="34" charset="0"/>
+              <a:cs typeface="Arial" panose="020B0604020202020204" pitchFamily="34" charset="0"/>
+            </a:endParaRPr>
+          </a:p>
+          <a:p>
+            <a:r>
+              <a:rPr lang="en-US" sz="2000" i="0" u="none" strike="noStrike" dirty="0">
+                <a:effectLst/>
+                <a:latin typeface="Arial" panose="020B0604020202020204" pitchFamily="34" charset="0"/>
+                <a:cs typeface="Arial" panose="020B0604020202020204" pitchFamily="34" charset="0"/>
+              </a:rPr>
+              <a:t>Sam </a:t>
+            </a:r>
+            <a:r>
+              <a:rPr lang="en-US" sz="2000" i="0" u="none" strike="noStrike" dirty="0" err="1">
+                <a:effectLst/>
+                <a:latin typeface="Arial" panose="020B0604020202020204" pitchFamily="34" charset="0"/>
+                <a:cs typeface="Arial" panose="020B0604020202020204" pitchFamily="34" charset="0"/>
+              </a:rPr>
+              <a:t>Slomowitz</a:t>
+            </a:r>
+            <a:endParaRPr lang="en-US" sz="2000" i="0" u="none" strike="noStrike" dirty="0">
+              <a:effectLst/>
+              <a:latin typeface="Arial" panose="020B0604020202020204" pitchFamily="34" charset="0"/>
+              <a:cs typeface="Arial" panose="020B0604020202020204" pitchFamily="34" charset="0"/>
+            </a:endParaRPr>
+          </a:p>
+          <a:p>
+            <a:r>
+              <a:rPr lang="en-US" sz="2000" i="0" u="none" strike="noStrike" dirty="0">
+                <a:effectLst/>
+                <a:latin typeface="Arial" panose="020B0604020202020204" pitchFamily="34" charset="0"/>
+                <a:cs typeface="Arial" panose="020B0604020202020204" pitchFamily="34" charset="0"/>
+              </a:rPr>
+              <a:t>Yarely Vargas</a:t>
+            </a:r>
+            <a:endParaRPr lang="en-US" sz="2000" dirty="0">
+              <a:effectLst/>
+              <a:latin typeface="Arial" panose="020B0604020202020204" pitchFamily="34" charset="0"/>
+              <a:cs typeface="Arial" panose="020B0604020202020204" pitchFamily="34" charset="0"/>
+            </a:endParaRPr>
+          </a:p>
+          <a:p>
+            <a:endParaRPr lang="en-US" sz="2000" dirty="0"/>
+          </a:p>
+        </p:txBody>
+      </p:sp>
+      <p:sp>
+        <p:nvSpPr>
+          <p:cNvPr id="6" name="TextBox 5">
+            <a:extLst>
+              <a:ext uri="{FF2B5EF4-FFF2-40B4-BE49-F238E27FC236}">
+                <a16:creationId xmlns:a16="http://schemas.microsoft.com/office/drawing/2014/main" id="{F5A36C7C-97CE-4E84-BF69-4E3E4E906949}"/>
+              </a:ext>
+            </a:extLst>
+          </p:cNvPr>
+          <p:cNvSpPr txBox="1"/>
+          <p:nvPr/>
+        </p:nvSpPr>
+        <p:spPr>
+          <a:xfrm>
+            <a:off x="465848" y="1452885"/>
+            <a:ext cx="3941499" cy="369332"/>
+          </a:xfrm>
+          <a:prstGeom prst="rect">
+            <a:avLst/>
+          </a:prstGeom>
+          <a:noFill/>
+        </p:spPr>
+        <p:txBody>
+          <a:bodyPr wrap="square" rtlCol="0">
+            <a:spAutoFit/>
+          </a:bodyPr>
+          <a:lstStyle/>
+          <a:p>
+            <a:r>
+              <a:rPr lang="en-US" b="1" dirty="0">
+                <a:solidFill>
+                  <a:srgbClr val="EB0A1E"/>
+                </a:solidFill>
+              </a:rPr>
+              <a:t>Ford vs Toyota</a:t>
+            </a:r>
+          </a:p>
+        </p:txBody>
+      </p:sp>
+      <p:cxnSp>
+        <p:nvCxnSpPr>
+          <p:cNvPr id="16" name="Straight Connector 15">
+            <a:extLst>
+              <a:ext uri="{FF2B5EF4-FFF2-40B4-BE49-F238E27FC236}">
+                <a16:creationId xmlns:a16="http://schemas.microsoft.com/office/drawing/2014/main" id="{69AEE48C-F899-4237-B5A8-68D0C7AF8428}"/>
+              </a:ext>
+            </a:extLst>
+          </p:cNvPr>
+          <p:cNvCxnSpPr/>
+          <p:nvPr/>
+        </p:nvCxnSpPr>
+        <p:spPr>
+          <a:xfrm flipH="1">
+            <a:off x="4234040" y="0"/>
+            <a:ext cx="3197134" cy="6858478"/>
+          </a:xfrm>
+          <a:prstGeom prst="line">
+            <a:avLst/>
+          </a:prstGeom>
+          <a:ln>
+            <a:solidFill>
+              <a:srgbClr val="FF0000"/>
+            </a:solidFill>
+          </a:ln>
+        </p:spPr>
+        <p:style>
+          <a:lnRef idx="1">
+            <a:schemeClr val="accent1"/>
+          </a:lnRef>
+          <a:fillRef idx="0">
+            <a:schemeClr val="accent1"/>
+          </a:fillRef>
+          <a:effectRef idx="0">
+            <a:schemeClr val="accent1"/>
+          </a:effectRef>
+          <a:fontRef idx="minor">
+            <a:schemeClr val="tx1"/>
+          </a:fontRef>
+        </p:style>
+      </p:cxnSp>
+      <p:cxnSp>
+        <p:nvCxnSpPr>
+          <p:cNvPr id="17" name="Straight Connector 16">
+            <a:extLst>
+              <a:ext uri="{FF2B5EF4-FFF2-40B4-BE49-F238E27FC236}">
+                <a16:creationId xmlns:a16="http://schemas.microsoft.com/office/drawing/2014/main" id="{3767EF3A-856C-4AC4-8F33-B4295A3CDB11}"/>
+              </a:ext>
+            </a:extLst>
+          </p:cNvPr>
+          <p:cNvCxnSpPr/>
+          <p:nvPr/>
+        </p:nvCxnSpPr>
+        <p:spPr>
+          <a:xfrm flipH="1">
+            <a:off x="4662666" y="0"/>
+            <a:ext cx="3197134" cy="6858478"/>
+          </a:xfrm>
+          <a:prstGeom prst="line">
+            <a:avLst/>
+          </a:prstGeom>
+          <a:ln/>
+        </p:spPr>
+        <p:style>
+          <a:lnRef idx="1">
+            <a:schemeClr val="accent1"/>
+          </a:lnRef>
+          <a:fillRef idx="0">
+            <a:schemeClr val="accent1"/>
+          </a:fillRef>
+          <a:effectRef idx="0">
+            <a:schemeClr val="accent1"/>
+          </a:effectRef>
+          <a:fontRef idx="minor">
+            <a:schemeClr val="tx1"/>
+          </a:fontRef>
+        </p:style>
+      </p:cxnSp>
+    </p:spTree>
+    <p:extLst>
+      <p:ext uri="{BB962C8B-B14F-4D97-AF65-F5344CB8AC3E}">
+        <p14:creationId xmlns:p14="http://schemas.microsoft.com/office/powerpoint/2010/main" val="1841069487"/>
+      </p:ext>
+    </p:extLst>
+  </p:cSld>
+  <p:clrMapOvr>
+    <a:overrideClrMapping bg1="dk1" tx1="lt1" bg2="dk2" tx2="lt2" accent1="accent1" accent2="accent2" accent3="accent3" accent4="accent4" accent5="accent5" accent6="accent6" hlink="hlink" folHlink="folHlink"/>
+  </p:clrMapOvr>
+</p:sld>
+</file>
+
+<file path=ppt/slides/slide2.xml><?xml version="1.0" encoding="utf-8"?>
+<p:sld xmlns:a="http://schemas.openxmlformats.org/drawingml/2006/main" xmlns:r="http://schemas.openxmlformats.org/officeDocument/2006/relationships" xmlns:p="http://schemas.openxmlformats.org/presentationml/2006/main">
+  <p:cSld>
+    <p:bg>
+      <p:bgPr>
+        <a:blipFill dpi="0" rotWithShape="1">
+          <a:blip r:embed="rId2">
+            <a:lum/>
+          </a:blip>
+          <a:srcRect/>
+          <a:stretch>
+            <a:fillRect l="-31000" r="-31000"/>
+          </a:stretch>
+        </a:blipFill>
+        <a:effectLst/>
+      </p:bgPr>
+    </p:bg>
+    <p:spTree>
+      <p:nvGrpSpPr>
+        <p:cNvPr id="1" name=""/>
+        <p:cNvGrpSpPr/>
+        <p:nvPr/>
+      </p:nvGrpSpPr>
+      <p:grpSpPr>
+        <a:xfrm>
+          <a:off x="0" y="0"/>
+          <a:ext cx="0" cy="0"/>
+          <a:chOff x="0" y="0"/>
+          <a:chExt cx="0" cy="0"/>
+        </a:xfrm>
+      </p:grpSpPr>
+      <p:sp>
+        <p:nvSpPr>
+          <p:cNvPr id="9" name="Rectangle 8">
+            <a:extLst>
+              <a:ext uri="{FF2B5EF4-FFF2-40B4-BE49-F238E27FC236}">
+                <a16:creationId xmlns:a16="http://schemas.microsoft.com/office/drawing/2014/main" id="{9228552E-C8B1-4A80-8448-0787CE0FC704}"/>
+              </a:ext>
+              <a:ext uri="{C183D7F6-B498-43B3-948B-1728B52AA6E4}">
+                <adec:decorative xmlns:adec="http://schemas.microsoft.com/office/drawing/2017/decorative" val="1"/>
+              </a:ext>
+            </a:extLst>
+          </p:cNvPr>
+          <p:cNvSpPr>
+            <a:spLocks noGrp="1" noRot="1" noChangeAspect="1" noMove="1" noResize="1" noEditPoints="1" noAdjustHandles="1" noChangeArrowheads="1" noChangeShapeType="1" noTextEdit="1"/>
+          </p:cNvSpPr>
+          <p:nvPr>
+            <p:extLst>
+              <p:ext uri="{386F3935-93C4-4BCD-93E2-E3B085C9AB24}">
+                <p16:designElem xmlns:p16="http://schemas.microsoft.com/office/powerpoint/2015/main" val="1"/>
+              </p:ext>
+            </p:extLst>
+          </p:nvPr>
+        </p:nvSpPr>
+        <p:spPr>
+          <a:xfrm>
+            <a:off x="0" y="0"/>
+            <a:ext cx="12192000" cy="6858000"/>
+          </a:xfrm>
+          <a:prstGeom prst="rect">
+            <a:avLst/>
+          </a:prstGeom>
+          <a:solidFill>
+            <a:srgbClr val="000000"/>
+          </a:solidFill>
+          <a:ln>
+            <a:noFill/>
+          </a:ln>
+        </p:spPr>
+        <p:style>
+          <a:lnRef idx="2">
+            <a:schemeClr val="accent1">
+              <a:shade val="50000"/>
+            </a:schemeClr>
+          </a:lnRef>
+          <a:fillRef idx="1">
+            <a:schemeClr val="accent1"/>
+          </a:fillRef>
+          <a:effectRef idx="0">
+            <a:schemeClr val="accent1"/>
+          </a:effectRef>
+          <a:fontRef idx="minor">
+            <a:schemeClr val="lt1"/>
+          </a:fontRef>
+        </p:style>
+        <p:txBody>
+          <a:bodyPr rtlCol="0" anchor="ctr"/>
+          <a:lstStyle/>
+          <a:p>
+            <a:pPr algn="ctr"/>
+            <a:endParaRPr lang="en-US"/>
+          </a:p>
+        </p:txBody>
+      </p:sp>
+      <p:pic>
+        <p:nvPicPr>
+          <p:cNvPr id="4" name="Picture 3">
+            <a:extLst>
+              <a:ext uri="{FF2B5EF4-FFF2-40B4-BE49-F238E27FC236}">
+                <a16:creationId xmlns:a16="http://schemas.microsoft.com/office/drawing/2014/main" id="{4B970404-0970-4E40-8E70-C98F6190B8F8}"/>
+              </a:ext>
+            </a:extLst>
+          </p:cNvPr>
+          <p:cNvPicPr>
+            <a:picLocks noChangeAspect="1"/>
+          </p:cNvPicPr>
+          <p:nvPr/>
+        </p:nvPicPr>
+        <p:blipFill rotWithShape="1">
+          <a:blip r:embed="rId3">
+            <a:alphaModFix amt="35000"/>
+          </a:blip>
+          <a:srcRect b="7787"/>
+          <a:stretch/>
+        </p:blipFill>
+        <p:spPr>
+          <a:xfrm>
+            <a:off x="-1" y="0"/>
+            <a:ext cx="12191980" cy="6857990"/>
+          </a:xfrm>
+          <a:prstGeom prst="rect">
+            <a:avLst/>
+          </a:prstGeom>
+          <a:noFill/>
+        </p:spPr>
+      </p:pic>
+      <p:sp>
+        <p:nvSpPr>
+          <p:cNvPr id="6" name="Parallelogram 5">
+            <a:extLst>
+              <a:ext uri="{FF2B5EF4-FFF2-40B4-BE49-F238E27FC236}">
+                <a16:creationId xmlns:a16="http://schemas.microsoft.com/office/drawing/2014/main" id="{FD29D57C-AB31-4E4C-8D08-6C36922BF207}"/>
+              </a:ext>
+            </a:extLst>
+          </p:cNvPr>
+          <p:cNvSpPr/>
+          <p:nvPr/>
+        </p:nvSpPr>
+        <p:spPr>
+          <a:xfrm flipH="1">
+            <a:off x="-52339" y="0"/>
+            <a:ext cx="12191999" cy="6858000"/>
+          </a:xfrm>
+          <a:prstGeom prst="parallelogram">
+            <a:avLst>
+              <a:gd name="adj" fmla="val 74189"/>
+            </a:avLst>
+          </a:prstGeom>
+          <a:solidFill>
+            <a:srgbClr val="262626"/>
+          </a:solidFill>
+          <a:ln>
+            <a:solidFill>
+              <a:srgbClr val="262626"/>
+            </a:solidFill>
+          </a:ln>
+        </p:spPr>
+        <p:style>
+          <a:lnRef idx="2">
+            <a:schemeClr val="accent1">
+              <a:shade val="50000"/>
+            </a:schemeClr>
+          </a:lnRef>
+          <a:fillRef idx="1">
+            <a:schemeClr val="accent1"/>
+          </a:fillRef>
+          <a:effectRef idx="0">
+            <a:schemeClr val="accent1"/>
+          </a:effectRef>
+          <a:fontRef idx="minor">
+            <a:schemeClr val="lt1"/>
+          </a:fontRef>
+        </p:style>
+        <p:txBody>
+          <a:bodyPr rtlCol="0" anchor="ctr"/>
+          <a:lstStyle/>
+          <a:p>
+            <a:pPr algn="ctr"/>
+            <a:endParaRPr lang="en-US">
+              <a:solidFill>
+                <a:srgbClr val="262626"/>
+              </a:solidFill>
+            </a:endParaRPr>
+          </a:p>
+        </p:txBody>
+      </p:sp>
+      <p:sp>
+        <p:nvSpPr>
+          <p:cNvPr id="12" name="TextBox 11">
+            <a:extLst>
+              <a:ext uri="{FF2B5EF4-FFF2-40B4-BE49-F238E27FC236}">
+                <a16:creationId xmlns:a16="http://schemas.microsoft.com/office/drawing/2014/main" id="{8C47248D-2004-49B2-B588-B77BBA573ED9}"/>
+              </a:ext>
+            </a:extLst>
+          </p:cNvPr>
+          <p:cNvSpPr txBox="1"/>
+          <p:nvPr/>
+        </p:nvSpPr>
+        <p:spPr>
+          <a:xfrm>
+            <a:off x="1300908" y="217316"/>
+            <a:ext cx="6174954" cy="707886"/>
+          </a:xfrm>
+          <a:prstGeom prst="rect">
+            <a:avLst/>
+          </a:prstGeom>
+          <a:noFill/>
+        </p:spPr>
+        <p:txBody>
+          <a:bodyPr wrap="square">
+            <a:spAutoFit/>
+          </a:bodyPr>
+          <a:lstStyle/>
+          <a:p>
+            <a:r>
+              <a:rPr lang="en-US" sz="4000" dirty="0">
+                <a:latin typeface="Arial" panose="020B0604020202020204" pitchFamily="34" charset="0"/>
+                <a:cs typeface="Arial" panose="020B0604020202020204" pitchFamily="34" charset="0"/>
+              </a:rPr>
+              <a:t>AGENDA</a:t>
+            </a:r>
+          </a:p>
+        </p:txBody>
+      </p:sp>
+      <p:grpSp>
+        <p:nvGrpSpPr>
+          <p:cNvPr id="29" name="Group 28">
+            <a:extLst>
+              <a:ext uri="{FF2B5EF4-FFF2-40B4-BE49-F238E27FC236}">
+                <a16:creationId xmlns:a16="http://schemas.microsoft.com/office/drawing/2014/main" id="{6C9CBE79-97D8-4126-A797-E9FDCADB3F21}"/>
+              </a:ext>
+            </a:extLst>
+          </p:cNvPr>
+          <p:cNvGrpSpPr/>
+          <p:nvPr/>
+        </p:nvGrpSpPr>
+        <p:grpSpPr>
+          <a:xfrm>
+            <a:off x="2579866" y="1567375"/>
+            <a:ext cx="4402836" cy="605070"/>
+            <a:chOff x="2273905" y="1634868"/>
+            <a:chExt cx="4402836" cy="605070"/>
+          </a:xfrm>
+        </p:grpSpPr>
+        <p:sp>
+          <p:nvSpPr>
+            <p:cNvPr id="10" name="TextBox 9">
+              <a:extLst>
+                <a:ext uri="{FF2B5EF4-FFF2-40B4-BE49-F238E27FC236}">
+                  <a16:creationId xmlns:a16="http://schemas.microsoft.com/office/drawing/2014/main" id="{E30360D7-F3B5-4A56-BCA3-0D2BACB73003}"/>
+                </a:ext>
+              </a:extLst>
+            </p:cNvPr>
+            <p:cNvSpPr txBox="1"/>
+            <p:nvPr/>
+          </p:nvSpPr>
+          <p:spPr>
+            <a:xfrm>
+              <a:off x="3210209" y="1668965"/>
+              <a:ext cx="3466532" cy="461665"/>
+            </a:xfrm>
+            <a:prstGeom prst="rect">
+              <a:avLst/>
+            </a:prstGeom>
+            <a:noFill/>
+          </p:spPr>
+          <p:txBody>
+            <a:bodyPr wrap="square" rtlCol="0">
+              <a:spAutoFit/>
+            </a:bodyPr>
+            <a:lstStyle/>
+            <a:p>
+              <a:r>
+                <a:rPr lang="en-US" sz="2400" dirty="0">
+                  <a:latin typeface="Arial" panose="020B0604020202020204" pitchFamily="34" charset="0"/>
+                  <a:cs typeface="Arial" panose="020B0604020202020204" pitchFamily="34" charset="0"/>
+                </a:rPr>
+                <a:t>DATA</a:t>
+              </a:r>
+            </a:p>
+          </p:txBody>
+        </p:sp>
+        <p:pic>
+          <p:nvPicPr>
+            <p:cNvPr id="20" name="Graphic 19" descr="Badge 1 with solid fill">
+              <a:extLst>
+                <a:ext uri="{FF2B5EF4-FFF2-40B4-BE49-F238E27FC236}">
+                  <a16:creationId xmlns:a16="http://schemas.microsoft.com/office/drawing/2014/main" id="{86D7BB21-B87D-4164-8322-63FFBF2E52D8}"/>
+                </a:ext>
+              </a:extLst>
+            </p:cNvPr>
+            <p:cNvPicPr>
+              <a:picLocks noChangeAspect="1"/>
+            </p:cNvPicPr>
+            <p:nvPr/>
+          </p:nvPicPr>
+          <p:blipFill>
+            <a:blip r:embed="rId4">
+              <a:extLst>
+                <a:ext uri="{28A0092B-C50C-407E-A947-70E740481C1C}">
+                  <a14:useLocalDpi xmlns:a14="http://schemas.microsoft.com/office/drawing/2010/main" val="0"/>
+                </a:ext>
+                <a:ext uri="{96DAC541-7B7A-43D3-8B79-37D633B846F1}">
+                  <asvg:svgBlip xmlns:asvg="http://schemas.microsoft.com/office/drawing/2016/SVG/main" r:embed="rId5"/>
+                </a:ext>
+              </a:extLst>
+            </a:blip>
+            <a:stretch>
+              <a:fillRect/>
+            </a:stretch>
+          </p:blipFill>
+          <p:spPr>
+            <a:xfrm>
+              <a:off x="2273905" y="1634868"/>
+              <a:ext cx="605070" cy="605070"/>
+            </a:xfrm>
+            <a:prstGeom prst="rect">
+              <a:avLst/>
+            </a:prstGeom>
+          </p:spPr>
+        </p:pic>
+      </p:grpSp>
+      <p:grpSp>
+        <p:nvGrpSpPr>
+          <p:cNvPr id="30" name="Group 29">
+            <a:extLst>
+              <a:ext uri="{FF2B5EF4-FFF2-40B4-BE49-F238E27FC236}">
+                <a16:creationId xmlns:a16="http://schemas.microsoft.com/office/drawing/2014/main" id="{22CA1785-47D7-4195-AA4C-8CCF9913F16E}"/>
+              </a:ext>
+            </a:extLst>
+          </p:cNvPr>
+          <p:cNvGrpSpPr/>
+          <p:nvPr/>
+        </p:nvGrpSpPr>
+        <p:grpSpPr>
+          <a:xfrm>
+            <a:off x="3214418" y="2377421"/>
+            <a:ext cx="3308196" cy="603504"/>
+            <a:chOff x="2862567" y="2242563"/>
+            <a:chExt cx="3308196" cy="603504"/>
+          </a:xfrm>
+        </p:grpSpPr>
+        <p:sp>
+          <p:nvSpPr>
+            <p:cNvPr id="15" name="TextBox 14">
+              <a:extLst>
+                <a:ext uri="{FF2B5EF4-FFF2-40B4-BE49-F238E27FC236}">
+                  <a16:creationId xmlns:a16="http://schemas.microsoft.com/office/drawing/2014/main" id="{F117D9D6-D6B8-475F-A2BE-682FB4A1BBCF}"/>
+                </a:ext>
+              </a:extLst>
+            </p:cNvPr>
+            <p:cNvSpPr txBox="1"/>
+            <p:nvPr/>
+          </p:nvSpPr>
+          <p:spPr>
+            <a:xfrm>
+              <a:off x="3773936" y="2269519"/>
+              <a:ext cx="2396827" cy="461665"/>
+            </a:xfrm>
+            <a:prstGeom prst="rect">
+              <a:avLst/>
+            </a:prstGeom>
+            <a:noFill/>
+          </p:spPr>
+          <p:txBody>
+            <a:bodyPr wrap="square" rtlCol="0">
+              <a:spAutoFit/>
+            </a:bodyPr>
+            <a:lstStyle/>
+            <a:p>
+              <a:r>
+                <a:rPr lang="en-US" sz="2400" dirty="0">
+                  <a:latin typeface="Arial" panose="020B0604020202020204" pitchFamily="34" charset="0"/>
+                  <a:cs typeface="Arial" panose="020B0604020202020204" pitchFamily="34" charset="0"/>
+                </a:rPr>
+                <a:t>ANALYSIS</a:t>
+              </a:r>
+            </a:p>
+          </p:txBody>
+        </p:sp>
+        <p:pic>
+          <p:nvPicPr>
+            <p:cNvPr id="22" name="Graphic 21" descr="Badge with solid fill">
+              <a:extLst>
+                <a:ext uri="{FF2B5EF4-FFF2-40B4-BE49-F238E27FC236}">
+                  <a16:creationId xmlns:a16="http://schemas.microsoft.com/office/drawing/2014/main" id="{2A09F456-14CD-4890-9364-9CFC7B999B12}"/>
+                </a:ext>
+              </a:extLst>
+            </p:cNvPr>
+            <p:cNvPicPr>
+              <a:picLocks noChangeAspect="1"/>
+            </p:cNvPicPr>
+            <p:nvPr/>
+          </p:nvPicPr>
+          <p:blipFill>
+            <a:blip r:embed="rId6">
+              <a:extLst>
+                <a:ext uri="{28A0092B-C50C-407E-A947-70E740481C1C}">
+                  <a14:useLocalDpi xmlns:a14="http://schemas.microsoft.com/office/drawing/2010/main" val="0"/>
+                </a:ext>
+                <a:ext uri="{96DAC541-7B7A-43D3-8B79-37D633B846F1}">
+                  <asvg:svgBlip xmlns:asvg="http://schemas.microsoft.com/office/drawing/2016/SVG/main" r:embed="rId7"/>
+                </a:ext>
+              </a:extLst>
+            </a:blip>
+            <a:stretch>
+              <a:fillRect/>
+            </a:stretch>
+          </p:blipFill>
+          <p:spPr>
+            <a:xfrm>
+              <a:off x="2862567" y="2242563"/>
+              <a:ext cx="603504" cy="603504"/>
+            </a:xfrm>
+            <a:prstGeom prst="rect">
+              <a:avLst/>
+            </a:prstGeom>
+          </p:spPr>
+        </p:pic>
+      </p:grpSp>
+      <p:grpSp>
+        <p:nvGrpSpPr>
+          <p:cNvPr id="31" name="Group 30">
+            <a:extLst>
+              <a:ext uri="{FF2B5EF4-FFF2-40B4-BE49-F238E27FC236}">
+                <a16:creationId xmlns:a16="http://schemas.microsoft.com/office/drawing/2014/main" id="{DDBB9352-6D92-4CA0-AEA4-46D3E55E68B8}"/>
+              </a:ext>
+            </a:extLst>
+          </p:cNvPr>
+          <p:cNvGrpSpPr/>
+          <p:nvPr/>
+        </p:nvGrpSpPr>
+        <p:grpSpPr>
+          <a:xfrm>
+            <a:off x="3817922" y="3240360"/>
+            <a:ext cx="3216531" cy="603504"/>
+            <a:chOff x="3397420" y="2927930"/>
+            <a:chExt cx="3216531" cy="603504"/>
+          </a:xfrm>
+        </p:grpSpPr>
+        <p:sp>
+          <p:nvSpPr>
+            <p:cNvPr id="14" name="TextBox 13">
+              <a:extLst>
+                <a:ext uri="{FF2B5EF4-FFF2-40B4-BE49-F238E27FC236}">
+                  <a16:creationId xmlns:a16="http://schemas.microsoft.com/office/drawing/2014/main" id="{D709E33B-9DBC-4856-A6A0-8A7B294BB6E3}"/>
+                </a:ext>
+              </a:extLst>
+            </p:cNvPr>
+            <p:cNvSpPr txBox="1"/>
+            <p:nvPr/>
+          </p:nvSpPr>
+          <p:spPr>
+            <a:xfrm>
+              <a:off x="4307480" y="2969632"/>
+              <a:ext cx="2306471" cy="461665"/>
+            </a:xfrm>
+            <a:prstGeom prst="rect">
+              <a:avLst/>
+            </a:prstGeom>
+            <a:noFill/>
+          </p:spPr>
+          <p:txBody>
+            <a:bodyPr wrap="square" rtlCol="0">
+              <a:spAutoFit/>
+            </a:bodyPr>
+            <a:lstStyle/>
+            <a:p>
+              <a:r>
+                <a:rPr lang="en-US" sz="2400" dirty="0">
+                  <a:latin typeface="Arial" panose="020B0604020202020204" pitchFamily="34" charset="0"/>
+                  <a:cs typeface="Arial" panose="020B0604020202020204" pitchFamily="34" charset="0"/>
+                </a:rPr>
+                <a:t>HYPOTHESIS</a:t>
+              </a:r>
+            </a:p>
+          </p:txBody>
+        </p:sp>
+        <p:pic>
+          <p:nvPicPr>
+            <p:cNvPr id="24" name="Graphic 23" descr="Badge 3 with solid fill">
+              <a:extLst>
+                <a:ext uri="{FF2B5EF4-FFF2-40B4-BE49-F238E27FC236}">
+                  <a16:creationId xmlns:a16="http://schemas.microsoft.com/office/drawing/2014/main" id="{4CFDCAB9-D32B-4FA8-952D-93499BDB0EF2}"/>
+                </a:ext>
+              </a:extLst>
+            </p:cNvPr>
+            <p:cNvPicPr>
+              <a:picLocks noChangeAspect="1"/>
+            </p:cNvPicPr>
+            <p:nvPr/>
+          </p:nvPicPr>
+          <p:blipFill>
+            <a:blip r:embed="rId8">
+              <a:extLst>
+                <a:ext uri="{28A0092B-C50C-407E-A947-70E740481C1C}">
+                  <a14:useLocalDpi xmlns:a14="http://schemas.microsoft.com/office/drawing/2010/main" val="0"/>
+                </a:ext>
+                <a:ext uri="{96DAC541-7B7A-43D3-8B79-37D633B846F1}">
+                  <asvg:svgBlip xmlns:asvg="http://schemas.microsoft.com/office/drawing/2016/SVG/main" r:embed="rId9"/>
+                </a:ext>
+              </a:extLst>
+            </a:blip>
+            <a:stretch>
+              <a:fillRect/>
+            </a:stretch>
+          </p:blipFill>
+          <p:spPr>
+            <a:xfrm>
+              <a:off x="3397420" y="2927930"/>
+              <a:ext cx="603504" cy="603504"/>
+            </a:xfrm>
+            <a:prstGeom prst="rect">
+              <a:avLst/>
+            </a:prstGeom>
+          </p:spPr>
+        </p:pic>
+      </p:grpSp>
+      <p:grpSp>
+        <p:nvGrpSpPr>
+          <p:cNvPr id="32" name="Group 31">
+            <a:extLst>
+              <a:ext uri="{FF2B5EF4-FFF2-40B4-BE49-F238E27FC236}">
+                <a16:creationId xmlns:a16="http://schemas.microsoft.com/office/drawing/2014/main" id="{DC1D2E5F-66DF-4673-9E1C-769D0324B888}"/>
+              </a:ext>
+            </a:extLst>
+          </p:cNvPr>
+          <p:cNvGrpSpPr/>
+          <p:nvPr/>
+        </p:nvGrpSpPr>
+        <p:grpSpPr>
+          <a:xfrm>
+            <a:off x="4421426" y="3998822"/>
+            <a:ext cx="4284191" cy="830997"/>
+            <a:chOff x="4234550" y="3738312"/>
+            <a:chExt cx="4284191" cy="830997"/>
+          </a:xfrm>
+        </p:grpSpPr>
+        <p:sp>
+          <p:nvSpPr>
+            <p:cNvPr id="16" name="TextBox 15">
+              <a:extLst>
+                <a:ext uri="{FF2B5EF4-FFF2-40B4-BE49-F238E27FC236}">
+                  <a16:creationId xmlns:a16="http://schemas.microsoft.com/office/drawing/2014/main" id="{D4D1715E-CB2D-4F93-9BAF-6BDB1851F88D}"/>
+                </a:ext>
+              </a:extLst>
+            </p:cNvPr>
+            <p:cNvSpPr txBox="1"/>
+            <p:nvPr/>
+          </p:nvSpPr>
+          <p:spPr>
+            <a:xfrm>
+              <a:off x="5313791" y="3738312"/>
+              <a:ext cx="3204950" cy="830997"/>
+            </a:xfrm>
+            <a:prstGeom prst="rect">
+              <a:avLst/>
+            </a:prstGeom>
+            <a:noFill/>
+          </p:spPr>
+          <p:txBody>
+            <a:bodyPr wrap="square" rtlCol="0">
+              <a:spAutoFit/>
+            </a:bodyPr>
+            <a:lstStyle/>
+            <a:p>
+              <a:r>
+                <a:rPr lang="en-US" sz="2400" dirty="0">
+                  <a:latin typeface="Arial" panose="020B0604020202020204" pitchFamily="34" charset="0"/>
+                  <a:cs typeface="Arial" panose="020B0604020202020204" pitchFamily="34" charset="0"/>
+                </a:rPr>
+                <a:t>PROPOSITION &amp; LIMITATIONS</a:t>
+              </a:r>
+            </a:p>
+          </p:txBody>
+        </p:sp>
+        <p:pic>
+          <p:nvPicPr>
+            <p:cNvPr id="26" name="Graphic 25" descr="Badge 4 with solid fill">
+              <a:extLst>
+                <a:ext uri="{FF2B5EF4-FFF2-40B4-BE49-F238E27FC236}">
+                  <a16:creationId xmlns:a16="http://schemas.microsoft.com/office/drawing/2014/main" id="{4E1B1C62-13FE-4F78-8361-137DEF2F2FA8}"/>
+                </a:ext>
+              </a:extLst>
+            </p:cNvPr>
+            <p:cNvPicPr>
+              <a:picLocks noChangeAspect="1"/>
+            </p:cNvPicPr>
+            <p:nvPr/>
+          </p:nvPicPr>
+          <p:blipFill>
+            <a:blip r:embed="rId10">
+              <a:extLst>
+                <a:ext uri="{28A0092B-C50C-407E-A947-70E740481C1C}">
+                  <a14:useLocalDpi xmlns:a14="http://schemas.microsoft.com/office/drawing/2010/main" val="0"/>
+                </a:ext>
+                <a:ext uri="{96DAC541-7B7A-43D3-8B79-37D633B846F1}">
+                  <asvg:svgBlip xmlns:asvg="http://schemas.microsoft.com/office/drawing/2016/SVG/main" r:embed="rId11"/>
+                </a:ext>
+              </a:extLst>
+            </a:blip>
+            <a:stretch>
+              <a:fillRect/>
+            </a:stretch>
+          </p:blipFill>
+          <p:spPr>
+            <a:xfrm>
+              <a:off x="4234550" y="3759371"/>
+              <a:ext cx="603504" cy="603504"/>
+            </a:xfrm>
+            <a:prstGeom prst="rect">
+              <a:avLst/>
+            </a:prstGeom>
+          </p:spPr>
+        </p:pic>
+      </p:grpSp>
+      <p:grpSp>
+        <p:nvGrpSpPr>
+          <p:cNvPr id="33" name="Group 32">
+            <a:extLst>
+              <a:ext uri="{FF2B5EF4-FFF2-40B4-BE49-F238E27FC236}">
+                <a16:creationId xmlns:a16="http://schemas.microsoft.com/office/drawing/2014/main" id="{1671B9EB-C82A-44B7-B60B-4B4C3E932C7F}"/>
+              </a:ext>
+            </a:extLst>
+          </p:cNvPr>
+          <p:cNvGrpSpPr/>
+          <p:nvPr/>
+        </p:nvGrpSpPr>
+        <p:grpSpPr>
+          <a:xfrm>
+            <a:off x="5067142" y="4905082"/>
+            <a:ext cx="2274846" cy="901894"/>
+            <a:chOff x="5091364" y="4673966"/>
+            <a:chExt cx="2274846" cy="901894"/>
+          </a:xfrm>
+        </p:grpSpPr>
+        <p:sp>
+          <p:nvSpPr>
+            <p:cNvPr id="18" name="TextBox 17">
+              <a:extLst>
+                <a:ext uri="{FF2B5EF4-FFF2-40B4-BE49-F238E27FC236}">
+                  <a16:creationId xmlns:a16="http://schemas.microsoft.com/office/drawing/2014/main" id="{30773E98-7CEF-4A52-AF55-B3A7715DAC14}"/>
+                </a:ext>
+              </a:extLst>
+            </p:cNvPr>
+            <p:cNvSpPr txBox="1"/>
+            <p:nvPr/>
+          </p:nvSpPr>
+          <p:spPr>
+            <a:xfrm>
+              <a:off x="5987786" y="4744863"/>
+              <a:ext cx="1378424" cy="830997"/>
+            </a:xfrm>
+            <a:prstGeom prst="rect">
+              <a:avLst/>
+            </a:prstGeom>
+            <a:noFill/>
+          </p:spPr>
+          <p:txBody>
+            <a:bodyPr wrap="square" rtlCol="0">
+              <a:spAutoFit/>
+            </a:bodyPr>
+            <a:lstStyle/>
+            <a:p>
+              <a:r>
+                <a:rPr lang="en-US" sz="2400" dirty="0">
+                  <a:latin typeface="Arial" panose="020B0604020202020204" pitchFamily="34" charset="0"/>
+                  <a:cs typeface="Arial" panose="020B0604020202020204" pitchFamily="34" charset="0"/>
+                </a:rPr>
+                <a:t>Q&amp;A</a:t>
+              </a:r>
+            </a:p>
+            <a:p>
+              <a:endParaRPr lang="en-US" sz="2400" dirty="0">
+                <a:latin typeface="Arial" panose="020B0604020202020204" pitchFamily="34" charset="0"/>
+                <a:cs typeface="Arial" panose="020B0604020202020204" pitchFamily="34" charset="0"/>
+              </a:endParaRPr>
+            </a:p>
+          </p:txBody>
+        </p:sp>
+        <p:pic>
+          <p:nvPicPr>
+            <p:cNvPr id="28" name="Graphic 27" descr="Badge 5 with solid fill">
+              <a:extLst>
+                <a:ext uri="{FF2B5EF4-FFF2-40B4-BE49-F238E27FC236}">
+                  <a16:creationId xmlns:a16="http://schemas.microsoft.com/office/drawing/2014/main" id="{13D65DF8-7D48-4FB6-9327-1501C53A3126}"/>
+                </a:ext>
+              </a:extLst>
+            </p:cNvPr>
+            <p:cNvPicPr>
+              <a:picLocks noChangeAspect="1"/>
+            </p:cNvPicPr>
+            <p:nvPr/>
+          </p:nvPicPr>
+          <p:blipFill>
+            <a:blip r:embed="rId12">
+              <a:extLst>
+                <a:ext uri="{28A0092B-C50C-407E-A947-70E740481C1C}">
+                  <a14:useLocalDpi xmlns:a14="http://schemas.microsoft.com/office/drawing/2010/main" val="0"/>
+                </a:ext>
+                <a:ext uri="{96DAC541-7B7A-43D3-8B79-37D633B846F1}">
+                  <asvg:svgBlip xmlns:asvg="http://schemas.microsoft.com/office/drawing/2016/SVG/main" r:embed="rId13"/>
+                </a:ext>
+              </a:extLst>
+            </a:blip>
+            <a:stretch>
+              <a:fillRect/>
+            </a:stretch>
+          </p:blipFill>
+          <p:spPr>
+            <a:xfrm>
+              <a:off x="5091364" y="4673966"/>
+              <a:ext cx="603504" cy="603504"/>
+            </a:xfrm>
+            <a:prstGeom prst="rect">
+              <a:avLst/>
+            </a:prstGeom>
+          </p:spPr>
+        </p:pic>
+      </p:grpSp>
+      <p:cxnSp>
+        <p:nvCxnSpPr>
+          <p:cNvPr id="75" name="Straight Connector 74">
+            <a:extLst>
+              <a:ext uri="{FF2B5EF4-FFF2-40B4-BE49-F238E27FC236}">
+                <a16:creationId xmlns:a16="http://schemas.microsoft.com/office/drawing/2014/main" id="{58C37D6E-E461-413A-887C-E846595B5733}"/>
+              </a:ext>
+            </a:extLst>
+          </p:cNvPr>
+          <p:cNvCxnSpPr/>
+          <p:nvPr/>
+        </p:nvCxnSpPr>
+        <p:spPr>
+          <a:xfrm>
+            <a:off x="-372468" y="3942721"/>
+            <a:ext cx="144903" cy="159740"/>
+          </a:xfrm>
+          <a:prstGeom prst="line">
+            <a:avLst/>
+          </a:prstGeom>
+        </p:spPr>
+        <p:style>
+          <a:lnRef idx="1">
+            <a:schemeClr val="accent1"/>
+          </a:lnRef>
+          <a:fillRef idx="0">
+            <a:schemeClr val="accent1"/>
+          </a:fillRef>
+          <a:effectRef idx="0">
+            <a:schemeClr val="accent1"/>
+          </a:effectRef>
+          <a:fontRef idx="minor">
+            <a:schemeClr val="tx1"/>
+          </a:fontRef>
+        </p:style>
+      </p:cxnSp>
+      <p:cxnSp>
+        <p:nvCxnSpPr>
+          <p:cNvPr id="76" name="Straight Connector 75">
+            <a:extLst>
+              <a:ext uri="{FF2B5EF4-FFF2-40B4-BE49-F238E27FC236}">
+                <a16:creationId xmlns:a16="http://schemas.microsoft.com/office/drawing/2014/main" id="{009A0A74-1B5C-4518-81A7-9F37404D1E1C}"/>
+              </a:ext>
+            </a:extLst>
+          </p:cNvPr>
+          <p:cNvCxnSpPr>
+            <a:cxnSpLocks/>
+          </p:cNvCxnSpPr>
+          <p:nvPr/>
+        </p:nvCxnSpPr>
+        <p:spPr>
+          <a:xfrm>
+            <a:off x="-11536" y="58281"/>
+            <a:ext cx="5063423" cy="6857990"/>
+          </a:xfrm>
+          <a:prstGeom prst="line">
+            <a:avLst/>
+          </a:prstGeom>
+          <a:ln>
+            <a:solidFill>
+              <a:srgbClr val="EB0A1E"/>
+            </a:solidFill>
+          </a:ln>
+        </p:spPr>
+        <p:style>
+          <a:lnRef idx="1">
+            <a:schemeClr val="accent1"/>
+          </a:lnRef>
+          <a:fillRef idx="0">
+            <a:schemeClr val="accent1"/>
+          </a:fillRef>
+          <a:effectRef idx="0">
+            <a:schemeClr val="accent1"/>
+          </a:effectRef>
+          <a:fontRef idx="minor">
+            <a:schemeClr val="tx1"/>
+          </a:fontRef>
+        </p:style>
+      </p:cxnSp>
+      <p:cxnSp>
+        <p:nvCxnSpPr>
+          <p:cNvPr id="86" name="Straight Connector 85">
+            <a:extLst>
+              <a:ext uri="{FF2B5EF4-FFF2-40B4-BE49-F238E27FC236}">
+                <a16:creationId xmlns:a16="http://schemas.microsoft.com/office/drawing/2014/main" id="{8419D13C-98D2-490C-8E60-D2B4A32981C4}"/>
+              </a:ext>
+            </a:extLst>
+          </p:cNvPr>
+          <p:cNvCxnSpPr>
+            <a:cxnSpLocks/>
+          </p:cNvCxnSpPr>
+          <p:nvPr/>
+        </p:nvCxnSpPr>
+        <p:spPr>
+          <a:xfrm>
+            <a:off x="7092814" y="58281"/>
+            <a:ext cx="5058382" cy="6799719"/>
+          </a:xfrm>
+          <a:prstGeom prst="line">
+            <a:avLst/>
+          </a:prstGeom>
+          <a:ln>
+            <a:solidFill>
+              <a:srgbClr val="2A6BAC"/>
+            </a:solidFill>
+          </a:ln>
+        </p:spPr>
+        <p:style>
+          <a:lnRef idx="1">
+            <a:schemeClr val="accent1"/>
+          </a:lnRef>
+          <a:fillRef idx="0">
+            <a:schemeClr val="accent1"/>
+          </a:fillRef>
+          <a:effectRef idx="0">
+            <a:schemeClr val="accent1"/>
+          </a:effectRef>
+          <a:fontRef idx="minor">
+            <a:schemeClr val="tx1"/>
+          </a:fontRef>
+        </p:style>
+      </p:cxnSp>
+    </p:spTree>
+    <p:extLst>
+      <p:ext uri="{BB962C8B-B14F-4D97-AF65-F5344CB8AC3E}">
+        <p14:creationId xmlns:p14="http://schemas.microsoft.com/office/powerpoint/2010/main" val="2614891721"/>
+      </p:ext>
+    </p:extLst>
+  </p:cSld>
+  <p:clrMapOvr>
+    <a:overrideClrMapping bg1="dk1" tx1="lt1" bg2="dk2" tx2="lt2" accent1="accent1" accent2="accent2" accent3="accent3" accent4="accent4" accent5="accent5" accent6="accent6" hlink="hlink" folHlink="folHlink"/>
+  </p:clrMapOvr>
+</p:sld>
+</file>
+
+<file path=ppt/slides/slide3.xml><?xml version="1.0" encoding="utf-8"?>
+<p:sld xmlns:a="http://schemas.openxmlformats.org/drawingml/2006/main" xmlns:r="http://schemas.openxmlformats.org/officeDocument/2006/relationships" xmlns:p="http://schemas.openxmlformats.org/presentationml/2006/main">
+  <p:cSld>
+    <p:spTree>
+      <p:nvGrpSpPr>
+        <p:cNvPr id="1" name=""/>
+        <p:cNvGrpSpPr/>
+        <p:nvPr/>
+      </p:nvGrpSpPr>
+      <p:grpSpPr>
+        <a:xfrm>
+          <a:off x="0" y="0"/>
+          <a:ext cx="0" cy="0"/>
+          <a:chOff x="0" y="0"/>
+          <a:chExt cx="0" cy="0"/>
+        </a:xfrm>
+      </p:grpSpPr>
+      <p:sp>
+        <p:nvSpPr>
+          <p:cNvPr id="2" name="Title 1">
+            <a:extLst>
+              <a:ext uri="{FF2B5EF4-FFF2-40B4-BE49-F238E27FC236}">
+                <a16:creationId xmlns:a16="http://schemas.microsoft.com/office/drawing/2014/main" id="{B73E7076-E1FA-4BBA-A97D-B2344FAD7813}"/>
+              </a:ext>
+            </a:extLst>
+          </p:cNvPr>
+          <p:cNvSpPr>
+            <a:spLocks noGrp="1"/>
+          </p:cNvSpPr>
+          <p:nvPr>
+            <p:ph type="title"/>
+          </p:nvPr>
+        </p:nvSpPr>
+        <p:spPr/>
+        <p:txBody>
+          <a:bodyPr/>
+          <a:lstStyle/>
+          <a:p>
+            <a:endParaRPr lang="en-US"/>
+          </a:p>
+        </p:txBody>
+      </p:sp>
+      <p:sp>
+        <p:nvSpPr>
+          <p:cNvPr id="3" name="Content Placeholder 2">
+            <a:extLst>
+              <a:ext uri="{FF2B5EF4-FFF2-40B4-BE49-F238E27FC236}">
+                <a16:creationId xmlns:a16="http://schemas.microsoft.com/office/drawing/2014/main" id="{198F8278-DDBE-44D0-B0F1-8F5AA19809F0}"/>
+              </a:ext>
+            </a:extLst>
+          </p:cNvPr>
+          <p:cNvSpPr>
+            <a:spLocks noGrp="1"/>
+          </p:cNvSpPr>
+          <p:nvPr>
+            <p:ph idx="1"/>
+          </p:nvPr>
+        </p:nvSpPr>
+        <p:spPr/>
+        <p:txBody>
+          <a:bodyPr/>
+          <a:lstStyle/>
+          <a:p>
+            <a:endParaRPr lang="en-US"/>
+          </a:p>
+        </p:txBody>
+      </p:sp>
+      <p:pic>
+        <p:nvPicPr>
+          <p:cNvPr id="4" name="Content Placeholder 3">
+            <a:extLst>
+              <a:ext uri="{FF2B5EF4-FFF2-40B4-BE49-F238E27FC236}">
+                <a16:creationId xmlns:a16="http://schemas.microsoft.com/office/drawing/2014/main" id="{FC90D1F6-2AAB-474F-A2D7-C0D81B9D6DE0}"/>
+              </a:ext>
+            </a:extLst>
+          </p:cNvPr>
+          <p:cNvPicPr>
+            <a:picLocks noChangeAspect="1"/>
+          </p:cNvPicPr>
+          <p:nvPr/>
+        </p:nvPicPr>
+        <p:blipFill rotWithShape="1">
+          <a:blip r:embed="rId2"/>
+          <a:srcRect t="15746"/>
+          <a:stretch/>
+        </p:blipFill>
+        <p:spPr>
+          <a:xfrm>
+            <a:off x="0" y="0"/>
+            <a:ext cx="12191980" cy="6856718"/>
+          </a:xfrm>
+          <a:prstGeom prst="rect">
+            <a:avLst/>
+          </a:prstGeom>
+        </p:spPr>
+      </p:pic>
+      <p:sp>
+        <p:nvSpPr>
+          <p:cNvPr id="8" name="TextBox 7">
+            <a:extLst>
+              <a:ext uri="{FF2B5EF4-FFF2-40B4-BE49-F238E27FC236}">
+                <a16:creationId xmlns:a16="http://schemas.microsoft.com/office/drawing/2014/main" id="{ED7094DD-9B27-4D33-AD07-64E8071113A9}"/>
+              </a:ext>
+            </a:extLst>
+          </p:cNvPr>
+          <p:cNvSpPr txBox="1"/>
+          <p:nvPr/>
+        </p:nvSpPr>
+        <p:spPr>
+          <a:xfrm>
+            <a:off x="5995918" y="230188"/>
+            <a:ext cx="4952347" cy="769441"/>
+          </a:xfrm>
+          <a:prstGeom prst="rect">
+            <a:avLst/>
+          </a:prstGeom>
+          <a:noFill/>
+        </p:spPr>
+        <p:txBody>
+          <a:bodyPr wrap="square" rtlCol="0">
+            <a:spAutoFit/>
+          </a:bodyPr>
+          <a:lstStyle/>
+          <a:p>
+            <a:r>
+              <a:rPr lang="en-US" sz="4400" b="1" dirty="0">
+                <a:solidFill>
+                  <a:srgbClr val="262626"/>
+                </a:solidFill>
+                <a:latin typeface="Arial" panose="020B0604020202020204" pitchFamily="34" charset="0"/>
+                <a:cs typeface="Arial" panose="020B0604020202020204" pitchFamily="34" charset="0"/>
+              </a:rPr>
+              <a:t>About our Data</a:t>
+            </a:r>
+          </a:p>
+        </p:txBody>
+      </p:sp>
+      <p:sp>
+        <p:nvSpPr>
+          <p:cNvPr id="9" name="TextBox 8">
+            <a:extLst>
+              <a:ext uri="{FF2B5EF4-FFF2-40B4-BE49-F238E27FC236}">
+                <a16:creationId xmlns:a16="http://schemas.microsoft.com/office/drawing/2014/main" id="{DCFC28D6-002A-4556-BC5E-22537D26884C}"/>
+              </a:ext>
+            </a:extLst>
+          </p:cNvPr>
+          <p:cNvSpPr txBox="1"/>
+          <p:nvPr/>
+        </p:nvSpPr>
+        <p:spPr>
+          <a:xfrm>
+            <a:off x="6126002" y="1364754"/>
+            <a:ext cx="4892322" cy="5078313"/>
+          </a:xfrm>
+          <a:prstGeom prst="rect">
+            <a:avLst/>
+          </a:prstGeom>
+          <a:noFill/>
+        </p:spPr>
+        <p:txBody>
+          <a:bodyPr wrap="square" rtlCol="0">
+            <a:spAutoFit/>
+          </a:bodyPr>
+          <a:lstStyle/>
+          <a:p>
+            <a:r>
+              <a:rPr lang="en-US" b="1" dirty="0">
+                <a:solidFill>
+                  <a:srgbClr val="2A6BAC"/>
+                </a:solidFill>
+                <a:latin typeface="Arial" panose="020B0604020202020204" pitchFamily="34" charset="0"/>
+              </a:rPr>
+              <a:t>PURPOSE</a:t>
+            </a:r>
+            <a:r>
+              <a:rPr lang="en-US" sz="1800" b="1" i="0" u="none" strike="noStrike" dirty="0">
+                <a:solidFill>
+                  <a:srgbClr val="2A6BAC"/>
+                </a:solidFill>
+                <a:effectLst/>
+                <a:latin typeface="Arial" panose="020B0604020202020204" pitchFamily="34" charset="0"/>
+              </a:rPr>
+              <a:t>: </a:t>
+            </a:r>
+          </a:p>
+          <a:p>
+            <a:r>
+              <a:rPr lang="en-US" sz="1800" b="0" i="0" u="none" strike="noStrike" dirty="0">
+                <a:solidFill>
+                  <a:srgbClr val="000000"/>
+                </a:solidFill>
+                <a:effectLst/>
+                <a:latin typeface="Arial" panose="020B0604020202020204" pitchFamily="34" charset="0"/>
+              </a:rPr>
+              <a:t>To help others determine how much to sell their used cars (based on Market price)</a:t>
+            </a:r>
+          </a:p>
+          <a:p>
+            <a:endParaRPr lang="en-US" dirty="0">
+              <a:solidFill>
+                <a:srgbClr val="000000"/>
+              </a:solidFill>
+              <a:latin typeface="Arial" panose="020B0604020202020204" pitchFamily="34" charset="0"/>
+            </a:endParaRPr>
+          </a:p>
+          <a:p>
+            <a:endParaRPr lang="en-US" dirty="0">
+              <a:solidFill>
+                <a:srgbClr val="000000"/>
+              </a:solidFill>
+              <a:latin typeface="Arial" panose="020B0604020202020204" pitchFamily="34" charset="0"/>
+            </a:endParaRPr>
+          </a:p>
+          <a:p>
+            <a:r>
+              <a:rPr lang="en-US" b="1" dirty="0">
+                <a:solidFill>
+                  <a:srgbClr val="2A6BAC"/>
+                </a:solidFill>
+                <a:latin typeface="Arial" panose="020B0604020202020204" pitchFamily="34" charset="0"/>
+              </a:rPr>
+              <a:t>HOW: </a:t>
+            </a:r>
+            <a:endParaRPr lang="en-US" sz="1800" b="1" i="0" u="none" strike="noStrike" dirty="0">
+              <a:solidFill>
+                <a:srgbClr val="2A6BAC"/>
+              </a:solidFill>
+              <a:effectLst/>
+              <a:latin typeface="Arial" panose="020B0604020202020204" pitchFamily="34" charset="0"/>
+            </a:endParaRPr>
+          </a:p>
+          <a:p>
+            <a:r>
+              <a:rPr lang="en-US" sz="1800" b="0" i="0" u="none" strike="noStrike" dirty="0">
+                <a:solidFill>
+                  <a:srgbClr val="000000"/>
+                </a:solidFill>
+                <a:effectLst/>
+                <a:latin typeface="Arial" panose="020B0604020202020204" pitchFamily="34" charset="0"/>
+              </a:rPr>
+              <a:t>Contains web-scraped data on 100,000 used cars divided into csv based on brands. In this project we focused on Toyota &amp; Ford)</a:t>
+            </a:r>
+          </a:p>
+          <a:p>
+            <a:endParaRPr lang="en-US" dirty="0">
+              <a:solidFill>
+                <a:srgbClr val="000000"/>
+              </a:solidFill>
+              <a:latin typeface="Arial" panose="020B0604020202020204" pitchFamily="34" charset="0"/>
+            </a:endParaRPr>
+          </a:p>
+          <a:p>
+            <a:endParaRPr lang="en-US" dirty="0">
+              <a:solidFill>
+                <a:srgbClr val="000000"/>
+              </a:solidFill>
+              <a:latin typeface="Arial" panose="020B0604020202020204" pitchFamily="34" charset="0"/>
+            </a:endParaRPr>
+          </a:p>
+          <a:p>
+            <a:r>
+              <a:rPr lang="en-US" sz="1800" b="1" i="0" u="none" strike="noStrike" dirty="0">
+                <a:solidFill>
+                  <a:srgbClr val="2A6BAC"/>
+                </a:solidFill>
+                <a:effectLst/>
+                <a:latin typeface="Arial" panose="020B0604020202020204" pitchFamily="34" charset="0"/>
+              </a:rPr>
+              <a:t>GETS BETTER: </a:t>
+            </a:r>
+          </a:p>
+          <a:p>
+            <a:r>
+              <a:rPr lang="en-US" sz="1800" b="0" i="0" u="none" strike="noStrike" dirty="0">
+                <a:solidFill>
+                  <a:srgbClr val="000000"/>
+                </a:solidFill>
+                <a:effectLst/>
+                <a:latin typeface="Arial" panose="020B0604020202020204" pitchFamily="34" charset="0"/>
+              </a:rPr>
+              <a:t>The data set contains mostly clean data with variables such as Price, mileage, mpg, year of model, and engine size. </a:t>
+            </a:r>
+          </a:p>
+          <a:p>
+            <a:endParaRPr lang="en-US" dirty="0">
+              <a:solidFill>
+                <a:srgbClr val="000000"/>
+              </a:solidFill>
+              <a:latin typeface="Arial" panose="020B0604020202020204" pitchFamily="34" charset="0"/>
+            </a:endParaRPr>
+          </a:p>
+          <a:p>
+            <a:endParaRPr lang="en-US" dirty="0">
+              <a:solidFill>
+                <a:srgbClr val="000000"/>
+              </a:solidFill>
+              <a:latin typeface="Arial" panose="020B0604020202020204" pitchFamily="34" charset="0"/>
+            </a:endParaRPr>
+          </a:p>
+          <a:p>
+            <a:endParaRPr lang="en-US" dirty="0"/>
+          </a:p>
+        </p:txBody>
+      </p:sp>
+      <p:pic>
+        <p:nvPicPr>
+          <p:cNvPr id="10" name="Picture 4" descr="How to Download Kaggle Datasets on Ubuntu | endtoend.ai">
+            <a:extLst>
+              <a:ext uri="{FF2B5EF4-FFF2-40B4-BE49-F238E27FC236}">
+                <a16:creationId xmlns:a16="http://schemas.microsoft.com/office/drawing/2014/main" id="{E253A9F6-88B0-4840-9C15-FE7BB12720D8}"/>
               </a:ext>
             </a:extLst>
           </p:cNvPr>
@@ -3355,8 +5137,25 @@
           <p:nvPr/>
         </p:nvPicPr>
         <p:blipFill>
-          <a:blip r:embed="rId2">
-            <a:extLst>
+          <a:blip r:embed="rId3">
+            <a:extLst>
+              <a:ext uri="{BEBA8EAE-BF5A-486C-A8C5-ECC9F3942E4B}">
+                <a14:imgProps xmlns:a14="http://schemas.microsoft.com/office/drawing/2010/main">
+                  <a14:imgLayer r:embed="rId4">
+                    <a14:imgEffect>
+                      <a14:backgroundRemoval t="9938" b="89938" l="6379" r="91632">
+                        <a14:foregroundMark x1="6462" y1="36025" x2="6959" y2="40994"/>
+                        <a14:foregroundMark x1="16736" y1="44224" x2="20298" y2="43602"/>
+                        <a14:foregroundMark x1="27423" y1="44224" x2="30240" y2="43851"/>
+                        <a14:foregroundMark x1="38111" y1="44224" x2="40928" y2="43230"/>
+                        <a14:foregroundMark x1="48136" y1="36522" x2="48384" y2="41118"/>
+                        <a14:foregroundMark x1="53355" y1="44596" x2="54764" y2="44224"/>
+                        <a14:foregroundMark x1="91632" y1="30311" x2="91632" y2="33168"/>
+                      </a14:backgroundRemoval>
+                    </a14:imgEffect>
+                  </a14:imgLayer>
+                </a14:imgProps>
+              </a:ext>
               <a:ext uri="{28A0092B-C50C-407E-A947-70E740481C1C}">
                 <a14:useLocalDpi xmlns:a14="http://schemas.microsoft.com/office/drawing/2010/main" val="0"/>
               </a:ext>
@@ -3369,8 +5168,8 @@
         </p:blipFill>
         <p:spPr bwMode="auto">
           <a:xfrm>
-            <a:off x="0" y="1"/>
-            <a:ext cx="12192000" cy="4303302"/>
+            <a:off x="9771679" y="5504753"/>
+            <a:ext cx="2420321" cy="1614294"/>
           </a:xfrm>
           <a:prstGeom prst="rect">
             <a:avLst/>
@@ -3389,10 +5188,10 @@
       </p:pic>
       <p:cxnSp>
         <p:nvCxnSpPr>
-          <p:cNvPr id="8" name="Straight Connector 7">
-            <a:extLst>
-              <a:ext uri="{FF2B5EF4-FFF2-40B4-BE49-F238E27FC236}">
-                <a16:creationId xmlns:a16="http://schemas.microsoft.com/office/drawing/2014/main" id="{27EA7320-D7FD-40F3-94A8-7C90ABC224F0}"/>
+          <p:cNvPr id="11" name="Straight Connector 10">
+            <a:extLst>
+              <a:ext uri="{FF2B5EF4-FFF2-40B4-BE49-F238E27FC236}">
+                <a16:creationId xmlns:a16="http://schemas.microsoft.com/office/drawing/2014/main" id="{2CD8C99B-B602-4538-A53F-C8034A9A5CAD}"/>
               </a:ext>
             </a:extLst>
           </p:cNvPr>
@@ -3402,16 +5201,16 @@
           <p:nvPr/>
         </p:nvCxnSpPr>
         <p:spPr>
-          <a:xfrm flipV="1">
-            <a:off x="0" y="5326836"/>
-            <a:ext cx="12192000" cy="45966"/>
+          <a:xfrm>
+            <a:off x="6047327" y="1017623"/>
+            <a:ext cx="2524836" cy="0"/>
           </a:xfrm>
           <a:prstGeom prst="line">
             <a:avLst/>
           </a:prstGeom>
-          <a:ln>
+          <a:ln w="25400" cmpd="sng">
             <a:solidFill>
-              <a:srgbClr val="FF0000"/>
+              <a:srgbClr val="EB0A1E"/>
             </a:solidFill>
           </a:ln>
         </p:spPr>
@@ -3432,208 +5231,261 @@
       </p:cxnSp>
       <p:sp>
         <p:nvSpPr>
-          <p:cNvPr id="9" name="TextBox 8">
-            <a:extLst>
-              <a:ext uri="{FF2B5EF4-FFF2-40B4-BE49-F238E27FC236}">
-                <a16:creationId xmlns:a16="http://schemas.microsoft.com/office/drawing/2014/main" id="{D5CCA52F-4650-46D0-8491-B7E119CA1C71}"/>
-              </a:ext>
-            </a:extLst>
-          </p:cNvPr>
-          <p:cNvSpPr txBox="1"/>
+          <p:cNvPr id="13" name="Rectangle 12">
+            <a:extLst>
+              <a:ext uri="{FF2B5EF4-FFF2-40B4-BE49-F238E27FC236}">
+                <a16:creationId xmlns:a16="http://schemas.microsoft.com/office/drawing/2014/main" id="{B40FB80B-77A4-4C29-A32E-037C64540F10}"/>
+              </a:ext>
+            </a:extLst>
+          </p:cNvPr>
+          <p:cNvSpPr/>
           <p:nvPr/>
         </p:nvSpPr>
         <p:spPr>
           <a:xfrm>
-            <a:off x="-235132" y="6396335"/>
-            <a:ext cx="12192000" cy="461665"/>
+            <a:off x="32108" y="-33733"/>
+            <a:ext cx="4920239" cy="6891733"/>
+          </a:xfrm>
+          <a:prstGeom prst="rect">
+            <a:avLst/>
+          </a:prstGeom>
+        </p:spPr>
+        <p:style>
+          <a:lnRef idx="2">
+            <a:schemeClr val="dk1">
+              <a:shade val="50000"/>
+            </a:schemeClr>
+          </a:lnRef>
+          <a:fillRef idx="1">
+            <a:schemeClr val="dk1"/>
+          </a:fillRef>
+          <a:effectRef idx="0">
+            <a:schemeClr val="dk1"/>
+          </a:effectRef>
+          <a:fontRef idx="minor">
+            <a:schemeClr val="lt1"/>
+          </a:fontRef>
+        </p:style>
+        <p:txBody>
+          <a:bodyPr rtlCol="0" anchor="ctr"/>
+          <a:lstStyle/>
+          <a:p>
+            <a:pPr algn="ctr"/>
+            <a:endParaRPr lang="en-US"/>
+          </a:p>
+        </p:txBody>
+      </p:sp>
+      <p:sp>
+        <p:nvSpPr>
+          <p:cNvPr id="16" name="Rectangle 15">
+            <a:extLst>
+              <a:ext uri="{FF2B5EF4-FFF2-40B4-BE49-F238E27FC236}">
+                <a16:creationId xmlns:a16="http://schemas.microsoft.com/office/drawing/2014/main" id="{7B3E4BAD-BEB7-4973-9F0F-AC3ACF7FA0B5}"/>
+              </a:ext>
+            </a:extLst>
+          </p:cNvPr>
+          <p:cNvSpPr/>
+          <p:nvPr/>
+        </p:nvSpPr>
+        <p:spPr>
+          <a:xfrm>
+            <a:off x="4930636" y="-24821"/>
+            <a:ext cx="335456" cy="6881539"/>
+          </a:xfrm>
+          <a:prstGeom prst="rect">
+            <a:avLst/>
+          </a:prstGeom>
+          <a:solidFill>
+            <a:schemeClr val="dk1">
+              <a:alpha val="66000"/>
+            </a:schemeClr>
+          </a:solidFill>
+          <a:ln>
+            <a:solidFill>
+              <a:srgbClr val="000000">
+                <a:alpha val="78039"/>
+              </a:srgbClr>
+            </a:solidFill>
+          </a:ln>
+        </p:spPr>
+        <p:style>
+          <a:lnRef idx="2">
+            <a:schemeClr val="dk1">
+              <a:shade val="50000"/>
+            </a:schemeClr>
+          </a:lnRef>
+          <a:fillRef idx="1">
+            <a:schemeClr val="dk1"/>
+          </a:fillRef>
+          <a:effectRef idx="0">
+            <a:schemeClr val="dk1"/>
+          </a:effectRef>
+          <a:fontRef idx="minor">
+            <a:schemeClr val="lt1"/>
+          </a:fontRef>
+        </p:style>
+        <p:txBody>
+          <a:bodyPr rtlCol="0" anchor="ctr"/>
+          <a:lstStyle/>
+          <a:p>
+            <a:pPr algn="ctr"/>
+            <a:endParaRPr lang="en-US"/>
+          </a:p>
+        </p:txBody>
+      </p:sp>
+      <p:pic>
+        <p:nvPicPr>
+          <p:cNvPr id="3076" name="Picture 4" descr="500+ Car Interior Pictures | Download Free Images on Unsplash">
+            <a:extLst>
+              <a:ext uri="{FF2B5EF4-FFF2-40B4-BE49-F238E27FC236}">
+                <a16:creationId xmlns:a16="http://schemas.microsoft.com/office/drawing/2014/main" id="{806CA795-CFB4-471D-AD8A-0193670F309C}"/>
+              </a:ext>
+            </a:extLst>
+          </p:cNvPr>
+          <p:cNvPicPr>
+            <a:picLocks noChangeAspect="1" noChangeArrowheads="1"/>
+          </p:cNvPicPr>
+          <p:nvPr/>
+        </p:nvPicPr>
+        <p:blipFill rotWithShape="1">
+          <a:blip r:embed="rId5">
+            <a:alphaModFix amt="70000"/>
+            <a:extLst>
+              <a:ext uri="{28A0092B-C50C-407E-A947-70E740481C1C}">
+                <a14:useLocalDpi xmlns:a14="http://schemas.microsoft.com/office/drawing/2010/main" val="0"/>
+              </a:ext>
+            </a:extLst>
+          </a:blip>
+          <a:srcRect b="1486"/>
+          <a:stretch/>
+        </p:blipFill>
+        <p:spPr bwMode="auto">
+          <a:xfrm>
+            <a:off x="32108" y="-31426"/>
+            <a:ext cx="4920259" cy="6889426"/>
           </a:xfrm>
           <a:prstGeom prst="rect">
             <a:avLst/>
           </a:prstGeom>
           <a:noFill/>
+          <a:extLst>
+            <a:ext uri="{909E8E84-426E-40DD-AFC4-6F175D3DCCD1}">
+              <a14:hiddenFill xmlns:a14="http://schemas.microsoft.com/office/drawing/2010/main">
+                <a:solidFill>
+                  <a:srgbClr val="FFFFFF"/>
+                </a:solidFill>
+              </a14:hiddenFill>
+            </a:ext>
+          </a:extLst>
         </p:spPr>
-        <p:txBody>
-          <a:bodyPr wrap="square" rtlCol="0">
-            <a:spAutoFit/>
-          </a:bodyPr>
-          <a:lstStyle/>
-          <a:p>
-            <a:pPr algn="ctr" rtl="0">
-              <a:spcBef>
-                <a:spcPts val="0"/>
-              </a:spcBef>
-              <a:spcAft>
-                <a:spcPts val="0"/>
-              </a:spcAft>
-            </a:pPr>
-            <a:r>
-              <a:rPr lang="en-US" sz="2400" b="1" i="0" u="none" strike="noStrike" dirty="0">
-                <a:solidFill>
-                  <a:schemeClr val="bg1"/>
-                </a:solidFill>
-                <a:effectLst/>
-                <a:latin typeface="Arial" panose="020B0604020202020204" pitchFamily="34" charset="0"/>
-                <a:cs typeface="Arial" panose="020B0604020202020204" pitchFamily="34" charset="0"/>
-              </a:rPr>
-              <a:t>Joseph </a:t>
-            </a:r>
-            <a:r>
-              <a:rPr lang="en-US" sz="2400" b="1" i="0" u="none" strike="noStrike" dirty="0" err="1">
-                <a:solidFill>
-                  <a:schemeClr val="bg1"/>
-                </a:solidFill>
-                <a:effectLst/>
-                <a:latin typeface="Arial" panose="020B0604020202020204" pitchFamily="34" charset="0"/>
-                <a:cs typeface="Arial" panose="020B0604020202020204" pitchFamily="34" charset="0"/>
-              </a:rPr>
-              <a:t>Onwukeme</a:t>
-            </a:r>
-            <a:r>
-              <a:rPr lang="en-US" sz="2400" b="1" dirty="0">
-                <a:solidFill>
-                  <a:schemeClr val="bg1"/>
-                </a:solidFill>
-                <a:latin typeface="Arial" panose="020B0604020202020204" pitchFamily="34" charset="0"/>
-                <a:cs typeface="Arial" panose="020B0604020202020204" pitchFamily="34" charset="0"/>
-              </a:rPr>
-              <a:t> ●</a:t>
-            </a:r>
-            <a:r>
-              <a:rPr lang="en-US" sz="2400" b="1" i="0" u="none" strike="noStrike" dirty="0">
-                <a:solidFill>
-                  <a:schemeClr val="bg1"/>
-                </a:solidFill>
-                <a:effectLst/>
-                <a:latin typeface="Arial" panose="020B0604020202020204" pitchFamily="34" charset="0"/>
-                <a:cs typeface="Arial" panose="020B0604020202020204" pitchFamily="34" charset="0"/>
-              </a:rPr>
-              <a:t> Matthew </a:t>
-            </a:r>
-            <a:r>
-              <a:rPr lang="en-US" sz="2400" b="1" i="0" u="none" strike="noStrike" dirty="0" err="1">
-                <a:solidFill>
-                  <a:schemeClr val="bg1"/>
-                </a:solidFill>
-                <a:effectLst/>
-                <a:latin typeface="Arial" panose="020B0604020202020204" pitchFamily="34" charset="0"/>
-                <a:cs typeface="Arial" panose="020B0604020202020204" pitchFamily="34" charset="0"/>
-              </a:rPr>
-              <a:t>Witschorke</a:t>
-            </a:r>
-            <a:r>
-              <a:rPr lang="en-US" sz="2400" b="1" dirty="0">
-                <a:solidFill>
-                  <a:schemeClr val="bg1"/>
-                </a:solidFill>
-                <a:latin typeface="Arial" panose="020B0604020202020204" pitchFamily="34" charset="0"/>
-                <a:cs typeface="Arial" panose="020B0604020202020204" pitchFamily="34" charset="0"/>
-              </a:rPr>
-              <a:t> ●</a:t>
-            </a:r>
-            <a:r>
-              <a:rPr lang="en-US" sz="2400" b="1" i="0" u="none" strike="noStrike" dirty="0">
-                <a:solidFill>
-                  <a:schemeClr val="bg1"/>
-                </a:solidFill>
-                <a:effectLst/>
-                <a:latin typeface="Arial" panose="020B0604020202020204" pitchFamily="34" charset="0"/>
-                <a:cs typeface="Arial" panose="020B0604020202020204" pitchFamily="34" charset="0"/>
-              </a:rPr>
-              <a:t> Sam </a:t>
-            </a:r>
-            <a:r>
-              <a:rPr lang="en-US" sz="2400" b="1" i="0" u="none" strike="noStrike" dirty="0" err="1">
-                <a:solidFill>
-                  <a:schemeClr val="bg1"/>
-                </a:solidFill>
-                <a:effectLst/>
-                <a:latin typeface="Arial" panose="020B0604020202020204" pitchFamily="34" charset="0"/>
-                <a:cs typeface="Arial" panose="020B0604020202020204" pitchFamily="34" charset="0"/>
-              </a:rPr>
-              <a:t>Slomowitz</a:t>
-            </a:r>
-            <a:r>
-              <a:rPr lang="en-US" sz="2400" b="1" dirty="0">
-                <a:solidFill>
-                  <a:schemeClr val="bg1"/>
-                </a:solidFill>
-                <a:latin typeface="Arial" panose="020B0604020202020204" pitchFamily="34" charset="0"/>
-                <a:cs typeface="Arial" panose="020B0604020202020204" pitchFamily="34" charset="0"/>
-              </a:rPr>
-              <a:t> ●</a:t>
-            </a:r>
-            <a:r>
-              <a:rPr lang="en-US" sz="2400" b="1" i="0" u="none" strike="noStrike" dirty="0">
-                <a:solidFill>
-                  <a:schemeClr val="bg1"/>
-                </a:solidFill>
-                <a:effectLst/>
-                <a:latin typeface="Arial" panose="020B0604020202020204" pitchFamily="34" charset="0"/>
-                <a:cs typeface="Arial" panose="020B0604020202020204" pitchFamily="34" charset="0"/>
-              </a:rPr>
-              <a:t> Yarely Vargas</a:t>
-            </a:r>
-            <a:endParaRPr lang="en-US" sz="2400" b="1" dirty="0">
+      </p:pic>
+      <p:grpSp>
+        <p:nvGrpSpPr>
+          <p:cNvPr id="17" name="Group 16">
+            <a:extLst>
+              <a:ext uri="{FF2B5EF4-FFF2-40B4-BE49-F238E27FC236}">
+                <a16:creationId xmlns:a16="http://schemas.microsoft.com/office/drawing/2014/main" id="{BAA03672-86E4-4B76-A60A-3F5F7CA9E8C8}"/>
+              </a:ext>
+            </a:extLst>
+          </p:cNvPr>
+          <p:cNvGrpSpPr/>
+          <p:nvPr/>
+        </p:nvGrpSpPr>
+        <p:grpSpPr>
+          <a:xfrm>
+            <a:off x="4952347" y="-33733"/>
+            <a:ext cx="313764" cy="6894934"/>
+            <a:chOff x="4952347" y="-33733"/>
+            <a:chExt cx="313764" cy="6894934"/>
+          </a:xfrm>
+        </p:grpSpPr>
+        <p:cxnSp>
+          <p:nvCxnSpPr>
+            <p:cNvPr id="15" name="Straight Connector 14">
+              <a:extLst>
+                <a:ext uri="{FF2B5EF4-FFF2-40B4-BE49-F238E27FC236}">
+                  <a16:creationId xmlns:a16="http://schemas.microsoft.com/office/drawing/2014/main" id="{931DBCCE-5E3C-4DD6-9359-ADBC3B3A5B5F}"/>
+                </a:ext>
+              </a:extLst>
+            </p:cNvPr>
+            <p:cNvCxnSpPr/>
+            <p:nvPr/>
+          </p:nvCxnSpPr>
+          <p:spPr>
+            <a:xfrm>
+              <a:off x="4952347" y="-33733"/>
+              <a:ext cx="0" cy="6890451"/>
+            </a:xfrm>
+            <a:prstGeom prst="line">
+              <a:avLst/>
+            </a:prstGeom>
+            <a:ln>
               <a:solidFill>
-                <a:schemeClr val="bg1"/>
+                <a:srgbClr val="2A6BAC"/>
               </a:solidFill>
-              <a:effectLst/>
-              <a:latin typeface="Arial" panose="020B0604020202020204" pitchFamily="34" charset="0"/>
-              <a:cs typeface="Arial" panose="020B0604020202020204" pitchFamily="34" charset="0"/>
-            </a:endParaRPr>
-          </a:p>
-        </p:txBody>
-      </p:sp>
-      <p:sp>
-        <p:nvSpPr>
-          <p:cNvPr id="12" name="TextBox 11">
-            <a:extLst>
-              <a:ext uri="{FF2B5EF4-FFF2-40B4-BE49-F238E27FC236}">
-                <a16:creationId xmlns:a16="http://schemas.microsoft.com/office/drawing/2014/main" id="{2CA90DC0-0C81-4A08-B480-9F045E02B484}"/>
-              </a:ext>
-            </a:extLst>
-          </p:cNvPr>
-          <p:cNvSpPr txBox="1"/>
-          <p:nvPr/>
-        </p:nvSpPr>
-        <p:spPr>
-          <a:xfrm>
-            <a:off x="2748642" y="4557395"/>
-            <a:ext cx="7466511" cy="769441"/>
-          </a:xfrm>
-          <a:prstGeom prst="rect">
-            <a:avLst/>
-          </a:prstGeom>
-          <a:noFill/>
-        </p:spPr>
-        <p:txBody>
-          <a:bodyPr wrap="square">
-            <a:spAutoFit/>
-          </a:bodyPr>
-          <a:lstStyle/>
-          <a:p>
-            <a:r>
-              <a:rPr lang="en-US" sz="4400" b="1" i="0" u="none" strike="noStrike" dirty="0">
-                <a:solidFill>
-                  <a:schemeClr val="bg1"/>
-                </a:solidFill>
-                <a:effectLst/>
-                <a:latin typeface="Arial" panose="020B0604020202020204" pitchFamily="34" charset="0"/>
-              </a:rPr>
-              <a:t>Used Car Price Prediction</a:t>
-            </a:r>
-            <a:endParaRPr lang="en-US" sz="4400" dirty="0">
+            </a:ln>
+          </p:spPr>
+          <p:style>
+            <a:lnRef idx="1">
+              <a:schemeClr val="accent1"/>
+            </a:lnRef>
+            <a:fillRef idx="0">
+              <a:schemeClr val="accent1"/>
+            </a:fillRef>
+            <a:effectRef idx="0">
+              <a:schemeClr val="accent1"/>
+            </a:effectRef>
+            <a:fontRef idx="minor">
+              <a:schemeClr val="tx1"/>
+            </a:fontRef>
+          </p:style>
+        </p:cxnSp>
+        <p:cxnSp>
+          <p:nvCxnSpPr>
+            <p:cNvPr id="19" name="Straight Connector 18">
+              <a:extLst>
+                <a:ext uri="{FF2B5EF4-FFF2-40B4-BE49-F238E27FC236}">
+                  <a16:creationId xmlns:a16="http://schemas.microsoft.com/office/drawing/2014/main" id="{4FA34289-71D1-490B-98FB-D4AAE6B5F12C}"/>
+                </a:ext>
+              </a:extLst>
+            </p:cNvPr>
+            <p:cNvCxnSpPr/>
+            <p:nvPr/>
+          </p:nvCxnSpPr>
+          <p:spPr>
+            <a:xfrm>
+              <a:off x="5266111" y="-29250"/>
+              <a:ext cx="0" cy="6890451"/>
+            </a:xfrm>
+            <a:prstGeom prst="line">
+              <a:avLst/>
+            </a:prstGeom>
+            <a:ln>
               <a:solidFill>
-                <a:schemeClr val="bg1"/>
+                <a:srgbClr val="EB0A1E"/>
               </a:solidFill>
-            </a:endParaRPr>
-          </a:p>
-        </p:txBody>
-      </p:sp>
+            </a:ln>
+          </p:spPr>
+          <p:style>
+            <a:lnRef idx="1">
+              <a:schemeClr val="accent1"/>
+            </a:lnRef>
+            <a:fillRef idx="0">
+              <a:schemeClr val="accent1"/>
+            </a:fillRef>
+            <a:effectRef idx="0">
+              <a:schemeClr val="accent1"/>
+            </a:effectRef>
+            <a:fontRef idx="minor">
+              <a:schemeClr val="tx1"/>
+            </a:fontRef>
+          </p:style>
+        </p:cxnSp>
+      </p:grpSp>
     </p:spTree>
     <p:extLst>
       <p:ext uri="{BB962C8B-B14F-4D97-AF65-F5344CB8AC3E}">
-        <p14:creationId xmlns:p14="http://schemas.microsoft.com/office/powerpoint/2010/main" val="1108963286"/>
+        <p14:creationId xmlns:p14="http://schemas.microsoft.com/office/powerpoint/2010/main" val="2929616130"/>
       </p:ext>
     </p:extLst>
   </p:cSld>
@@ -3643,7 +5495,7 @@
 </p:sld>
 </file>
 
-<file path=ppt/slides/slide10.xml><?xml version="1.0" encoding="utf-8"?>
+<file path=ppt/slides/slide4.xml><?xml version="1.0" encoding="utf-8"?>
 <p:sld xmlns:a="http://schemas.openxmlformats.org/drawingml/2006/main" xmlns:r="http://schemas.openxmlformats.org/officeDocument/2006/relationships" xmlns:p="http://schemas.openxmlformats.org/presentationml/2006/main">
   <p:cSld>
     <p:bg>
@@ -3854,22 +5706,96 @@
           </a:p>
         </p:txBody>
       </p:sp>
+      <p:sp>
+        <p:nvSpPr>
+          <p:cNvPr id="14" name="TextBox 13">
+            <a:extLst>
+              <a:ext uri="{FF2B5EF4-FFF2-40B4-BE49-F238E27FC236}">
+                <a16:creationId xmlns:a16="http://schemas.microsoft.com/office/drawing/2014/main" id="{8F228711-3E1D-4A5F-B1EC-F791CBB4F396}"/>
+              </a:ext>
+            </a:extLst>
+          </p:cNvPr>
+          <p:cNvSpPr txBox="1"/>
+          <p:nvPr/>
+        </p:nvSpPr>
+        <p:spPr>
+          <a:xfrm>
+            <a:off x="365760" y="271493"/>
+            <a:ext cx="5422610" cy="769441"/>
+          </a:xfrm>
+          <a:prstGeom prst="rect">
+            <a:avLst/>
+          </a:prstGeom>
+          <a:noFill/>
+        </p:spPr>
+        <p:txBody>
+          <a:bodyPr wrap="square" rtlCol="0">
+            <a:spAutoFit/>
+          </a:bodyPr>
+          <a:lstStyle/>
+          <a:p>
+            <a:r>
+              <a:rPr lang="en-US" sz="4400" b="1" dirty="0">
+                <a:solidFill>
+                  <a:srgbClr val="262626"/>
+                </a:solidFill>
+                <a:latin typeface="Arial" panose="020B0604020202020204" pitchFamily="34" charset="0"/>
+                <a:cs typeface="Arial" panose="020B0604020202020204" pitchFamily="34" charset="0"/>
+              </a:rPr>
+              <a:t>Data Cleaning</a:t>
+            </a:r>
+          </a:p>
+        </p:txBody>
+      </p:sp>
+      <p:pic>
+        <p:nvPicPr>
+          <p:cNvPr id="2" name="Picture 1">
+            <a:extLst>
+              <a:ext uri="{FF2B5EF4-FFF2-40B4-BE49-F238E27FC236}">
+                <a16:creationId xmlns:a16="http://schemas.microsoft.com/office/drawing/2014/main" id="{D63D35EB-405C-4F78-ABE8-1704A61D38B7}"/>
+              </a:ext>
+            </a:extLst>
+          </p:cNvPr>
+          <p:cNvPicPr>
+            <a:picLocks noChangeAspect="1"/>
+          </p:cNvPicPr>
+          <p:nvPr/>
+        </p:nvPicPr>
+        <p:blipFill rotWithShape="1">
+          <a:blip r:embed="rId3">
+            <a:alphaModFix amt="85000"/>
+          </a:blip>
+          <a:srcRect r="18706"/>
+          <a:stretch/>
+        </p:blipFill>
+        <p:spPr>
+          <a:xfrm>
+            <a:off x="7271004" y="0"/>
+            <a:ext cx="4919472" cy="6858000"/>
+          </a:xfrm>
+          <a:prstGeom prst="rect">
+            <a:avLst/>
+          </a:prstGeom>
+        </p:spPr>
+      </p:pic>
       <p:cxnSp>
         <p:nvCxnSpPr>
-          <p:cNvPr id="8" name="Straight Connector 7">
-            <a:extLst>
-              <a:ext uri="{FF2B5EF4-FFF2-40B4-BE49-F238E27FC236}">
-                <a16:creationId xmlns:a16="http://schemas.microsoft.com/office/drawing/2014/main" id="{5A9B000F-A657-449D-A557-8027C3D59329}"/>
-              </a:ext>
-            </a:extLst>
-          </p:cNvPr>
-          <p:cNvCxnSpPr/>
+          <p:cNvPr id="7" name="Straight Connector 6">
+            <a:extLst>
+              <a:ext uri="{FF2B5EF4-FFF2-40B4-BE49-F238E27FC236}">
+                <a16:creationId xmlns:a16="http://schemas.microsoft.com/office/drawing/2014/main" id="{849A3FE2-589C-4CDA-92D8-45509DEF693F}"/>
+              </a:ext>
+            </a:extLst>
+          </p:cNvPr>
+          <p:cNvCxnSpPr>
+            <a:cxnSpLocks/>
+          </p:cNvCxnSpPr>
           <p:nvPr/>
         </p:nvCxnSpPr>
         <p:spPr>
           <a:xfrm>
-            <a:off x="365760" y="1136469"/>
-            <a:ext cx="5264331" cy="0"/>
+            <a:off x="491318" y="1044276"/>
+            <a:ext cx="2524836" cy="0"/>
           </a:xfrm>
           <a:prstGeom prst="line">
             <a:avLst/>
@@ -3897,10 +5823,10 @@
       </p:cxnSp>
       <p:sp>
         <p:nvSpPr>
-          <p:cNvPr id="14" name="TextBox 13">
-            <a:extLst>
-              <a:ext uri="{FF2B5EF4-FFF2-40B4-BE49-F238E27FC236}">
-                <a16:creationId xmlns:a16="http://schemas.microsoft.com/office/drawing/2014/main" id="{8F228711-3E1D-4A5F-B1EC-F791CBB4F396}"/>
+          <p:cNvPr id="9" name="TextBox 8">
+            <a:extLst>
+              <a:ext uri="{FF2B5EF4-FFF2-40B4-BE49-F238E27FC236}">
+                <a16:creationId xmlns:a16="http://schemas.microsoft.com/office/drawing/2014/main" id="{E42ECEA5-4896-4013-9B3B-688854992699}"/>
               </a:ext>
             </a:extLst>
           </p:cNvPr>
@@ -3909,8 +5835,8 @@
         </p:nvSpPr>
         <p:spPr>
           <a:xfrm>
-            <a:off x="364236" y="367028"/>
-            <a:ext cx="4194701" cy="769441"/>
+            <a:off x="850122" y="1515861"/>
+            <a:ext cx="4892322" cy="4555093"/>
           </a:xfrm>
           <a:prstGeom prst="rect">
             <a:avLst/>
@@ -3923,23 +5849,768 @@
           </a:bodyPr>
           <a:lstStyle/>
           <a:p>
+            <a:pPr rtl="0">
+              <a:spcBef>
+                <a:spcPts val="0"/>
+              </a:spcBef>
+            </a:pPr>
             <a:r>
-              <a:rPr lang="en-US" sz="4400" b="1" dirty="0">
+              <a:rPr lang="en-US" b="1" i="0" u="none" strike="noStrike" dirty="0">
                 <a:solidFill>
-                  <a:srgbClr val="58595B"/>
+                  <a:srgbClr val="2A6BAC"/>
                 </a:solidFill>
+                <a:effectLst/>
                 <a:latin typeface="Arial" panose="020B0604020202020204" pitchFamily="34" charset="0"/>
                 <a:cs typeface="Arial" panose="020B0604020202020204" pitchFamily="34" charset="0"/>
               </a:rPr>
-              <a:t>Price vs Model</a:t>
+              <a:t>Price  </a:t>
             </a:r>
           </a:p>
-        </p:txBody>
-      </p:sp>
+          <a:p>
+            <a:pPr rtl="0">
+              <a:spcBef>
+                <a:spcPts val="0"/>
+              </a:spcBef>
+            </a:pPr>
+            <a:r>
+              <a:rPr lang="en-US" sz="1600" b="0" i="0" u="none" strike="noStrike" dirty="0">
+                <a:effectLst/>
+                <a:latin typeface="Arial" panose="020B0604020202020204" pitchFamily="34" charset="0"/>
+                <a:cs typeface="Arial" panose="020B0604020202020204" pitchFamily="34" charset="0"/>
+              </a:rPr>
+              <a:t>Only kept the mean price + 2 standard deviations</a:t>
+            </a:r>
+          </a:p>
+          <a:p>
+            <a:pPr rtl="0">
+              <a:spcBef>
+                <a:spcPts val="0"/>
+              </a:spcBef>
+              <a:spcAft>
+                <a:spcPts val="1200"/>
+              </a:spcAft>
+            </a:pPr>
+            <a:endParaRPr lang="en-US" sz="1600" b="0" dirty="0">
+              <a:effectLst/>
+              <a:latin typeface="Arial" panose="020B0604020202020204" pitchFamily="34" charset="0"/>
+              <a:cs typeface="Arial" panose="020B0604020202020204" pitchFamily="34" charset="0"/>
+            </a:endParaRPr>
+          </a:p>
+          <a:p>
+            <a:pPr rtl="0">
+              <a:spcBef>
+                <a:spcPts val="0"/>
+              </a:spcBef>
+            </a:pPr>
+            <a:r>
+              <a:rPr lang="en-US" b="1" i="0" u="none" strike="noStrike" dirty="0">
+                <a:solidFill>
+                  <a:srgbClr val="2A6BAC"/>
+                </a:solidFill>
+                <a:effectLst/>
+                <a:latin typeface="Arial" panose="020B0604020202020204" pitchFamily="34" charset="0"/>
+                <a:cs typeface="Arial" panose="020B0604020202020204" pitchFamily="34" charset="0"/>
+              </a:rPr>
+              <a:t>Mileage</a:t>
+            </a:r>
+            <a:r>
+              <a:rPr lang="en-US" sz="1600" b="1" i="0" u="none" strike="noStrike" dirty="0">
+                <a:effectLst/>
+                <a:latin typeface="Arial" panose="020B0604020202020204" pitchFamily="34" charset="0"/>
+                <a:cs typeface="Arial" panose="020B0604020202020204" pitchFamily="34" charset="0"/>
+              </a:rPr>
+              <a:t> </a:t>
+            </a:r>
+          </a:p>
+          <a:p>
+            <a:pPr rtl="0">
+              <a:spcBef>
+                <a:spcPts val="0"/>
+              </a:spcBef>
+            </a:pPr>
+            <a:r>
+              <a:rPr lang="en-US" sz="1600" b="0" i="0" u="none" strike="noStrike" dirty="0">
+                <a:effectLst/>
+                <a:latin typeface="Arial" panose="020B0604020202020204" pitchFamily="34" charset="0"/>
+                <a:cs typeface="Arial" panose="020B0604020202020204" pitchFamily="34" charset="0"/>
+              </a:rPr>
+              <a:t>Only kept the mean mileage + 2 standard deviations</a:t>
+            </a:r>
+          </a:p>
+          <a:p>
+            <a:pPr rtl="0">
+              <a:spcBef>
+                <a:spcPts val="0"/>
+              </a:spcBef>
+              <a:spcAft>
+                <a:spcPts val="1200"/>
+              </a:spcAft>
+            </a:pPr>
+            <a:endParaRPr lang="en-US" sz="1600" b="0" dirty="0">
+              <a:effectLst/>
+              <a:latin typeface="Arial" panose="020B0604020202020204" pitchFamily="34" charset="0"/>
+              <a:cs typeface="Arial" panose="020B0604020202020204" pitchFamily="34" charset="0"/>
+            </a:endParaRPr>
+          </a:p>
+          <a:p>
+            <a:pPr rtl="0">
+              <a:spcBef>
+                <a:spcPts val="0"/>
+              </a:spcBef>
+            </a:pPr>
+            <a:r>
+              <a:rPr lang="en-US" b="1" i="0" u="none" strike="noStrike" dirty="0">
+                <a:solidFill>
+                  <a:srgbClr val="2A6BAC"/>
+                </a:solidFill>
+                <a:effectLst/>
+                <a:latin typeface="Arial" panose="020B0604020202020204" pitchFamily="34" charset="0"/>
+                <a:cs typeface="Arial" panose="020B0604020202020204" pitchFamily="34" charset="0"/>
+              </a:rPr>
+              <a:t>Years</a:t>
+            </a:r>
+          </a:p>
+          <a:p>
+            <a:pPr rtl="0">
+              <a:spcBef>
+                <a:spcPts val="0"/>
+              </a:spcBef>
+            </a:pPr>
+            <a:r>
+              <a:rPr lang="en-US" sz="1600" dirty="0">
+                <a:latin typeface="Arial" panose="020B0604020202020204" pitchFamily="34" charset="0"/>
+                <a:cs typeface="Arial" panose="020B0604020202020204" pitchFamily="34" charset="0"/>
+              </a:rPr>
+              <a:t>O</a:t>
+            </a:r>
+            <a:r>
+              <a:rPr lang="en-US" sz="1600" b="0" i="0" u="none" strike="noStrike" dirty="0">
+                <a:effectLst/>
+                <a:latin typeface="Arial" panose="020B0604020202020204" pitchFamily="34" charset="0"/>
+                <a:cs typeface="Arial" panose="020B0604020202020204" pitchFamily="34" charset="0"/>
+              </a:rPr>
+              <a:t>nly included 2013-2020</a:t>
+            </a:r>
+          </a:p>
+          <a:p>
+            <a:pPr rtl="0">
+              <a:spcBef>
+                <a:spcPts val="0"/>
+              </a:spcBef>
+              <a:spcAft>
+                <a:spcPts val="1200"/>
+              </a:spcAft>
+            </a:pPr>
+            <a:endParaRPr lang="en-US" sz="1600" b="0" dirty="0">
+              <a:effectLst/>
+              <a:latin typeface="Arial" panose="020B0604020202020204" pitchFamily="34" charset="0"/>
+              <a:cs typeface="Arial" panose="020B0604020202020204" pitchFamily="34" charset="0"/>
+            </a:endParaRPr>
+          </a:p>
+          <a:p>
+            <a:pPr rtl="0">
+              <a:spcBef>
+                <a:spcPts val="0"/>
+              </a:spcBef>
+            </a:pPr>
+            <a:r>
+              <a:rPr lang="en-US" b="1" i="0" u="none" strike="noStrike" dirty="0">
+                <a:solidFill>
+                  <a:srgbClr val="2A6BAC"/>
+                </a:solidFill>
+                <a:effectLst/>
+                <a:latin typeface="Arial" panose="020B0604020202020204" pitchFamily="34" charset="0"/>
+                <a:cs typeface="Arial" panose="020B0604020202020204" pitchFamily="34" charset="0"/>
+              </a:rPr>
+              <a:t>Models</a:t>
+            </a:r>
+          </a:p>
+          <a:p>
+            <a:pPr rtl="0">
+              <a:spcBef>
+                <a:spcPts val="0"/>
+              </a:spcBef>
+            </a:pPr>
+            <a:r>
+              <a:rPr lang="en-US" sz="1600" dirty="0">
+                <a:latin typeface="Arial" panose="020B0604020202020204" pitchFamily="34" charset="0"/>
+                <a:cs typeface="Arial" panose="020B0604020202020204" pitchFamily="34" charset="0"/>
+              </a:rPr>
+              <a:t>O</a:t>
+            </a:r>
+            <a:r>
+              <a:rPr lang="en-US" sz="1600" b="0" i="0" u="none" strike="noStrike" dirty="0">
+                <a:effectLst/>
+                <a:latin typeface="Arial" panose="020B0604020202020204" pitchFamily="34" charset="0"/>
+                <a:cs typeface="Arial" panose="020B0604020202020204" pitchFamily="34" charset="0"/>
+              </a:rPr>
+              <a:t>nly kept Aygo, Yaris, Fiesta, Focus</a:t>
+            </a:r>
+          </a:p>
+          <a:p>
+            <a:pPr rtl="0">
+              <a:spcBef>
+                <a:spcPts val="0"/>
+              </a:spcBef>
+              <a:spcAft>
+                <a:spcPts val="1200"/>
+              </a:spcAft>
+            </a:pPr>
+            <a:endParaRPr lang="en-US" sz="1600" b="0" dirty="0">
+              <a:effectLst/>
+              <a:latin typeface="Arial" panose="020B0604020202020204" pitchFamily="34" charset="0"/>
+              <a:cs typeface="Arial" panose="020B0604020202020204" pitchFamily="34" charset="0"/>
+            </a:endParaRPr>
+          </a:p>
+          <a:p>
+            <a:pPr rtl="0">
+              <a:spcBef>
+                <a:spcPts val="0"/>
+              </a:spcBef>
+            </a:pPr>
+            <a:r>
+              <a:rPr lang="en-US" b="1" i="0" u="none" strike="noStrike" dirty="0">
+                <a:solidFill>
+                  <a:srgbClr val="2A6BAC"/>
+                </a:solidFill>
+                <a:effectLst/>
+                <a:latin typeface="Arial" panose="020B0604020202020204" pitchFamily="34" charset="0"/>
+                <a:cs typeface="Arial" panose="020B0604020202020204" pitchFamily="34" charset="0"/>
+              </a:rPr>
+              <a:t>Engine</a:t>
+            </a:r>
+          </a:p>
+          <a:p>
+            <a:pPr rtl="0">
+              <a:spcBef>
+                <a:spcPts val="0"/>
+              </a:spcBef>
+            </a:pPr>
+            <a:r>
+              <a:rPr lang="en-US" sz="1600" dirty="0">
+                <a:latin typeface="Arial" panose="020B0604020202020204" pitchFamily="34" charset="0"/>
+                <a:cs typeface="Arial" panose="020B0604020202020204" pitchFamily="34" charset="0"/>
+              </a:rPr>
+              <a:t>S</a:t>
+            </a:r>
+            <a:r>
+              <a:rPr lang="en-US" sz="1600" b="0" i="0" u="none" strike="noStrike" dirty="0">
+                <a:effectLst/>
+                <a:latin typeface="Arial" panose="020B0604020202020204" pitchFamily="34" charset="0"/>
+                <a:cs typeface="Arial" panose="020B0604020202020204" pitchFamily="34" charset="0"/>
+              </a:rPr>
+              <a:t>ize not equal to 0</a:t>
+            </a:r>
+            <a:endParaRPr lang="en-US" sz="1600" b="0" dirty="0">
+              <a:effectLst/>
+              <a:latin typeface="Arial" panose="020B0604020202020204" pitchFamily="34" charset="0"/>
+              <a:cs typeface="Arial" panose="020B0604020202020204" pitchFamily="34" charset="0"/>
+            </a:endParaRPr>
+          </a:p>
+          <a:p>
+            <a:endParaRPr lang="en-US" dirty="0"/>
+          </a:p>
+        </p:txBody>
+      </p:sp>
+      <p:cxnSp>
+        <p:nvCxnSpPr>
+          <p:cNvPr id="18" name="Straight Connector 17">
+            <a:extLst>
+              <a:ext uri="{FF2B5EF4-FFF2-40B4-BE49-F238E27FC236}">
+                <a16:creationId xmlns:a16="http://schemas.microsoft.com/office/drawing/2014/main" id="{32E4948A-E976-41B1-B21C-1B6B466E945C}"/>
+              </a:ext>
+            </a:extLst>
+          </p:cNvPr>
+          <p:cNvCxnSpPr>
+            <a:cxnSpLocks/>
+          </p:cNvCxnSpPr>
+          <p:nvPr/>
+        </p:nvCxnSpPr>
+        <p:spPr>
+          <a:xfrm flipH="1">
+            <a:off x="491318" y="1362196"/>
+            <a:ext cx="34077" cy="4547285"/>
+          </a:xfrm>
+          <a:prstGeom prst="line">
+            <a:avLst/>
+          </a:prstGeom>
+          <a:ln w="34925">
+            <a:solidFill>
+              <a:srgbClr val="262626"/>
+            </a:solidFill>
+          </a:ln>
+        </p:spPr>
+        <p:style>
+          <a:lnRef idx="3">
+            <a:schemeClr val="accent1"/>
+          </a:lnRef>
+          <a:fillRef idx="0">
+            <a:schemeClr val="accent1"/>
+          </a:fillRef>
+          <a:effectRef idx="2">
+            <a:schemeClr val="accent1"/>
+          </a:effectRef>
+          <a:fontRef idx="minor">
+            <a:schemeClr val="tx1"/>
+          </a:fontRef>
+        </p:style>
+      </p:cxnSp>
+      <p:sp>
+        <p:nvSpPr>
+          <p:cNvPr id="20" name="Flowchart: Connector 19">
+            <a:extLst>
+              <a:ext uri="{FF2B5EF4-FFF2-40B4-BE49-F238E27FC236}">
+                <a16:creationId xmlns:a16="http://schemas.microsoft.com/office/drawing/2014/main" id="{C20E2A74-A5CF-445A-B12F-B0280BDF1158}"/>
+              </a:ext>
+            </a:extLst>
+          </p:cNvPr>
+          <p:cNvSpPr/>
+          <p:nvPr/>
+        </p:nvSpPr>
+        <p:spPr>
+          <a:xfrm>
+            <a:off x="458049" y="1723457"/>
+            <a:ext cx="134692" cy="150126"/>
+          </a:xfrm>
+          <a:prstGeom prst="flowChartConnector">
+            <a:avLst/>
+          </a:prstGeom>
+          <a:solidFill>
+            <a:srgbClr val="FF0000"/>
+          </a:solidFill>
+          <a:ln>
+            <a:solidFill>
+              <a:srgbClr val="FF0000"/>
+            </a:solidFill>
+          </a:ln>
+        </p:spPr>
+        <p:style>
+          <a:lnRef idx="2">
+            <a:schemeClr val="accent1">
+              <a:shade val="50000"/>
+            </a:schemeClr>
+          </a:lnRef>
+          <a:fillRef idx="1">
+            <a:schemeClr val="accent1"/>
+          </a:fillRef>
+          <a:effectRef idx="0">
+            <a:schemeClr val="accent1"/>
+          </a:effectRef>
+          <a:fontRef idx="minor">
+            <a:schemeClr val="lt1"/>
+          </a:fontRef>
+        </p:style>
+        <p:txBody>
+          <a:bodyPr rtlCol="0" anchor="ctr"/>
+          <a:lstStyle/>
+          <a:p>
+            <a:pPr algn="ctr"/>
+            <a:endParaRPr lang="en-US"/>
+          </a:p>
+        </p:txBody>
+      </p:sp>
+      <p:sp>
+        <p:nvSpPr>
+          <p:cNvPr id="21" name="Flowchart: Connector 20">
+            <a:extLst>
+              <a:ext uri="{FF2B5EF4-FFF2-40B4-BE49-F238E27FC236}">
+                <a16:creationId xmlns:a16="http://schemas.microsoft.com/office/drawing/2014/main" id="{A3007329-F07A-46AC-93BB-003D43AF9329}"/>
+              </a:ext>
+            </a:extLst>
+          </p:cNvPr>
+          <p:cNvSpPr/>
+          <p:nvPr/>
+        </p:nvSpPr>
+        <p:spPr>
+          <a:xfrm>
+            <a:off x="441010" y="2681080"/>
+            <a:ext cx="134692" cy="150126"/>
+          </a:xfrm>
+          <a:prstGeom prst="flowChartConnector">
+            <a:avLst/>
+          </a:prstGeom>
+          <a:solidFill>
+            <a:srgbClr val="FF0000"/>
+          </a:solidFill>
+          <a:ln>
+            <a:solidFill>
+              <a:srgbClr val="FF0000"/>
+            </a:solidFill>
+          </a:ln>
+        </p:spPr>
+        <p:style>
+          <a:lnRef idx="2">
+            <a:schemeClr val="accent1">
+              <a:shade val="50000"/>
+            </a:schemeClr>
+          </a:lnRef>
+          <a:fillRef idx="1">
+            <a:schemeClr val="accent1"/>
+          </a:fillRef>
+          <a:effectRef idx="0">
+            <a:schemeClr val="accent1"/>
+          </a:effectRef>
+          <a:fontRef idx="minor">
+            <a:schemeClr val="lt1"/>
+          </a:fontRef>
+        </p:style>
+        <p:txBody>
+          <a:bodyPr rtlCol="0" anchor="ctr"/>
+          <a:lstStyle/>
+          <a:p>
+            <a:pPr algn="ctr"/>
+            <a:endParaRPr lang="en-US"/>
+          </a:p>
+        </p:txBody>
+      </p:sp>
+      <p:sp>
+        <p:nvSpPr>
+          <p:cNvPr id="22" name="Flowchart: Connector 21">
+            <a:extLst>
+              <a:ext uri="{FF2B5EF4-FFF2-40B4-BE49-F238E27FC236}">
+                <a16:creationId xmlns:a16="http://schemas.microsoft.com/office/drawing/2014/main" id="{60377C87-54DB-48AC-9536-76762F18F426}"/>
+              </a:ext>
+            </a:extLst>
+          </p:cNvPr>
+          <p:cNvSpPr/>
+          <p:nvPr/>
+        </p:nvSpPr>
+        <p:spPr>
+          <a:xfrm>
+            <a:off x="441010" y="3607871"/>
+            <a:ext cx="134692" cy="150126"/>
+          </a:xfrm>
+          <a:prstGeom prst="flowChartConnector">
+            <a:avLst/>
+          </a:prstGeom>
+          <a:solidFill>
+            <a:srgbClr val="FF0000"/>
+          </a:solidFill>
+          <a:ln>
+            <a:solidFill>
+              <a:srgbClr val="FF0000"/>
+            </a:solidFill>
+          </a:ln>
+        </p:spPr>
+        <p:style>
+          <a:lnRef idx="2">
+            <a:schemeClr val="accent1">
+              <a:shade val="50000"/>
+            </a:schemeClr>
+          </a:lnRef>
+          <a:fillRef idx="1">
+            <a:schemeClr val="accent1"/>
+          </a:fillRef>
+          <a:effectRef idx="0">
+            <a:schemeClr val="accent1"/>
+          </a:effectRef>
+          <a:fontRef idx="minor">
+            <a:schemeClr val="lt1"/>
+          </a:fontRef>
+        </p:style>
+        <p:txBody>
+          <a:bodyPr rtlCol="0" anchor="ctr"/>
+          <a:lstStyle/>
+          <a:p>
+            <a:pPr algn="ctr"/>
+            <a:endParaRPr lang="en-US"/>
+          </a:p>
+        </p:txBody>
+      </p:sp>
+      <p:sp>
+        <p:nvSpPr>
+          <p:cNvPr id="23" name="Flowchart: Connector 22">
+            <a:extLst>
+              <a:ext uri="{FF2B5EF4-FFF2-40B4-BE49-F238E27FC236}">
+                <a16:creationId xmlns:a16="http://schemas.microsoft.com/office/drawing/2014/main" id="{E95C0917-FA61-4F6B-8CAA-ABF3F79C8D2F}"/>
+              </a:ext>
+            </a:extLst>
+          </p:cNvPr>
+          <p:cNvSpPr/>
+          <p:nvPr/>
+        </p:nvSpPr>
+        <p:spPr>
+          <a:xfrm>
+            <a:off x="423972" y="4514306"/>
+            <a:ext cx="134692" cy="150126"/>
+          </a:xfrm>
+          <a:prstGeom prst="flowChartConnector">
+            <a:avLst/>
+          </a:prstGeom>
+          <a:solidFill>
+            <a:srgbClr val="FF0000"/>
+          </a:solidFill>
+          <a:ln>
+            <a:solidFill>
+              <a:srgbClr val="FF0000"/>
+            </a:solidFill>
+          </a:ln>
+        </p:spPr>
+        <p:style>
+          <a:lnRef idx="2">
+            <a:schemeClr val="accent1">
+              <a:shade val="50000"/>
+            </a:schemeClr>
+          </a:lnRef>
+          <a:fillRef idx="1">
+            <a:schemeClr val="accent1"/>
+          </a:fillRef>
+          <a:effectRef idx="0">
+            <a:schemeClr val="accent1"/>
+          </a:effectRef>
+          <a:fontRef idx="minor">
+            <a:schemeClr val="lt1"/>
+          </a:fontRef>
+        </p:style>
+        <p:txBody>
+          <a:bodyPr rtlCol="0" anchor="ctr"/>
+          <a:lstStyle/>
+          <a:p>
+            <a:pPr algn="ctr"/>
+            <a:endParaRPr lang="en-US"/>
+          </a:p>
+        </p:txBody>
+      </p:sp>
+      <p:sp>
+        <p:nvSpPr>
+          <p:cNvPr id="24" name="Flowchart: Connector 23">
+            <a:extLst>
+              <a:ext uri="{FF2B5EF4-FFF2-40B4-BE49-F238E27FC236}">
+                <a16:creationId xmlns:a16="http://schemas.microsoft.com/office/drawing/2014/main" id="{DC35BE3E-1103-437F-A43B-90E764632117}"/>
+              </a:ext>
+            </a:extLst>
+          </p:cNvPr>
+          <p:cNvSpPr/>
+          <p:nvPr/>
+        </p:nvSpPr>
+        <p:spPr>
+          <a:xfrm>
+            <a:off x="423972" y="5420741"/>
+            <a:ext cx="134692" cy="150126"/>
+          </a:xfrm>
+          <a:prstGeom prst="flowChartConnector">
+            <a:avLst/>
+          </a:prstGeom>
+          <a:solidFill>
+            <a:srgbClr val="FF0000"/>
+          </a:solidFill>
+          <a:ln>
+            <a:solidFill>
+              <a:srgbClr val="FF0000"/>
+            </a:solidFill>
+          </a:ln>
+        </p:spPr>
+        <p:style>
+          <a:lnRef idx="2">
+            <a:schemeClr val="accent1">
+              <a:shade val="50000"/>
+            </a:schemeClr>
+          </a:lnRef>
+          <a:fillRef idx="1">
+            <a:schemeClr val="accent1"/>
+          </a:fillRef>
+          <a:effectRef idx="0">
+            <a:schemeClr val="accent1"/>
+          </a:effectRef>
+          <a:fontRef idx="minor">
+            <a:schemeClr val="lt1"/>
+          </a:fontRef>
+        </p:style>
+        <p:txBody>
+          <a:bodyPr rtlCol="0" anchor="ctr"/>
+          <a:lstStyle/>
+          <a:p>
+            <a:pPr algn="ctr"/>
+            <a:endParaRPr lang="en-US"/>
+          </a:p>
+        </p:txBody>
+      </p:sp>
+      <p:grpSp>
+        <p:nvGrpSpPr>
+          <p:cNvPr id="31" name="Group 30">
+            <a:extLst>
+              <a:ext uri="{FF2B5EF4-FFF2-40B4-BE49-F238E27FC236}">
+                <a16:creationId xmlns:a16="http://schemas.microsoft.com/office/drawing/2014/main" id="{F06D45E8-66E5-4DA0-A588-CEDCA38926BB}"/>
+              </a:ext>
+            </a:extLst>
+          </p:cNvPr>
+          <p:cNvGrpSpPr/>
+          <p:nvPr/>
+        </p:nvGrpSpPr>
+        <p:grpSpPr>
+          <a:xfrm rot="10800000">
+            <a:off x="6914570" y="-33733"/>
+            <a:ext cx="353385" cy="6891733"/>
+            <a:chOff x="6024284" y="-33733"/>
+            <a:chExt cx="353385" cy="6891733"/>
+          </a:xfrm>
+        </p:grpSpPr>
+        <p:sp>
+          <p:nvSpPr>
+            <p:cNvPr id="30" name="Rectangle 29">
+              <a:extLst>
+                <a:ext uri="{FF2B5EF4-FFF2-40B4-BE49-F238E27FC236}">
+                  <a16:creationId xmlns:a16="http://schemas.microsoft.com/office/drawing/2014/main" id="{C4FC1CCC-54EB-4BA0-BF79-4BCCAB0135CF}"/>
+                </a:ext>
+              </a:extLst>
+            </p:cNvPr>
+            <p:cNvSpPr/>
+            <p:nvPr/>
+          </p:nvSpPr>
+          <p:spPr>
+            <a:xfrm>
+              <a:off x="6033902" y="-24821"/>
+              <a:ext cx="335456" cy="6881539"/>
+            </a:xfrm>
+            <a:prstGeom prst="rect">
+              <a:avLst/>
+            </a:prstGeom>
+            <a:solidFill>
+              <a:schemeClr val="dk1">
+                <a:alpha val="66000"/>
+              </a:schemeClr>
+            </a:solidFill>
+            <a:ln>
+              <a:solidFill>
+                <a:srgbClr val="000000">
+                  <a:alpha val="78039"/>
+                </a:srgbClr>
+              </a:solidFill>
+            </a:ln>
+          </p:spPr>
+          <p:style>
+            <a:lnRef idx="2">
+              <a:schemeClr val="dk1">
+                <a:shade val="50000"/>
+              </a:schemeClr>
+            </a:lnRef>
+            <a:fillRef idx="1">
+              <a:schemeClr val="dk1"/>
+            </a:fillRef>
+            <a:effectRef idx="0">
+              <a:schemeClr val="dk1"/>
+            </a:effectRef>
+            <a:fontRef idx="minor">
+              <a:schemeClr val="lt1"/>
+            </a:fontRef>
+          </p:style>
+          <p:txBody>
+            <a:bodyPr rtlCol="0" anchor="ctr"/>
+            <a:lstStyle/>
+            <a:p>
+              <a:pPr algn="ctr"/>
+              <a:endParaRPr lang="en-US"/>
+            </a:p>
+          </p:txBody>
+        </p:sp>
+        <p:grpSp>
+          <p:nvGrpSpPr>
+            <p:cNvPr id="27" name="Group 26">
+              <a:extLst>
+                <a:ext uri="{FF2B5EF4-FFF2-40B4-BE49-F238E27FC236}">
+                  <a16:creationId xmlns:a16="http://schemas.microsoft.com/office/drawing/2014/main" id="{473CBD4E-5057-45D1-A18E-1556A6C5BE75}"/>
+                </a:ext>
+              </a:extLst>
+            </p:cNvPr>
+            <p:cNvGrpSpPr/>
+            <p:nvPr/>
+          </p:nvGrpSpPr>
+          <p:grpSpPr>
+            <a:xfrm>
+              <a:off x="6024284" y="-33733"/>
+              <a:ext cx="353385" cy="6891733"/>
+              <a:chOff x="6024284" y="-33733"/>
+              <a:chExt cx="353385" cy="6891733"/>
+            </a:xfrm>
+          </p:grpSpPr>
+          <p:cxnSp>
+            <p:nvCxnSpPr>
+              <p:cNvPr id="28" name="Straight Connector 27">
+                <a:extLst>
+                  <a:ext uri="{FF2B5EF4-FFF2-40B4-BE49-F238E27FC236}">
+                    <a16:creationId xmlns:a16="http://schemas.microsoft.com/office/drawing/2014/main" id="{791C5F0D-089E-40E7-827A-D9A822DC47FB}"/>
+                  </a:ext>
+                </a:extLst>
+              </p:cNvPr>
+              <p:cNvCxnSpPr/>
+              <p:nvPr/>
+            </p:nvCxnSpPr>
+            <p:spPr>
+              <a:xfrm>
+                <a:off x="6024284" y="-33733"/>
+                <a:ext cx="0" cy="6890451"/>
+              </a:xfrm>
+              <a:prstGeom prst="line">
+                <a:avLst/>
+              </a:prstGeom>
+              <a:ln>
+                <a:solidFill>
+                  <a:srgbClr val="2A6BAC"/>
+                </a:solidFill>
+              </a:ln>
+            </p:spPr>
+            <p:style>
+              <a:lnRef idx="1">
+                <a:schemeClr val="accent1"/>
+              </a:lnRef>
+              <a:fillRef idx="0">
+                <a:schemeClr val="accent1"/>
+              </a:fillRef>
+              <a:effectRef idx="0">
+                <a:schemeClr val="accent1"/>
+              </a:effectRef>
+              <a:fontRef idx="minor">
+                <a:schemeClr val="tx1"/>
+              </a:fontRef>
+            </p:style>
+          </p:cxnSp>
+          <p:cxnSp>
+            <p:nvCxnSpPr>
+              <p:cNvPr id="29" name="Straight Connector 28">
+                <a:extLst>
+                  <a:ext uri="{FF2B5EF4-FFF2-40B4-BE49-F238E27FC236}">
+                    <a16:creationId xmlns:a16="http://schemas.microsoft.com/office/drawing/2014/main" id="{2260975D-CC78-4FBB-8D87-93858A4FD039}"/>
+                  </a:ext>
+                </a:extLst>
+              </p:cNvPr>
+              <p:cNvCxnSpPr/>
+              <p:nvPr/>
+            </p:nvCxnSpPr>
+            <p:spPr>
+              <a:xfrm>
+                <a:off x="6377669" y="-32451"/>
+                <a:ext cx="0" cy="6890451"/>
+              </a:xfrm>
+              <a:prstGeom prst="line">
+                <a:avLst/>
+              </a:prstGeom>
+              <a:ln>
+                <a:solidFill>
+                  <a:srgbClr val="EB0A1E"/>
+                </a:solidFill>
+              </a:ln>
+            </p:spPr>
+            <p:style>
+              <a:lnRef idx="1">
+                <a:schemeClr val="accent1"/>
+              </a:lnRef>
+              <a:fillRef idx="0">
+                <a:schemeClr val="accent1"/>
+              </a:fillRef>
+              <a:effectRef idx="0">
+                <a:schemeClr val="accent1"/>
+              </a:effectRef>
+              <a:fontRef idx="minor">
+                <a:schemeClr val="tx1"/>
+              </a:fontRef>
+            </p:style>
+          </p:cxnSp>
+        </p:grpSp>
+      </p:grpSp>
     </p:spTree>
     <p:extLst>
       <p:ext uri="{BB962C8B-B14F-4D97-AF65-F5344CB8AC3E}">
-        <p14:creationId xmlns:p14="http://schemas.microsoft.com/office/powerpoint/2010/main" val="1891146960"/>
+        <p14:creationId xmlns:p14="http://schemas.microsoft.com/office/powerpoint/2010/main" val="1530257643"/>
       </p:ext>
     </p:extLst>
   </p:cSld>
@@ -3949,7 +6620,750 @@
 </p:sld>
 </file>
 
-<file path=ppt/slides/slide11.xml><?xml version="1.0" encoding="utf-8"?>
+<file path=ppt/slides/slide5.xml><?xml version="1.0" encoding="utf-8"?>
+<p:sld xmlns:a="http://schemas.openxmlformats.org/drawingml/2006/main" xmlns:r="http://schemas.openxmlformats.org/officeDocument/2006/relationships" xmlns:p="http://schemas.openxmlformats.org/presentationml/2006/main">
+  <p:cSld>
+    <p:spTree>
+      <p:nvGrpSpPr>
+        <p:cNvPr id="1" name=""/>
+        <p:cNvGrpSpPr/>
+        <p:nvPr/>
+      </p:nvGrpSpPr>
+      <p:grpSpPr>
+        <a:xfrm>
+          <a:off x="0" y="0"/>
+          <a:ext cx="0" cy="0"/>
+          <a:chOff x="0" y="0"/>
+          <a:chExt cx="0" cy="0"/>
+        </a:xfrm>
+      </p:grpSpPr>
+      <p:sp>
+        <p:nvSpPr>
+          <p:cNvPr id="2" name="Title 1">
+            <a:extLst>
+              <a:ext uri="{FF2B5EF4-FFF2-40B4-BE49-F238E27FC236}">
+                <a16:creationId xmlns:a16="http://schemas.microsoft.com/office/drawing/2014/main" id="{B73E7076-E1FA-4BBA-A97D-B2344FAD7813}"/>
+              </a:ext>
+            </a:extLst>
+          </p:cNvPr>
+          <p:cNvSpPr>
+            <a:spLocks noGrp="1"/>
+          </p:cNvSpPr>
+          <p:nvPr>
+            <p:ph type="title"/>
+          </p:nvPr>
+        </p:nvSpPr>
+        <p:spPr/>
+        <p:txBody>
+          <a:bodyPr/>
+          <a:lstStyle/>
+          <a:p>
+            <a:endParaRPr lang="en-US"/>
+          </a:p>
+        </p:txBody>
+      </p:sp>
+      <p:sp>
+        <p:nvSpPr>
+          <p:cNvPr id="3" name="Content Placeholder 2">
+            <a:extLst>
+              <a:ext uri="{FF2B5EF4-FFF2-40B4-BE49-F238E27FC236}">
+                <a16:creationId xmlns:a16="http://schemas.microsoft.com/office/drawing/2014/main" id="{198F8278-DDBE-44D0-B0F1-8F5AA19809F0}"/>
+              </a:ext>
+            </a:extLst>
+          </p:cNvPr>
+          <p:cNvSpPr>
+            <a:spLocks noGrp="1"/>
+          </p:cNvSpPr>
+          <p:nvPr>
+            <p:ph idx="1"/>
+          </p:nvPr>
+        </p:nvSpPr>
+        <p:spPr/>
+        <p:txBody>
+          <a:bodyPr/>
+          <a:lstStyle/>
+          <a:p>
+            <a:endParaRPr lang="en-US"/>
+          </a:p>
+        </p:txBody>
+      </p:sp>
+      <p:pic>
+        <p:nvPicPr>
+          <p:cNvPr id="4" name="Content Placeholder 3">
+            <a:extLst>
+              <a:ext uri="{FF2B5EF4-FFF2-40B4-BE49-F238E27FC236}">
+                <a16:creationId xmlns:a16="http://schemas.microsoft.com/office/drawing/2014/main" id="{FC90D1F6-2AAB-474F-A2D7-C0D81B9D6DE0}"/>
+              </a:ext>
+            </a:extLst>
+          </p:cNvPr>
+          <p:cNvPicPr>
+            <a:picLocks noChangeAspect="1"/>
+          </p:cNvPicPr>
+          <p:nvPr/>
+        </p:nvPicPr>
+        <p:blipFill rotWithShape="1">
+          <a:blip r:embed="rId2"/>
+          <a:srcRect t="15746"/>
+          <a:stretch/>
+        </p:blipFill>
+        <p:spPr>
+          <a:xfrm>
+            <a:off x="0" y="0"/>
+            <a:ext cx="12191980" cy="6856718"/>
+          </a:xfrm>
+          <a:prstGeom prst="rect">
+            <a:avLst/>
+          </a:prstGeom>
+        </p:spPr>
+      </p:pic>
+      <p:sp>
+        <p:nvSpPr>
+          <p:cNvPr id="8" name="TextBox 7">
+            <a:extLst>
+              <a:ext uri="{FF2B5EF4-FFF2-40B4-BE49-F238E27FC236}">
+                <a16:creationId xmlns:a16="http://schemas.microsoft.com/office/drawing/2014/main" id="{ED7094DD-9B27-4D33-AD07-64E8071113A9}"/>
+              </a:ext>
+            </a:extLst>
+          </p:cNvPr>
+          <p:cNvSpPr txBox="1"/>
+          <p:nvPr/>
+        </p:nvSpPr>
+        <p:spPr>
+          <a:xfrm>
+            <a:off x="6095990" y="230188"/>
+            <a:ext cx="4952347" cy="769441"/>
+          </a:xfrm>
+          <a:prstGeom prst="rect">
+            <a:avLst/>
+          </a:prstGeom>
+          <a:noFill/>
+        </p:spPr>
+        <p:txBody>
+          <a:bodyPr wrap="square" rtlCol="0">
+            <a:spAutoFit/>
+          </a:bodyPr>
+          <a:lstStyle/>
+          <a:p>
+            <a:r>
+              <a:rPr lang="en-US" sz="4400" b="1" dirty="0">
+                <a:solidFill>
+                  <a:srgbClr val="262626"/>
+                </a:solidFill>
+                <a:latin typeface="Arial" panose="020B0604020202020204" pitchFamily="34" charset="0"/>
+                <a:cs typeface="Arial" panose="020B0604020202020204" pitchFamily="34" charset="0"/>
+              </a:rPr>
+              <a:t>Hypotheses</a:t>
+            </a:r>
+          </a:p>
+        </p:txBody>
+      </p:sp>
+      <p:cxnSp>
+        <p:nvCxnSpPr>
+          <p:cNvPr id="11" name="Straight Connector 10">
+            <a:extLst>
+              <a:ext uri="{FF2B5EF4-FFF2-40B4-BE49-F238E27FC236}">
+                <a16:creationId xmlns:a16="http://schemas.microsoft.com/office/drawing/2014/main" id="{2CD8C99B-B602-4538-A53F-C8034A9A5CAD}"/>
+              </a:ext>
+            </a:extLst>
+          </p:cNvPr>
+          <p:cNvCxnSpPr>
+            <a:cxnSpLocks/>
+          </p:cNvCxnSpPr>
+          <p:nvPr/>
+        </p:nvCxnSpPr>
+        <p:spPr>
+          <a:xfrm>
+            <a:off x="6196083" y="999629"/>
+            <a:ext cx="2524836" cy="0"/>
+          </a:xfrm>
+          <a:prstGeom prst="line">
+            <a:avLst/>
+          </a:prstGeom>
+          <a:ln w="25400" cmpd="sng">
+            <a:solidFill>
+              <a:srgbClr val="EB0A1E"/>
+            </a:solidFill>
+          </a:ln>
+        </p:spPr>
+        <p:style>
+          <a:lnRef idx="3">
+            <a:schemeClr val="accent2"/>
+          </a:lnRef>
+          <a:fillRef idx="0">
+            <a:schemeClr val="accent2"/>
+          </a:fillRef>
+          <a:effectRef idx="2">
+            <a:schemeClr val="accent2"/>
+          </a:effectRef>
+          <a:fontRef idx="minor">
+            <a:schemeClr val="tx1"/>
+          </a:fontRef>
+        </p:style>
+      </p:cxnSp>
+      <p:sp>
+        <p:nvSpPr>
+          <p:cNvPr id="5" name="Rectangle 4">
+            <a:extLst>
+              <a:ext uri="{FF2B5EF4-FFF2-40B4-BE49-F238E27FC236}">
+                <a16:creationId xmlns:a16="http://schemas.microsoft.com/office/drawing/2014/main" id="{1FF43E43-9D82-427F-971E-CCD568B969D6}"/>
+              </a:ext>
+            </a:extLst>
+          </p:cNvPr>
+          <p:cNvSpPr/>
+          <p:nvPr/>
+        </p:nvSpPr>
+        <p:spPr>
+          <a:xfrm>
+            <a:off x="-24304" y="0"/>
+            <a:ext cx="4943776" cy="6858000"/>
+          </a:xfrm>
+          <a:prstGeom prst="rect">
+            <a:avLst/>
+          </a:prstGeom>
+          <a:solidFill>
+            <a:schemeClr val="dk1">
+              <a:alpha val="66000"/>
+            </a:schemeClr>
+          </a:solidFill>
+          <a:ln>
+            <a:solidFill>
+              <a:srgbClr val="000000">
+                <a:alpha val="78039"/>
+              </a:srgbClr>
+            </a:solidFill>
+          </a:ln>
+        </p:spPr>
+        <p:style>
+          <a:lnRef idx="2">
+            <a:schemeClr val="dk1">
+              <a:shade val="50000"/>
+            </a:schemeClr>
+          </a:lnRef>
+          <a:fillRef idx="1">
+            <a:schemeClr val="dk1"/>
+          </a:fillRef>
+          <a:effectRef idx="0">
+            <a:schemeClr val="dk1"/>
+          </a:effectRef>
+          <a:fontRef idx="minor">
+            <a:schemeClr val="lt1"/>
+          </a:fontRef>
+        </p:style>
+        <p:txBody>
+          <a:bodyPr rtlCol="0" anchor="ctr"/>
+          <a:lstStyle/>
+          <a:p>
+            <a:pPr algn="ctr"/>
+            <a:endParaRPr lang="en-US"/>
+          </a:p>
+        </p:txBody>
+      </p:sp>
+      <p:grpSp>
+        <p:nvGrpSpPr>
+          <p:cNvPr id="13" name="Group 12">
+            <a:extLst>
+              <a:ext uri="{FF2B5EF4-FFF2-40B4-BE49-F238E27FC236}">
+                <a16:creationId xmlns:a16="http://schemas.microsoft.com/office/drawing/2014/main" id="{BAFD6C1C-59AF-468E-94EB-AE68E342A880}"/>
+              </a:ext>
+            </a:extLst>
+          </p:cNvPr>
+          <p:cNvGrpSpPr/>
+          <p:nvPr/>
+        </p:nvGrpSpPr>
+        <p:grpSpPr>
+          <a:xfrm>
+            <a:off x="6178121" y="1824343"/>
+            <a:ext cx="5750518" cy="3493264"/>
+            <a:chOff x="5962735" y="1704152"/>
+            <a:chExt cx="5750518" cy="3493264"/>
+          </a:xfrm>
+        </p:grpSpPr>
+        <p:sp>
+          <p:nvSpPr>
+            <p:cNvPr id="14" name="TextBox 13">
+              <a:extLst>
+                <a:ext uri="{FF2B5EF4-FFF2-40B4-BE49-F238E27FC236}">
+                  <a16:creationId xmlns:a16="http://schemas.microsoft.com/office/drawing/2014/main" id="{3924136E-C0E1-49D8-B611-8E368F6AD8E7}"/>
+                </a:ext>
+              </a:extLst>
+            </p:cNvPr>
+            <p:cNvSpPr txBox="1"/>
+            <p:nvPr/>
+          </p:nvSpPr>
+          <p:spPr>
+            <a:xfrm>
+              <a:off x="6820931" y="1704152"/>
+              <a:ext cx="4892322" cy="3493264"/>
+            </a:xfrm>
+            <a:prstGeom prst="rect">
+              <a:avLst/>
+            </a:prstGeom>
+            <a:noFill/>
+          </p:spPr>
+          <p:txBody>
+            <a:bodyPr wrap="square" rtlCol="0">
+              <a:spAutoFit/>
+            </a:bodyPr>
+            <a:lstStyle/>
+            <a:p>
+              <a:pPr rtl="0">
+                <a:spcBef>
+                  <a:spcPts val="0"/>
+                </a:spcBef>
+                <a:spcAft>
+                  <a:spcPts val="1200"/>
+                </a:spcAft>
+              </a:pPr>
+              <a:r>
+                <a:rPr lang="en-US" sz="2400" b="0" i="0" u="none" strike="noStrike" dirty="0">
+                  <a:effectLst/>
+                  <a:latin typeface="Arial" panose="020B0604020202020204" pitchFamily="34" charset="0"/>
+                  <a:cs typeface="Arial" panose="020B0604020202020204" pitchFamily="34" charset="0"/>
+                </a:rPr>
+                <a:t>There is a difference between</a:t>
+              </a:r>
+              <a:r>
+                <a:rPr lang="en-US" sz="2400" dirty="0">
+                  <a:latin typeface="Arial" panose="020B0604020202020204" pitchFamily="34" charset="0"/>
+                  <a:cs typeface="Arial" panose="020B0604020202020204" pitchFamily="34" charset="0"/>
+                </a:rPr>
+                <a:t> sell price for models within brands </a:t>
+              </a:r>
+              <a:endParaRPr lang="en-US" sz="2400" b="0" i="0" u="none" strike="noStrike" dirty="0">
+                <a:effectLst/>
+                <a:latin typeface="Arial" panose="020B0604020202020204" pitchFamily="34" charset="0"/>
+                <a:cs typeface="Arial" panose="020B0604020202020204" pitchFamily="34" charset="0"/>
+              </a:endParaRPr>
+            </a:p>
+            <a:p>
+              <a:pPr rtl="0">
+                <a:spcBef>
+                  <a:spcPts val="0"/>
+                </a:spcBef>
+                <a:spcAft>
+                  <a:spcPts val="1200"/>
+                </a:spcAft>
+              </a:pPr>
+              <a:endParaRPr lang="en-US" sz="1100" b="0" dirty="0">
+                <a:effectLst/>
+                <a:latin typeface="Arial" panose="020B0604020202020204" pitchFamily="34" charset="0"/>
+                <a:cs typeface="Arial" panose="020B0604020202020204" pitchFamily="34" charset="0"/>
+              </a:endParaRPr>
+            </a:p>
+            <a:p>
+              <a:pPr rtl="0">
+                <a:spcBef>
+                  <a:spcPts val="0"/>
+                </a:spcBef>
+                <a:spcAft>
+                  <a:spcPts val="1200"/>
+                </a:spcAft>
+              </a:pPr>
+              <a:r>
+                <a:rPr lang="en-US" sz="2400" b="0" i="0" u="none" strike="noStrike" dirty="0">
+                  <a:effectLst/>
+                  <a:latin typeface="Arial" panose="020B0604020202020204" pitchFamily="34" charset="0"/>
+                  <a:cs typeface="Arial" panose="020B0604020202020204" pitchFamily="34" charset="0"/>
+                </a:rPr>
+                <a:t>The year of a used car impacts the market price of the car. </a:t>
+              </a:r>
+            </a:p>
+            <a:p>
+              <a:pPr rtl="0">
+                <a:spcBef>
+                  <a:spcPts val="0"/>
+                </a:spcBef>
+                <a:spcAft>
+                  <a:spcPts val="1200"/>
+                </a:spcAft>
+              </a:pPr>
+              <a:endParaRPr lang="en-US" sz="800" b="0" dirty="0">
+                <a:effectLst/>
+                <a:latin typeface="Arial" panose="020B0604020202020204" pitchFamily="34" charset="0"/>
+                <a:cs typeface="Arial" panose="020B0604020202020204" pitchFamily="34" charset="0"/>
+              </a:endParaRPr>
+            </a:p>
+            <a:p>
+              <a:r>
+                <a:rPr lang="en-US" sz="2400" dirty="0">
+                  <a:latin typeface="Arial" panose="020B0604020202020204" pitchFamily="34" charset="0"/>
+                  <a:cs typeface="Arial" panose="020B0604020202020204" pitchFamily="34" charset="0"/>
+                </a:rPr>
+                <a:t>There is a difference in Market price between Ford and Toyota</a:t>
+              </a:r>
+              <a:br>
+                <a:rPr lang="en-US" dirty="0">
+                  <a:latin typeface="Arial" panose="020B0604020202020204" pitchFamily="34" charset="0"/>
+                  <a:cs typeface="Arial" panose="020B0604020202020204" pitchFamily="34" charset="0"/>
+                </a:rPr>
+              </a:br>
+              <a:endParaRPr lang="en-US" dirty="0">
+                <a:latin typeface="Arial" panose="020B0604020202020204" pitchFamily="34" charset="0"/>
+                <a:cs typeface="Arial" panose="020B0604020202020204" pitchFamily="34" charset="0"/>
+              </a:endParaRPr>
+            </a:p>
+          </p:txBody>
+        </p:sp>
+        <p:pic>
+          <p:nvPicPr>
+            <p:cNvPr id="15" name="Graphic 14" descr="Lightbulb with solid fill">
+              <a:extLst>
+                <a:ext uri="{FF2B5EF4-FFF2-40B4-BE49-F238E27FC236}">
+                  <a16:creationId xmlns:a16="http://schemas.microsoft.com/office/drawing/2014/main" id="{3E724023-55E4-491C-918B-D8AD9C817F69}"/>
+                </a:ext>
+              </a:extLst>
+            </p:cNvPr>
+            <p:cNvPicPr>
+              <a:picLocks noChangeAspect="1"/>
+            </p:cNvPicPr>
+            <p:nvPr/>
+          </p:nvPicPr>
+          <p:blipFill>
+            <a:blip r:embed="rId3">
+              <a:extLst>
+                <a:ext uri="{28A0092B-C50C-407E-A947-70E740481C1C}">
+                  <a14:useLocalDpi xmlns:a14="http://schemas.microsoft.com/office/drawing/2010/main" val="0"/>
+                </a:ext>
+                <a:ext uri="{96DAC541-7B7A-43D3-8B79-37D633B846F1}">
+                  <asvg:svgBlip xmlns:asvg="http://schemas.microsoft.com/office/drawing/2016/SVG/main" r:embed="rId4"/>
+                </a:ext>
+              </a:extLst>
+            </a:blip>
+            <a:stretch>
+              <a:fillRect/>
+            </a:stretch>
+          </p:blipFill>
+          <p:spPr>
+            <a:xfrm>
+              <a:off x="5980697" y="1704152"/>
+              <a:ext cx="670539" cy="670539"/>
+            </a:xfrm>
+            <a:prstGeom prst="rect">
+              <a:avLst/>
+            </a:prstGeom>
+          </p:spPr>
+        </p:pic>
+        <p:pic>
+          <p:nvPicPr>
+            <p:cNvPr id="16" name="Graphic 15" descr="Lightbulb with solid fill">
+              <a:extLst>
+                <a:ext uri="{FF2B5EF4-FFF2-40B4-BE49-F238E27FC236}">
+                  <a16:creationId xmlns:a16="http://schemas.microsoft.com/office/drawing/2014/main" id="{CB737545-C072-4CB2-B141-2E65E6C6575A}"/>
+                </a:ext>
+              </a:extLst>
+            </p:cNvPr>
+            <p:cNvPicPr>
+              <a:picLocks noChangeAspect="1"/>
+            </p:cNvPicPr>
+            <p:nvPr/>
+          </p:nvPicPr>
+          <p:blipFill>
+            <a:blip r:embed="rId5">
+              <a:extLst>
+                <a:ext uri="{28A0092B-C50C-407E-A947-70E740481C1C}">
+                  <a14:useLocalDpi xmlns:a14="http://schemas.microsoft.com/office/drawing/2010/main" val="0"/>
+                </a:ext>
+                <a:ext uri="{96DAC541-7B7A-43D3-8B79-37D633B846F1}">
+                  <asvg:svgBlip xmlns:asvg="http://schemas.microsoft.com/office/drawing/2016/SVG/main" r:embed="rId6"/>
+                </a:ext>
+              </a:extLst>
+            </a:blip>
+            <a:stretch>
+              <a:fillRect/>
+            </a:stretch>
+          </p:blipFill>
+          <p:spPr>
+            <a:xfrm>
+              <a:off x="5962735" y="2916652"/>
+              <a:ext cx="670539" cy="670539"/>
+            </a:xfrm>
+            <a:prstGeom prst="rect">
+              <a:avLst/>
+            </a:prstGeom>
+          </p:spPr>
+        </p:pic>
+        <p:pic>
+          <p:nvPicPr>
+            <p:cNvPr id="17" name="Graphic 16" descr="Lightbulb with solid fill">
+              <a:extLst>
+                <a:ext uri="{FF2B5EF4-FFF2-40B4-BE49-F238E27FC236}">
+                  <a16:creationId xmlns:a16="http://schemas.microsoft.com/office/drawing/2014/main" id="{95A8BB4A-2A73-4344-ACE6-50EB2513BA2B}"/>
+                </a:ext>
+              </a:extLst>
+            </p:cNvPr>
+            <p:cNvPicPr>
+              <a:picLocks noChangeAspect="1"/>
+            </p:cNvPicPr>
+            <p:nvPr/>
+          </p:nvPicPr>
+          <p:blipFill>
+            <a:blip r:embed="rId3">
+              <a:extLst>
+                <a:ext uri="{28A0092B-C50C-407E-A947-70E740481C1C}">
+                  <a14:useLocalDpi xmlns:a14="http://schemas.microsoft.com/office/drawing/2010/main" val="0"/>
+                </a:ext>
+                <a:ext uri="{96DAC541-7B7A-43D3-8B79-37D633B846F1}">
+                  <asvg:svgBlip xmlns:asvg="http://schemas.microsoft.com/office/drawing/2016/SVG/main" r:embed="rId7"/>
+                </a:ext>
+              </a:extLst>
+            </a:blip>
+            <a:stretch>
+              <a:fillRect/>
+            </a:stretch>
+          </p:blipFill>
+          <p:spPr>
+            <a:xfrm>
+              <a:off x="5980697" y="4129152"/>
+              <a:ext cx="670539" cy="670539"/>
+            </a:xfrm>
+            <a:prstGeom prst="rect">
+              <a:avLst/>
+            </a:prstGeom>
+          </p:spPr>
+        </p:pic>
+      </p:grpSp>
+      <p:pic>
+        <p:nvPicPr>
+          <p:cNvPr id="4102" name="Picture 6" descr="Toyota Launches New Model Harrier in Japan | Toyota | Global Newsroom |  Toyota Motor Corporation Official Global Website">
+            <a:extLst>
+              <a:ext uri="{FF2B5EF4-FFF2-40B4-BE49-F238E27FC236}">
+                <a16:creationId xmlns:a16="http://schemas.microsoft.com/office/drawing/2014/main" id="{A01490EB-8426-4BA7-A3DA-DA4CC3333225}"/>
+              </a:ext>
+            </a:extLst>
+          </p:cNvPr>
+          <p:cNvPicPr>
+            <a:picLocks noChangeAspect="1" noChangeArrowheads="1"/>
+          </p:cNvPicPr>
+          <p:nvPr/>
+        </p:nvPicPr>
+        <p:blipFill rotWithShape="1">
+          <a:blip r:embed="rId8">
+            <a:alphaModFix amt="85000"/>
+            <a:extLst>
+              <a:ext uri="{28A0092B-C50C-407E-A947-70E740481C1C}">
+                <a14:useLocalDpi xmlns:a14="http://schemas.microsoft.com/office/drawing/2010/main" val="0"/>
+              </a:ext>
+            </a:extLst>
+          </a:blip>
+          <a:srcRect l="56579" r="193"/>
+          <a:stretch/>
+        </p:blipFill>
+        <p:spPr bwMode="auto">
+          <a:xfrm>
+            <a:off x="0" y="1289"/>
+            <a:ext cx="4919472" cy="6856711"/>
+          </a:xfrm>
+          <a:prstGeom prst="rect">
+            <a:avLst/>
+          </a:prstGeom>
+          <a:noFill/>
+          <a:extLst>
+            <a:ext uri="{909E8E84-426E-40DD-AFC4-6F175D3DCCD1}">
+              <a14:hiddenFill xmlns:a14="http://schemas.microsoft.com/office/drawing/2010/main">
+                <a:solidFill>
+                  <a:srgbClr val="FFFFFF"/>
+                </a:solidFill>
+              </a14:hiddenFill>
+            </a:ext>
+          </a:extLst>
+        </p:spPr>
+      </p:pic>
+      <p:grpSp>
+        <p:nvGrpSpPr>
+          <p:cNvPr id="19" name="Group 18">
+            <a:extLst>
+              <a:ext uri="{FF2B5EF4-FFF2-40B4-BE49-F238E27FC236}">
+                <a16:creationId xmlns:a16="http://schemas.microsoft.com/office/drawing/2014/main" id="{3B68F9B1-A91B-47BB-9E3D-D30B30E18B27}"/>
+              </a:ext>
+            </a:extLst>
+          </p:cNvPr>
+          <p:cNvGrpSpPr/>
+          <p:nvPr/>
+        </p:nvGrpSpPr>
+        <p:grpSpPr>
+          <a:xfrm>
+            <a:off x="4927607" y="-17508"/>
+            <a:ext cx="353385" cy="6891733"/>
+            <a:chOff x="6024284" y="-33733"/>
+            <a:chExt cx="353385" cy="6891733"/>
+          </a:xfrm>
+        </p:grpSpPr>
+        <p:sp>
+          <p:nvSpPr>
+            <p:cNvPr id="20" name="Rectangle 19">
+              <a:extLst>
+                <a:ext uri="{FF2B5EF4-FFF2-40B4-BE49-F238E27FC236}">
+                  <a16:creationId xmlns:a16="http://schemas.microsoft.com/office/drawing/2014/main" id="{3400A21C-6FB3-4F22-9A7B-73A4C6CA93FA}"/>
+                </a:ext>
+              </a:extLst>
+            </p:cNvPr>
+            <p:cNvSpPr/>
+            <p:nvPr/>
+          </p:nvSpPr>
+          <p:spPr>
+            <a:xfrm>
+              <a:off x="6033902" y="-24821"/>
+              <a:ext cx="335456" cy="6881539"/>
+            </a:xfrm>
+            <a:prstGeom prst="rect">
+              <a:avLst/>
+            </a:prstGeom>
+            <a:solidFill>
+              <a:schemeClr val="dk1">
+                <a:alpha val="66000"/>
+              </a:schemeClr>
+            </a:solidFill>
+            <a:ln>
+              <a:solidFill>
+                <a:srgbClr val="000000">
+                  <a:alpha val="78039"/>
+                </a:srgbClr>
+              </a:solidFill>
+            </a:ln>
+          </p:spPr>
+          <p:style>
+            <a:lnRef idx="2">
+              <a:schemeClr val="dk1">
+                <a:shade val="50000"/>
+              </a:schemeClr>
+            </a:lnRef>
+            <a:fillRef idx="1">
+              <a:schemeClr val="dk1"/>
+            </a:fillRef>
+            <a:effectRef idx="0">
+              <a:schemeClr val="dk1"/>
+            </a:effectRef>
+            <a:fontRef idx="minor">
+              <a:schemeClr val="lt1"/>
+            </a:fontRef>
+          </p:style>
+          <p:txBody>
+            <a:bodyPr rtlCol="0" anchor="ctr"/>
+            <a:lstStyle/>
+            <a:p>
+              <a:pPr algn="ctr"/>
+              <a:endParaRPr lang="en-US"/>
+            </a:p>
+          </p:txBody>
+        </p:sp>
+        <p:grpSp>
+          <p:nvGrpSpPr>
+            <p:cNvPr id="21" name="Group 20">
+              <a:extLst>
+                <a:ext uri="{FF2B5EF4-FFF2-40B4-BE49-F238E27FC236}">
+                  <a16:creationId xmlns:a16="http://schemas.microsoft.com/office/drawing/2014/main" id="{91927A88-6D51-4633-A475-405D95F17BD8}"/>
+                </a:ext>
+              </a:extLst>
+            </p:cNvPr>
+            <p:cNvGrpSpPr/>
+            <p:nvPr/>
+          </p:nvGrpSpPr>
+          <p:grpSpPr>
+            <a:xfrm>
+              <a:off x="6024284" y="-33733"/>
+              <a:ext cx="353385" cy="6891733"/>
+              <a:chOff x="6024284" y="-33733"/>
+              <a:chExt cx="353385" cy="6891733"/>
+            </a:xfrm>
+          </p:grpSpPr>
+          <p:cxnSp>
+            <p:nvCxnSpPr>
+              <p:cNvPr id="22" name="Straight Connector 21">
+                <a:extLst>
+                  <a:ext uri="{FF2B5EF4-FFF2-40B4-BE49-F238E27FC236}">
+                    <a16:creationId xmlns:a16="http://schemas.microsoft.com/office/drawing/2014/main" id="{C98A9D26-26C2-45AD-B69B-F93EAC1E3333}"/>
+                  </a:ext>
+                </a:extLst>
+              </p:cNvPr>
+              <p:cNvCxnSpPr/>
+              <p:nvPr/>
+            </p:nvCxnSpPr>
+            <p:spPr>
+              <a:xfrm>
+                <a:off x="6024284" y="-33733"/>
+                <a:ext cx="0" cy="6890451"/>
+              </a:xfrm>
+              <a:prstGeom prst="line">
+                <a:avLst/>
+              </a:prstGeom>
+              <a:ln>
+                <a:solidFill>
+                  <a:srgbClr val="2A6BAC"/>
+                </a:solidFill>
+              </a:ln>
+            </p:spPr>
+            <p:style>
+              <a:lnRef idx="1">
+                <a:schemeClr val="accent1"/>
+              </a:lnRef>
+              <a:fillRef idx="0">
+                <a:schemeClr val="accent1"/>
+              </a:fillRef>
+              <a:effectRef idx="0">
+                <a:schemeClr val="accent1"/>
+              </a:effectRef>
+              <a:fontRef idx="minor">
+                <a:schemeClr val="tx1"/>
+              </a:fontRef>
+            </p:style>
+          </p:cxnSp>
+          <p:cxnSp>
+            <p:nvCxnSpPr>
+              <p:cNvPr id="23" name="Straight Connector 22">
+                <a:extLst>
+                  <a:ext uri="{FF2B5EF4-FFF2-40B4-BE49-F238E27FC236}">
+                    <a16:creationId xmlns:a16="http://schemas.microsoft.com/office/drawing/2014/main" id="{64A5E0C1-ECB1-4066-8DE0-3012C2D01E58}"/>
+                  </a:ext>
+                </a:extLst>
+              </p:cNvPr>
+              <p:cNvCxnSpPr/>
+              <p:nvPr/>
+            </p:nvCxnSpPr>
+            <p:spPr>
+              <a:xfrm>
+                <a:off x="6377669" y="-32451"/>
+                <a:ext cx="0" cy="6890451"/>
+              </a:xfrm>
+              <a:prstGeom prst="line">
+                <a:avLst/>
+              </a:prstGeom>
+              <a:ln>
+                <a:solidFill>
+                  <a:srgbClr val="EB0A1E"/>
+                </a:solidFill>
+              </a:ln>
+            </p:spPr>
+            <p:style>
+              <a:lnRef idx="1">
+                <a:schemeClr val="accent1"/>
+              </a:lnRef>
+              <a:fillRef idx="0">
+                <a:schemeClr val="accent1"/>
+              </a:fillRef>
+              <a:effectRef idx="0">
+                <a:schemeClr val="accent1"/>
+              </a:effectRef>
+              <a:fontRef idx="minor">
+                <a:schemeClr val="tx1"/>
+              </a:fontRef>
+            </p:style>
+          </p:cxnSp>
+        </p:grpSp>
+      </p:grpSp>
+    </p:spTree>
+    <p:extLst>
+      <p:ext uri="{BB962C8B-B14F-4D97-AF65-F5344CB8AC3E}">
+        <p14:creationId xmlns:p14="http://schemas.microsoft.com/office/powerpoint/2010/main" val="2610179628"/>
+      </p:ext>
+    </p:extLst>
+  </p:cSld>
+  <p:clrMapOvr>
+    <a:masterClrMapping/>
+  </p:clrMapOvr>
+</p:sld>
+</file>
+
+<file path=ppt/slides/slide6.xml><?xml version="1.0" encoding="utf-8"?>
 <p:sld xmlns:a="http://schemas.openxmlformats.org/drawingml/2006/main" xmlns:r="http://schemas.openxmlformats.org/officeDocument/2006/relationships" xmlns:p="http://schemas.openxmlformats.org/presentationml/2006/main">
   <p:cSld>
     <p:bg>
@@ -4160,92 +7574,277 @@
           </a:p>
         </p:txBody>
       </p:sp>
-      <p:cxnSp>
-        <p:nvCxnSpPr>
-          <p:cNvPr id="8" name="Straight Connector 7">
-            <a:extLst>
-              <a:ext uri="{FF2B5EF4-FFF2-40B4-BE49-F238E27FC236}">
-                <a16:creationId xmlns:a16="http://schemas.microsoft.com/office/drawing/2014/main" id="{5A9B000F-A657-449D-A557-8027C3D59329}"/>
-              </a:ext>
-            </a:extLst>
-          </p:cNvPr>
-          <p:cNvCxnSpPr/>
+      <p:sp>
+        <p:nvSpPr>
+          <p:cNvPr id="10" name="Rectangle 9">
+            <a:extLst>
+              <a:ext uri="{FF2B5EF4-FFF2-40B4-BE49-F238E27FC236}">
+                <a16:creationId xmlns:a16="http://schemas.microsoft.com/office/drawing/2014/main" id="{B7755C88-2084-4F61-8F39-B9CE1C14734A}"/>
+              </a:ext>
+            </a:extLst>
+          </p:cNvPr>
+          <p:cNvSpPr/>
           <p:nvPr/>
-        </p:nvCxnSpPr>
+        </p:nvSpPr>
         <p:spPr>
           <a:xfrm>
-            <a:off x="365760" y="1136469"/>
-            <a:ext cx="5264331" cy="0"/>
-          </a:xfrm>
-          <a:prstGeom prst="line">
+            <a:off x="-3028" y="0"/>
+            <a:ext cx="12193504" cy="1564395"/>
+          </a:xfrm>
+          <a:prstGeom prst="rect">
             <a:avLst/>
           </a:prstGeom>
-          <a:ln w="25400" cmpd="sng">
-            <a:solidFill>
-              <a:srgbClr val="EB0A1E"/>
-            </a:solidFill>
-          </a:ln>
         </p:spPr>
         <p:style>
-          <a:lnRef idx="3">
-            <a:schemeClr val="accent2"/>
+          <a:lnRef idx="2">
+            <a:schemeClr val="dk1">
+              <a:shade val="50000"/>
+            </a:schemeClr>
           </a:lnRef>
-          <a:fillRef idx="0">
-            <a:schemeClr val="accent2"/>
+          <a:fillRef idx="1">
+            <a:schemeClr val="dk1"/>
           </a:fillRef>
-          <a:effectRef idx="2">
-            <a:schemeClr val="accent2"/>
+          <a:effectRef idx="0">
+            <a:schemeClr val="dk1"/>
           </a:effectRef>
           <a:fontRef idx="minor">
-            <a:schemeClr val="tx1"/>
+            <a:schemeClr val="lt1"/>
           </a:fontRef>
         </p:style>
-      </p:cxnSp>
-      <p:sp>
-        <p:nvSpPr>
-          <p:cNvPr id="14" name="TextBox 13">
-            <a:extLst>
-              <a:ext uri="{FF2B5EF4-FFF2-40B4-BE49-F238E27FC236}">
-                <a16:creationId xmlns:a16="http://schemas.microsoft.com/office/drawing/2014/main" id="{8F228711-3E1D-4A5F-B1EC-F791CBB4F396}"/>
-              </a:ext>
-            </a:extLst>
-          </p:cNvPr>
-          <p:cNvSpPr txBox="1"/>
+        <p:txBody>
+          <a:bodyPr rtlCol="0" anchor="ctr"/>
+          <a:lstStyle/>
+          <a:p>
+            <a:pPr algn="ctr"/>
+            <a:endParaRPr lang="en-US"/>
+          </a:p>
+        </p:txBody>
+      </p:sp>
+      <p:pic>
+        <p:nvPicPr>
+          <p:cNvPr id="3" name="Picture 2" descr="Chart&#10;&#10;Description automatically generated">
+            <a:extLst>
+              <a:ext uri="{FF2B5EF4-FFF2-40B4-BE49-F238E27FC236}">
+                <a16:creationId xmlns:a16="http://schemas.microsoft.com/office/drawing/2014/main" id="{091C8660-E2F8-414A-A3E1-BD86980CE5F5}"/>
+              </a:ext>
+            </a:extLst>
+          </p:cNvPr>
+          <p:cNvPicPr>
+            <a:picLocks noChangeAspect="1"/>
+          </p:cNvPicPr>
           <p:nvPr/>
-        </p:nvSpPr>
+        </p:nvPicPr>
+        <p:blipFill>
+          <a:blip r:embed="rId3">
+            <a:extLst>
+              <a:ext uri="{28A0092B-C50C-407E-A947-70E740481C1C}">
+                <a14:useLocalDpi xmlns:a14="http://schemas.microsoft.com/office/drawing/2010/main" val="0"/>
+              </a:ext>
+            </a:extLst>
+          </a:blip>
+          <a:stretch>
+            <a:fillRect/>
+          </a:stretch>
+        </p:blipFill>
         <p:spPr>
           <a:xfrm>
-            <a:off x="364236" y="367028"/>
-            <a:ext cx="4194701" cy="769441"/>
+            <a:off x="364236" y="1905910"/>
+            <a:ext cx="5264330" cy="4127407"/>
+          </a:xfrm>
+          <a:prstGeom prst="rect">
+            <a:avLst/>
+          </a:prstGeom>
+        </p:spPr>
+      </p:pic>
+      <p:pic>
+        <p:nvPicPr>
+          <p:cNvPr id="6" name="Picture 5" descr="Chart&#10;&#10;Description automatically generated">
+            <a:extLst>
+              <a:ext uri="{FF2B5EF4-FFF2-40B4-BE49-F238E27FC236}">
+                <a16:creationId xmlns:a16="http://schemas.microsoft.com/office/drawing/2014/main" id="{A7D78E1E-FA2D-4BF9-AF4A-F5D636D8A4E8}"/>
+              </a:ext>
+            </a:extLst>
+          </p:cNvPr>
+          <p:cNvPicPr>
+            <a:picLocks noChangeAspect="1"/>
+          </p:cNvPicPr>
+          <p:nvPr/>
+        </p:nvPicPr>
+        <p:blipFill>
+          <a:blip r:embed="rId3">
+            <a:extLst>
+              <a:ext uri="{28A0092B-C50C-407E-A947-70E740481C1C}">
+                <a14:useLocalDpi xmlns:a14="http://schemas.microsoft.com/office/drawing/2010/main" val="0"/>
+              </a:ext>
+            </a:extLst>
+          </a:blip>
+          <a:stretch>
+            <a:fillRect/>
+          </a:stretch>
+        </p:blipFill>
+        <p:spPr>
+          <a:xfrm>
+            <a:off x="5991278" y="1905910"/>
+            <a:ext cx="5494271" cy="4127407"/>
+          </a:xfrm>
+          <a:prstGeom prst="rect">
+            <a:avLst/>
+          </a:prstGeom>
+        </p:spPr>
+      </p:pic>
+      <p:pic>
+        <p:nvPicPr>
+          <p:cNvPr id="6150" name="Picture 6" descr="2020 Toyota Camry: 105 Interior Photos | U.S. News">
+            <a:extLst>
+              <a:ext uri="{FF2B5EF4-FFF2-40B4-BE49-F238E27FC236}">
+                <a16:creationId xmlns:a16="http://schemas.microsoft.com/office/drawing/2014/main" id="{52837C5B-2D82-4675-B665-EAC44C8F80D8}"/>
+              </a:ext>
+            </a:extLst>
+          </p:cNvPr>
+          <p:cNvPicPr>
+            <a:picLocks noChangeAspect="1" noChangeArrowheads="1"/>
+          </p:cNvPicPr>
+          <p:nvPr/>
+        </p:nvPicPr>
+        <p:blipFill rotWithShape="1">
+          <a:blip r:embed="rId4">
+            <a:alphaModFix amt="70000"/>
+            <a:extLst>
+              <a:ext uri="{28A0092B-C50C-407E-A947-70E740481C1C}">
+                <a14:useLocalDpi xmlns:a14="http://schemas.microsoft.com/office/drawing/2010/main" val="0"/>
+              </a:ext>
+            </a:extLst>
+          </a:blip>
+          <a:srcRect t="37347" b="36464"/>
+          <a:stretch/>
+        </p:blipFill>
+        <p:spPr bwMode="auto">
+          <a:xfrm>
+            <a:off x="3048" y="98666"/>
+            <a:ext cx="12188952" cy="1465729"/>
           </a:xfrm>
           <a:prstGeom prst="rect">
             <a:avLst/>
           </a:prstGeom>
           <a:noFill/>
+          <a:extLst>
+            <a:ext uri="{909E8E84-426E-40DD-AFC4-6F175D3DCCD1}">
+              <a14:hiddenFill xmlns:a14="http://schemas.microsoft.com/office/drawing/2010/main">
+                <a:solidFill>
+                  <a:srgbClr val="FFFFFF"/>
+                </a:solidFill>
+              </a14:hiddenFill>
+            </a:ext>
+          </a:extLst>
         </p:spPr>
-        <p:txBody>
-          <a:bodyPr wrap="square" rtlCol="0">
-            <a:spAutoFit/>
-          </a:bodyPr>
-          <a:lstStyle/>
-          <a:p>
-            <a:r>
-              <a:rPr lang="en-US" sz="4400" b="1" dirty="0">
-                <a:solidFill>
-                  <a:srgbClr val="58595B"/>
-                </a:solidFill>
-                <a:latin typeface="Arial" panose="020B0604020202020204" pitchFamily="34" charset="0"/>
-                <a:cs typeface="Arial" panose="020B0604020202020204" pitchFamily="34" charset="0"/>
-              </a:rPr>
-              <a:t>Price vs Model</a:t>
-            </a:r>
-          </a:p>
-        </p:txBody>
-      </p:sp>
+      </p:pic>
+      <p:grpSp>
+        <p:nvGrpSpPr>
+          <p:cNvPr id="12" name="Group 11">
+            <a:extLst>
+              <a:ext uri="{FF2B5EF4-FFF2-40B4-BE49-F238E27FC236}">
+                <a16:creationId xmlns:a16="http://schemas.microsoft.com/office/drawing/2014/main" id="{32E92FBE-749B-4231-BA37-5A19D669B99D}"/>
+              </a:ext>
+            </a:extLst>
+          </p:cNvPr>
+          <p:cNvGrpSpPr/>
+          <p:nvPr/>
+        </p:nvGrpSpPr>
+        <p:grpSpPr>
+          <a:xfrm>
+            <a:off x="364236" y="367028"/>
+            <a:ext cx="5265855" cy="769441"/>
+            <a:chOff x="364236" y="367028"/>
+            <a:chExt cx="5265855" cy="769441"/>
+          </a:xfrm>
+        </p:grpSpPr>
+        <p:sp>
+          <p:nvSpPr>
+            <p:cNvPr id="14" name="TextBox 13">
+              <a:extLst>
+                <a:ext uri="{FF2B5EF4-FFF2-40B4-BE49-F238E27FC236}">
+                  <a16:creationId xmlns:a16="http://schemas.microsoft.com/office/drawing/2014/main" id="{8F228711-3E1D-4A5F-B1EC-F791CBB4F396}"/>
+                </a:ext>
+              </a:extLst>
+            </p:cNvPr>
+            <p:cNvSpPr txBox="1"/>
+            <p:nvPr/>
+          </p:nvSpPr>
+          <p:spPr>
+            <a:xfrm>
+              <a:off x="364236" y="367028"/>
+              <a:ext cx="4194701" cy="769441"/>
+            </a:xfrm>
+            <a:prstGeom prst="rect">
+              <a:avLst/>
+            </a:prstGeom>
+            <a:noFill/>
+          </p:spPr>
+          <p:txBody>
+            <a:bodyPr wrap="square" rtlCol="0">
+              <a:spAutoFit/>
+            </a:bodyPr>
+            <a:lstStyle/>
+            <a:p>
+              <a:r>
+                <a:rPr lang="en-US" sz="4400" b="1" dirty="0">
+                  <a:solidFill>
+                    <a:schemeClr val="bg1"/>
+                  </a:solidFill>
+                  <a:latin typeface="Arial" panose="020B0604020202020204" pitchFamily="34" charset="0"/>
+                  <a:cs typeface="Arial" panose="020B0604020202020204" pitchFamily="34" charset="0"/>
+                </a:rPr>
+                <a:t>Price vs Model</a:t>
+              </a:r>
+            </a:p>
+          </p:txBody>
+        </p:sp>
+        <p:cxnSp>
+          <p:nvCxnSpPr>
+            <p:cNvPr id="8" name="Straight Connector 7">
+              <a:extLst>
+                <a:ext uri="{FF2B5EF4-FFF2-40B4-BE49-F238E27FC236}">
+                  <a16:creationId xmlns:a16="http://schemas.microsoft.com/office/drawing/2014/main" id="{5A9B000F-A657-449D-A557-8027C3D59329}"/>
+                </a:ext>
+              </a:extLst>
+            </p:cNvPr>
+            <p:cNvCxnSpPr/>
+            <p:nvPr/>
+          </p:nvCxnSpPr>
+          <p:spPr>
+            <a:xfrm>
+              <a:off x="365760" y="1136469"/>
+              <a:ext cx="5264331" cy="0"/>
+            </a:xfrm>
+            <a:prstGeom prst="line">
+              <a:avLst/>
+            </a:prstGeom>
+            <a:ln w="25400" cmpd="sng">
+              <a:solidFill>
+                <a:srgbClr val="EB0A1E"/>
+              </a:solidFill>
+            </a:ln>
+          </p:spPr>
+          <p:style>
+            <a:lnRef idx="3">
+              <a:schemeClr val="accent2"/>
+            </a:lnRef>
+            <a:fillRef idx="0">
+              <a:schemeClr val="accent2"/>
+            </a:fillRef>
+            <a:effectRef idx="2">
+              <a:schemeClr val="accent2"/>
+            </a:effectRef>
+            <a:fontRef idx="minor">
+              <a:schemeClr val="tx1"/>
+            </a:fontRef>
+          </p:style>
+        </p:cxnSp>
+      </p:grpSp>
     </p:spTree>
     <p:extLst>
       <p:ext uri="{BB962C8B-B14F-4D97-AF65-F5344CB8AC3E}">
-        <p14:creationId xmlns:p14="http://schemas.microsoft.com/office/powerpoint/2010/main" val="3317096536"/>
+        <p14:creationId xmlns:p14="http://schemas.microsoft.com/office/powerpoint/2010/main" val="4273179060"/>
       </p:ext>
     </p:extLst>
   </p:cSld>
@@ -4255,70 +7854,13 @@
 </p:sld>
 </file>
 
-<file path=ppt/slides/slide12.xml><?xml version="1.0" encoding="utf-8"?>
-<p:sld xmlns:a="http://schemas.openxmlformats.org/drawingml/2006/main" xmlns:r="http://schemas.openxmlformats.org/officeDocument/2006/relationships" xmlns:p="http://schemas.openxmlformats.org/presentationml/2006/main">
-  <p:cSld>
-    <p:spTree>
-      <p:nvGrpSpPr>
-        <p:cNvPr id="1" name=""/>
-        <p:cNvGrpSpPr/>
-        <p:nvPr/>
-      </p:nvGrpSpPr>
-      <p:grpSpPr>
-        <a:xfrm>
-          <a:off x="0" y="0"/>
-          <a:ext cx="0" cy="0"/>
-          <a:chOff x="0" y="0"/>
-          <a:chExt cx="0" cy="0"/>
-        </a:xfrm>
-      </p:grpSpPr>
-      <p:sp>
-        <p:nvSpPr>
-          <p:cNvPr id="3" name="Content Placeholder 2">
-            <a:extLst>
-              <a:ext uri="{FF2B5EF4-FFF2-40B4-BE49-F238E27FC236}">
-                <a16:creationId xmlns:a16="http://schemas.microsoft.com/office/drawing/2014/main" id="{041080FF-AA73-4AD0-A61A-606D56FFB21D}"/>
-              </a:ext>
-            </a:extLst>
-          </p:cNvPr>
-          <p:cNvSpPr>
-            <a:spLocks noGrp="1"/>
-          </p:cNvSpPr>
-          <p:nvPr>
-            <p:ph idx="1"/>
-          </p:nvPr>
-        </p:nvSpPr>
-        <p:spPr/>
-        <p:txBody>
-          <a:bodyPr/>
-          <a:lstStyle/>
-          <a:p>
-            <a:endParaRPr lang="en-US"/>
-          </a:p>
-        </p:txBody>
-      </p:sp>
-    </p:spTree>
-    <p:extLst>
-      <p:ext uri="{BB962C8B-B14F-4D97-AF65-F5344CB8AC3E}">
-        <p14:creationId xmlns:p14="http://schemas.microsoft.com/office/powerpoint/2010/main" val="3064068432"/>
-      </p:ext>
-    </p:extLst>
-  </p:cSld>
-  <p:clrMapOvr>
-    <a:masterClrMapping/>
-  </p:clrMapOvr>
-</p:sld>
-</file>
-
-<file path=ppt/slides/slide2.xml><?xml version="1.0" encoding="utf-8"?>
+<file path=ppt/slides/slide7.xml><?xml version="1.0" encoding="utf-8"?>
 <p:sld xmlns:a="http://schemas.openxmlformats.org/drawingml/2006/main" xmlns:r="http://schemas.openxmlformats.org/officeDocument/2006/relationships" xmlns:p="http://schemas.openxmlformats.org/presentationml/2006/main">
   <p:cSld>
     <p:bg>
       <p:bgPr>
         <a:solidFill>
-          <a:schemeClr val="bg1">
-            <a:lumMod val="95000"/>
-          </a:schemeClr>
+          <a:schemeClr val="bg1"/>
         </a:solidFill>
         <a:effectLst/>
       </p:bgPr>
@@ -4337,587 +7879,37 @@
           <a:chExt cx="0" cy="0"/>
         </a:xfrm>
       </p:grpSpPr>
-      <p:sp>
-        <p:nvSpPr>
-          <p:cNvPr id="4" name="Rectangle 3">
-            <a:extLst>
-              <a:ext uri="{FF2B5EF4-FFF2-40B4-BE49-F238E27FC236}">
-                <a16:creationId xmlns:a16="http://schemas.microsoft.com/office/drawing/2014/main" id="{FC9D627F-0B9C-4836-BA07-10D30D8D57FC}"/>
-              </a:ext>
-            </a:extLst>
-          </p:cNvPr>
-          <p:cNvSpPr/>
-          <p:nvPr/>
-        </p:nvSpPr>
-        <p:spPr>
-          <a:xfrm>
-            <a:off x="0" y="0"/>
-            <a:ext cx="4682169" cy="6858000"/>
-          </a:xfrm>
-          <a:prstGeom prst="rect">
-            <a:avLst/>
-          </a:prstGeom>
-          <a:solidFill>
-            <a:srgbClr val="58595B"/>
-          </a:solidFill>
-          <a:ln>
-            <a:noFill/>
-          </a:ln>
-        </p:spPr>
-        <p:style>
-          <a:lnRef idx="2">
-            <a:schemeClr val="accent1">
-              <a:shade val="50000"/>
-            </a:schemeClr>
-          </a:lnRef>
-          <a:fillRef idx="1">
-            <a:schemeClr val="accent1"/>
-          </a:fillRef>
-          <a:effectRef idx="0">
-            <a:schemeClr val="accent1"/>
-          </a:effectRef>
-          <a:fontRef idx="minor">
-            <a:schemeClr val="lt1"/>
-          </a:fontRef>
-        </p:style>
-        <p:txBody>
-          <a:bodyPr rtlCol="0" anchor="ctr"/>
-          <a:lstStyle/>
-          <a:p>
-            <a:pPr algn="ctr"/>
-            <a:endParaRPr lang="en-US">
-              <a:solidFill>
-                <a:srgbClr val="58595B"/>
-              </a:solidFill>
-            </a:endParaRPr>
-          </a:p>
-        </p:txBody>
-      </p:sp>
-      <p:sp>
-        <p:nvSpPr>
-          <p:cNvPr id="7" name="TextBox 6">
-            <a:extLst>
-              <a:ext uri="{FF2B5EF4-FFF2-40B4-BE49-F238E27FC236}">
-                <a16:creationId xmlns:a16="http://schemas.microsoft.com/office/drawing/2014/main" id="{00BA1AD1-B34B-4FD4-8105-201D8FD4F22A}"/>
-              </a:ext>
-            </a:extLst>
-          </p:cNvPr>
-          <p:cNvSpPr txBox="1"/>
-          <p:nvPr/>
-        </p:nvSpPr>
-        <p:spPr>
-          <a:xfrm>
-            <a:off x="901375" y="3075057"/>
-            <a:ext cx="3082795" cy="769441"/>
-          </a:xfrm>
-          <a:prstGeom prst="rect">
-            <a:avLst/>
-          </a:prstGeom>
-          <a:noFill/>
-        </p:spPr>
-        <p:txBody>
-          <a:bodyPr wrap="square" rtlCol="0">
-            <a:spAutoFit/>
-          </a:bodyPr>
-          <a:lstStyle/>
-          <a:p>
-            <a:r>
-              <a:rPr lang="en-US" sz="4400" b="1" dirty="0">
-                <a:solidFill>
-                  <a:schemeClr val="bg1"/>
-                </a:solidFill>
-                <a:latin typeface="Arial" panose="020B0604020202020204" pitchFamily="34" charset="0"/>
-                <a:cs typeface="Arial" panose="020B0604020202020204" pitchFamily="34" charset="0"/>
-              </a:rPr>
-              <a:t>AGENDA</a:t>
-            </a:r>
-          </a:p>
-        </p:txBody>
-      </p:sp>
-      <p:sp>
-        <p:nvSpPr>
-          <p:cNvPr id="11" name="TextBox 10">
-            <a:extLst>
-              <a:ext uri="{FF2B5EF4-FFF2-40B4-BE49-F238E27FC236}">
-                <a16:creationId xmlns:a16="http://schemas.microsoft.com/office/drawing/2014/main" id="{12B2EFE9-DAD1-43AC-B142-94F39DA56EDC}"/>
-              </a:ext>
-            </a:extLst>
-          </p:cNvPr>
-          <p:cNvSpPr txBox="1"/>
-          <p:nvPr/>
-        </p:nvSpPr>
-        <p:spPr>
-          <a:xfrm>
-            <a:off x="5853471" y="659011"/>
-            <a:ext cx="5949109" cy="4832092"/>
-          </a:xfrm>
-          <a:prstGeom prst="rect">
-            <a:avLst/>
-          </a:prstGeom>
-          <a:noFill/>
-        </p:spPr>
-        <p:txBody>
-          <a:bodyPr wrap="square" rtlCol="0">
-            <a:spAutoFit/>
-          </a:bodyPr>
-          <a:lstStyle/>
-          <a:p>
-            <a:r>
-              <a:rPr lang="en-US" sz="2800" dirty="0">
-                <a:latin typeface="Arial" panose="020B0604020202020204" pitchFamily="34" charset="0"/>
-                <a:cs typeface="Arial" panose="020B0604020202020204" pitchFamily="34" charset="0"/>
-              </a:rPr>
-              <a:t>Hypotheses</a:t>
-            </a:r>
-          </a:p>
-          <a:p>
-            <a:endParaRPr lang="en-US" sz="2800" dirty="0">
-              <a:latin typeface="Arial" panose="020B0604020202020204" pitchFamily="34" charset="0"/>
-              <a:cs typeface="Arial" panose="020B0604020202020204" pitchFamily="34" charset="0"/>
-            </a:endParaRPr>
-          </a:p>
-          <a:p>
-            <a:r>
-              <a:rPr lang="en-US" sz="2800" dirty="0">
-                <a:latin typeface="Arial" panose="020B0604020202020204" pitchFamily="34" charset="0"/>
-                <a:cs typeface="Arial" panose="020B0604020202020204" pitchFamily="34" charset="0"/>
-              </a:rPr>
-              <a:t>Data</a:t>
-            </a:r>
-          </a:p>
-          <a:p>
-            <a:endParaRPr lang="en-US" sz="2800" dirty="0">
-              <a:latin typeface="Arial" panose="020B0604020202020204" pitchFamily="34" charset="0"/>
-              <a:cs typeface="Arial" panose="020B0604020202020204" pitchFamily="34" charset="0"/>
-            </a:endParaRPr>
-          </a:p>
-          <a:p>
-            <a:r>
-              <a:rPr lang="en-US" sz="2800" dirty="0">
-                <a:latin typeface="Arial" panose="020B0604020202020204" pitchFamily="34" charset="0"/>
-                <a:cs typeface="Arial" panose="020B0604020202020204" pitchFamily="34" charset="0"/>
-              </a:rPr>
-              <a:t>Analysis</a:t>
-            </a:r>
-          </a:p>
-          <a:p>
-            <a:endParaRPr lang="en-US" sz="2800" dirty="0">
-              <a:latin typeface="Arial" panose="020B0604020202020204" pitchFamily="34" charset="0"/>
-              <a:cs typeface="Arial" panose="020B0604020202020204" pitchFamily="34" charset="0"/>
-            </a:endParaRPr>
-          </a:p>
-          <a:p>
-            <a:r>
-              <a:rPr lang="en-US" sz="2800" dirty="0">
-                <a:latin typeface="Arial" panose="020B0604020202020204" pitchFamily="34" charset="0"/>
-                <a:cs typeface="Arial" panose="020B0604020202020204" pitchFamily="34" charset="0"/>
-              </a:rPr>
-              <a:t>Projection</a:t>
-            </a:r>
-          </a:p>
-          <a:p>
-            <a:endParaRPr lang="en-US" sz="2800" dirty="0">
-              <a:latin typeface="Arial" panose="020B0604020202020204" pitchFamily="34" charset="0"/>
-              <a:cs typeface="Arial" panose="020B0604020202020204" pitchFamily="34" charset="0"/>
-            </a:endParaRPr>
-          </a:p>
-          <a:p>
-            <a:r>
-              <a:rPr lang="en-US" sz="2800" dirty="0">
-                <a:latin typeface="Arial" panose="020B0604020202020204" pitchFamily="34" charset="0"/>
-                <a:cs typeface="Arial" panose="020B0604020202020204" pitchFamily="34" charset="0"/>
-              </a:rPr>
-              <a:t>Limitations &amp; Future Analysis</a:t>
-            </a:r>
-          </a:p>
-          <a:p>
-            <a:endParaRPr lang="en-US" sz="2800" dirty="0">
-              <a:latin typeface="Arial" panose="020B0604020202020204" pitchFamily="34" charset="0"/>
-              <a:cs typeface="Arial" panose="020B0604020202020204" pitchFamily="34" charset="0"/>
-            </a:endParaRPr>
-          </a:p>
-          <a:p>
-            <a:r>
-              <a:rPr lang="en-US" sz="2800" dirty="0">
-                <a:latin typeface="Arial" panose="020B0604020202020204" pitchFamily="34" charset="0"/>
-                <a:cs typeface="Arial" panose="020B0604020202020204" pitchFamily="34" charset="0"/>
-              </a:rPr>
-              <a:t>Q&amp;A</a:t>
-            </a:r>
-          </a:p>
-        </p:txBody>
-      </p:sp>
       <p:pic>
         <p:nvPicPr>
-          <p:cNvPr id="15" name="Graphic 14" descr="Car with solid fill">
-            <a:extLst>
-              <a:ext uri="{FF2B5EF4-FFF2-40B4-BE49-F238E27FC236}">
-                <a16:creationId xmlns:a16="http://schemas.microsoft.com/office/drawing/2014/main" id="{66AC507A-75A4-44A2-9FFC-1528507F1325}"/>
+          <p:cNvPr id="4" name="Content Placeholder 3">
+            <a:extLst>
+              <a:ext uri="{FF2B5EF4-FFF2-40B4-BE49-F238E27FC236}">
+                <a16:creationId xmlns:a16="http://schemas.microsoft.com/office/drawing/2014/main" id="{2BCA72F6-9D1B-4D14-A14A-8CCA1A821A8E}"/>
               </a:ext>
             </a:extLst>
           </p:cNvPr>
           <p:cNvPicPr>
-            <a:picLocks noChangeAspect="1"/>
+            <a:picLocks noGrp="1" noChangeAspect="1"/>
           </p:cNvPicPr>
-          <p:nvPr/>
+          <p:nvPr>
+            <p:ph idx="1"/>
+          </p:nvPr>
         </p:nvPicPr>
-        <p:blipFill>
-          <a:blip r:embed="rId2">
-            <a:extLst>
-              <a:ext uri="{28A0092B-C50C-407E-A947-70E740481C1C}">
-                <a14:useLocalDpi xmlns:a14="http://schemas.microsoft.com/office/drawing/2010/main" val="0"/>
-              </a:ext>
-              <a:ext uri="{96DAC541-7B7A-43D3-8B79-37D633B846F1}">
-                <asvg:svgBlip xmlns:asvg="http://schemas.microsoft.com/office/drawing/2016/SVG/main" r:embed="rId3"/>
-              </a:ext>
-            </a:extLst>
-          </a:blip>
-          <a:stretch>
-            <a:fillRect/>
-          </a:stretch>
+        <p:blipFill rotWithShape="1">
+          <a:blip r:embed="rId2"/>
+          <a:srcRect t="15746"/>
+          <a:stretch/>
         </p:blipFill>
         <p:spPr>
           <a:xfrm>
-            <a:off x="5050563" y="547328"/>
-            <a:ext cx="668099" cy="668099"/>
+            <a:off x="20" y="1282"/>
+            <a:ext cx="12191980" cy="6856718"/>
           </a:xfrm>
           <a:prstGeom prst="rect">
             <a:avLst/>
           </a:prstGeom>
         </p:spPr>
       </p:pic>
-      <p:pic>
-        <p:nvPicPr>
-          <p:cNvPr id="16" name="Graphic 15" descr="Car with solid fill">
-            <a:extLst>
-              <a:ext uri="{FF2B5EF4-FFF2-40B4-BE49-F238E27FC236}">
-                <a16:creationId xmlns:a16="http://schemas.microsoft.com/office/drawing/2014/main" id="{39AF4C31-83CA-4704-80EF-743FAEFC369C}"/>
-              </a:ext>
-            </a:extLst>
-          </p:cNvPr>
-          <p:cNvPicPr>
-            <a:picLocks noChangeAspect="1"/>
-          </p:cNvPicPr>
-          <p:nvPr/>
-        </p:nvPicPr>
-        <p:blipFill>
-          <a:blip r:embed="rId2">
-            <a:extLst>
-              <a:ext uri="{28A0092B-C50C-407E-A947-70E740481C1C}">
-                <a14:useLocalDpi xmlns:a14="http://schemas.microsoft.com/office/drawing/2010/main" val="0"/>
-              </a:ext>
-              <a:ext uri="{96DAC541-7B7A-43D3-8B79-37D633B846F1}">
-                <asvg:svgBlip xmlns:asvg="http://schemas.microsoft.com/office/drawing/2016/SVG/main" r:embed="rId3"/>
-              </a:ext>
-            </a:extLst>
-          </a:blip>
-          <a:stretch>
-            <a:fillRect/>
-          </a:stretch>
-        </p:blipFill>
-        <p:spPr>
-          <a:xfrm>
-            <a:off x="5050563" y="1405123"/>
-            <a:ext cx="668099" cy="668099"/>
-          </a:xfrm>
-          <a:prstGeom prst="rect">
-            <a:avLst/>
-          </a:prstGeom>
-        </p:spPr>
-      </p:pic>
-      <p:pic>
-        <p:nvPicPr>
-          <p:cNvPr id="17" name="Graphic 16" descr="Car with solid fill">
-            <a:extLst>
-              <a:ext uri="{FF2B5EF4-FFF2-40B4-BE49-F238E27FC236}">
-                <a16:creationId xmlns:a16="http://schemas.microsoft.com/office/drawing/2014/main" id="{3A7D183B-153A-47E5-85AF-12AADA787376}"/>
-              </a:ext>
-            </a:extLst>
-          </p:cNvPr>
-          <p:cNvPicPr>
-            <a:picLocks noChangeAspect="1"/>
-          </p:cNvPicPr>
-          <p:nvPr/>
-        </p:nvPicPr>
-        <p:blipFill>
-          <a:blip r:embed="rId2">
-            <a:extLst>
-              <a:ext uri="{28A0092B-C50C-407E-A947-70E740481C1C}">
-                <a14:useLocalDpi xmlns:a14="http://schemas.microsoft.com/office/drawing/2010/main" val="0"/>
-              </a:ext>
-              <a:ext uri="{96DAC541-7B7A-43D3-8B79-37D633B846F1}">
-                <asvg:svgBlip xmlns:asvg="http://schemas.microsoft.com/office/drawing/2016/SVG/main" r:embed="rId3"/>
-              </a:ext>
-            </a:extLst>
-          </a:blip>
-          <a:stretch>
-            <a:fillRect/>
-          </a:stretch>
-        </p:blipFill>
-        <p:spPr>
-          <a:xfrm>
-            <a:off x="5050562" y="2262918"/>
-            <a:ext cx="668099" cy="668099"/>
-          </a:xfrm>
-          <a:prstGeom prst="rect">
-            <a:avLst/>
-          </a:prstGeom>
-        </p:spPr>
-      </p:pic>
-      <p:pic>
-        <p:nvPicPr>
-          <p:cNvPr id="18" name="Graphic 17" descr="Car with solid fill">
-            <a:extLst>
-              <a:ext uri="{FF2B5EF4-FFF2-40B4-BE49-F238E27FC236}">
-                <a16:creationId xmlns:a16="http://schemas.microsoft.com/office/drawing/2014/main" id="{58423AA5-D76F-4F33-B95B-840ADA6119EC}"/>
-              </a:ext>
-            </a:extLst>
-          </p:cNvPr>
-          <p:cNvPicPr>
-            <a:picLocks noChangeAspect="1"/>
-          </p:cNvPicPr>
-          <p:nvPr/>
-        </p:nvPicPr>
-        <p:blipFill>
-          <a:blip r:embed="rId2">
-            <a:extLst>
-              <a:ext uri="{28A0092B-C50C-407E-A947-70E740481C1C}">
-                <a14:useLocalDpi xmlns:a14="http://schemas.microsoft.com/office/drawing/2010/main" val="0"/>
-              </a:ext>
-              <a:ext uri="{96DAC541-7B7A-43D3-8B79-37D633B846F1}">
-                <asvg:svgBlip xmlns:asvg="http://schemas.microsoft.com/office/drawing/2016/SVG/main" r:embed="rId3"/>
-              </a:ext>
-            </a:extLst>
-          </a:blip>
-          <a:stretch>
-            <a:fillRect/>
-          </a:stretch>
-        </p:blipFill>
-        <p:spPr>
-          <a:xfrm>
-            <a:off x="5050561" y="3120713"/>
-            <a:ext cx="668099" cy="668099"/>
-          </a:xfrm>
-          <a:prstGeom prst="rect">
-            <a:avLst/>
-          </a:prstGeom>
-        </p:spPr>
-      </p:pic>
-      <p:pic>
-        <p:nvPicPr>
-          <p:cNvPr id="19" name="Graphic 18" descr="Car with solid fill">
-            <a:extLst>
-              <a:ext uri="{FF2B5EF4-FFF2-40B4-BE49-F238E27FC236}">
-                <a16:creationId xmlns:a16="http://schemas.microsoft.com/office/drawing/2014/main" id="{B74D8010-88C7-45AF-8B9B-27803C99E603}"/>
-              </a:ext>
-            </a:extLst>
-          </p:cNvPr>
-          <p:cNvPicPr>
-            <a:picLocks noChangeAspect="1"/>
-          </p:cNvPicPr>
-          <p:nvPr/>
-        </p:nvPicPr>
-        <p:blipFill>
-          <a:blip r:embed="rId2">
-            <a:extLst>
-              <a:ext uri="{28A0092B-C50C-407E-A947-70E740481C1C}">
-                <a14:useLocalDpi xmlns:a14="http://schemas.microsoft.com/office/drawing/2010/main" val="0"/>
-              </a:ext>
-              <a:ext uri="{96DAC541-7B7A-43D3-8B79-37D633B846F1}">
-                <asvg:svgBlip xmlns:asvg="http://schemas.microsoft.com/office/drawing/2016/SVG/main" r:embed="rId3"/>
-              </a:ext>
-            </a:extLst>
-          </a:blip>
-          <a:stretch>
-            <a:fillRect/>
-          </a:stretch>
-        </p:blipFill>
-        <p:spPr>
-          <a:xfrm>
-            <a:off x="5050561" y="3978508"/>
-            <a:ext cx="668099" cy="668099"/>
-          </a:xfrm>
-          <a:prstGeom prst="rect">
-            <a:avLst/>
-          </a:prstGeom>
-        </p:spPr>
-      </p:pic>
-      <p:pic>
-        <p:nvPicPr>
-          <p:cNvPr id="20" name="Graphic 19" descr="Car with solid fill">
-            <a:extLst>
-              <a:ext uri="{FF2B5EF4-FFF2-40B4-BE49-F238E27FC236}">
-                <a16:creationId xmlns:a16="http://schemas.microsoft.com/office/drawing/2014/main" id="{DD54F421-A0A7-4F15-B8CD-B179D6DCE5ED}"/>
-              </a:ext>
-            </a:extLst>
-          </p:cNvPr>
-          <p:cNvPicPr>
-            <a:picLocks noChangeAspect="1"/>
-          </p:cNvPicPr>
-          <p:nvPr/>
-        </p:nvPicPr>
-        <p:blipFill>
-          <a:blip r:embed="rId2">
-            <a:extLst>
-              <a:ext uri="{28A0092B-C50C-407E-A947-70E740481C1C}">
-                <a14:useLocalDpi xmlns:a14="http://schemas.microsoft.com/office/drawing/2010/main" val="0"/>
-              </a:ext>
-              <a:ext uri="{96DAC541-7B7A-43D3-8B79-37D633B846F1}">
-                <asvg:svgBlip xmlns:asvg="http://schemas.microsoft.com/office/drawing/2016/SVG/main" r:embed="rId3"/>
-              </a:ext>
-            </a:extLst>
-          </a:blip>
-          <a:stretch>
-            <a:fillRect/>
-          </a:stretch>
-        </p:blipFill>
-        <p:spPr>
-          <a:xfrm>
-            <a:off x="5050560" y="4836303"/>
-            <a:ext cx="668099" cy="668099"/>
-          </a:xfrm>
-          <a:prstGeom prst="rect">
-            <a:avLst/>
-          </a:prstGeom>
-        </p:spPr>
-      </p:pic>
-      <p:cxnSp>
-        <p:nvCxnSpPr>
-          <p:cNvPr id="22" name="Straight Connector 21">
-            <a:extLst>
-              <a:ext uri="{FF2B5EF4-FFF2-40B4-BE49-F238E27FC236}">
-                <a16:creationId xmlns:a16="http://schemas.microsoft.com/office/drawing/2014/main" id="{9491C8E8-345E-4AC7-8211-74F413842774}"/>
-              </a:ext>
-            </a:extLst>
-          </p:cNvPr>
-          <p:cNvCxnSpPr/>
-          <p:nvPr/>
-        </p:nvCxnSpPr>
-        <p:spPr>
-          <a:xfrm>
-            <a:off x="901375" y="3788812"/>
-            <a:ext cx="2573345" cy="0"/>
-          </a:xfrm>
-          <a:prstGeom prst="line">
-            <a:avLst/>
-          </a:prstGeom>
-          <a:ln w="25400">
-            <a:solidFill>
-              <a:srgbClr val="EB0A1E"/>
-            </a:solidFill>
-          </a:ln>
-        </p:spPr>
-        <p:style>
-          <a:lnRef idx="3">
-            <a:schemeClr val="accent2"/>
-          </a:lnRef>
-          <a:fillRef idx="0">
-            <a:schemeClr val="accent2"/>
-          </a:fillRef>
-          <a:effectRef idx="2">
-            <a:schemeClr val="accent2"/>
-          </a:effectRef>
-          <a:fontRef idx="minor">
-            <a:schemeClr val="tx1"/>
-          </a:fontRef>
-        </p:style>
-      </p:cxnSp>
-    </p:spTree>
-    <p:extLst>
-      <p:ext uri="{BB962C8B-B14F-4D97-AF65-F5344CB8AC3E}">
-        <p14:creationId xmlns:p14="http://schemas.microsoft.com/office/powerpoint/2010/main" val="1352651486"/>
-      </p:ext>
-    </p:extLst>
-  </p:cSld>
-  <p:clrMapOvr>
-    <a:masterClrMapping/>
-  </p:clrMapOvr>
-</p:sld>
-</file>
-
-<file path=ppt/slides/slide3.xml><?xml version="1.0" encoding="utf-8"?>
-<p:sld xmlns:a="http://schemas.openxmlformats.org/drawingml/2006/main" xmlns:r="http://schemas.openxmlformats.org/officeDocument/2006/relationships" xmlns:p="http://schemas.openxmlformats.org/presentationml/2006/main">
-  <p:cSld>
-    <p:bg>
-      <p:bgPr>
-        <a:blipFill dpi="0" rotWithShape="1">
-          <a:blip r:embed="rId2">
-            <a:lum/>
-          </a:blip>
-          <a:srcRect/>
-          <a:stretch>
-            <a:fillRect/>
-          </a:stretch>
-        </a:blipFill>
-        <a:effectLst/>
-      </p:bgPr>
-    </p:bg>
-    <p:spTree>
-      <p:nvGrpSpPr>
-        <p:cNvPr id="1" name=""/>
-        <p:cNvGrpSpPr/>
-        <p:nvPr/>
-      </p:nvGrpSpPr>
-      <p:grpSpPr>
-        <a:xfrm>
-          <a:off x="0" y="0"/>
-          <a:ext cx="0" cy="0"/>
-          <a:chOff x="0" y="0"/>
-          <a:chExt cx="0" cy="0"/>
-        </a:xfrm>
-      </p:grpSpPr>
-      <p:sp>
-        <p:nvSpPr>
-          <p:cNvPr id="10" name="Rectangle 9">
-            <a:extLst>
-              <a:ext uri="{FF2B5EF4-FFF2-40B4-BE49-F238E27FC236}">
-                <a16:creationId xmlns:a16="http://schemas.microsoft.com/office/drawing/2014/main" id="{01C24B81-F692-4BAC-A39B-9E75A8DACB75}"/>
-              </a:ext>
-            </a:extLst>
-          </p:cNvPr>
-          <p:cNvSpPr/>
-          <p:nvPr/>
-        </p:nvSpPr>
-        <p:spPr>
-          <a:xfrm>
-            <a:off x="0" y="0"/>
-            <a:ext cx="5852160" cy="6858000"/>
-          </a:xfrm>
-          <a:prstGeom prst="rect">
-            <a:avLst/>
-          </a:prstGeom>
-          <a:solidFill>
-            <a:srgbClr val="58595B"/>
-          </a:solidFill>
-          <a:ln>
-            <a:noFill/>
-          </a:ln>
-        </p:spPr>
-        <p:style>
-          <a:lnRef idx="2">
-            <a:schemeClr val="accent1">
-              <a:shade val="50000"/>
-            </a:schemeClr>
-          </a:lnRef>
-          <a:fillRef idx="1">
-            <a:schemeClr val="accent1"/>
-          </a:fillRef>
-          <a:effectRef idx="0">
-            <a:schemeClr val="accent1"/>
-          </a:effectRef>
-          <a:fontRef idx="minor">
-            <a:schemeClr val="lt1"/>
-          </a:fontRef>
-        </p:style>
-        <p:txBody>
-          <a:bodyPr rtlCol="0" anchor="ctr"/>
-          <a:lstStyle/>
-          <a:p>
-            <a:pPr algn="ctr"/>
-            <a:endParaRPr lang="en-US"/>
-          </a:p>
-        </p:txBody>
-      </p:sp>
       <p:sp>
         <p:nvSpPr>
           <p:cNvPr id="15" name="Rectangle 8">
@@ -5129,7 +8121,7 @@
         <p:spPr>
           <a:xfrm>
             <a:off x="364236" y="367028"/>
-            <a:ext cx="4952347" cy="769441"/>
+            <a:ext cx="4194701" cy="769441"/>
           </a:xfrm>
           <a:prstGeom prst="rect">
             <a:avLst/>
@@ -5145,22 +8137,68 @@
             <a:r>
               <a:rPr lang="en-US" sz="4400" b="1" dirty="0">
                 <a:solidFill>
-                  <a:schemeClr val="bg1"/>
+                  <a:srgbClr val="58595B"/>
                 </a:solidFill>
                 <a:latin typeface="Arial" panose="020B0604020202020204" pitchFamily="34" charset="0"/>
                 <a:cs typeface="Arial" panose="020B0604020202020204" pitchFamily="34" charset="0"/>
               </a:rPr>
-              <a:t>About our Data</a:t>
+              <a:t>Shape of Price</a:t>
             </a:r>
+          </a:p>
+        </p:txBody>
+      </p:sp>
+      <p:sp>
+        <p:nvSpPr>
+          <p:cNvPr id="2" name="Rectangle 1">
+            <a:extLst>
+              <a:ext uri="{FF2B5EF4-FFF2-40B4-BE49-F238E27FC236}">
+                <a16:creationId xmlns:a16="http://schemas.microsoft.com/office/drawing/2014/main" id="{3E049097-3DAA-47AA-93ED-9952ACA4CF24}"/>
+              </a:ext>
+            </a:extLst>
+          </p:cNvPr>
+          <p:cNvSpPr/>
+          <p:nvPr/>
+        </p:nvSpPr>
+        <p:spPr>
+          <a:xfrm>
+            <a:off x="0" y="0"/>
+            <a:ext cx="12192000" cy="1573306"/>
+          </a:xfrm>
+          <a:prstGeom prst="rect">
+            <a:avLst/>
+          </a:prstGeom>
+        </p:spPr>
+        <p:style>
+          <a:lnRef idx="2">
+            <a:schemeClr val="dk1">
+              <a:shade val="50000"/>
+            </a:schemeClr>
+          </a:lnRef>
+          <a:fillRef idx="1">
+            <a:schemeClr val="dk1"/>
+          </a:fillRef>
+          <a:effectRef idx="0">
+            <a:schemeClr val="dk1"/>
+          </a:effectRef>
+          <a:fontRef idx="minor">
+            <a:schemeClr val="lt1"/>
+          </a:fontRef>
+        </p:style>
+        <p:txBody>
+          <a:bodyPr rtlCol="0" anchor="ctr"/>
+          <a:lstStyle/>
+          <a:p>
+            <a:pPr algn="ctr"/>
+            <a:endParaRPr lang="en-US"/>
           </a:p>
         </p:txBody>
       </p:sp>
       <p:pic>
         <p:nvPicPr>
-          <p:cNvPr id="3076" name="Picture 4" descr="How to Download Kaggle Datasets on Ubuntu | endtoend.ai">
-            <a:extLst>
-              <a:ext uri="{FF2B5EF4-FFF2-40B4-BE49-F238E27FC236}">
-                <a16:creationId xmlns:a16="http://schemas.microsoft.com/office/drawing/2014/main" id="{D2C14808-23C1-4814-8B36-B53079921B94}"/>
+          <p:cNvPr id="7170" name="Picture 2" descr="New 2017 Ford Fiesta: Mk7 supermini pricing and pictures | CAR Magazine">
+            <a:extLst>
+              <a:ext uri="{FF2B5EF4-FFF2-40B4-BE49-F238E27FC236}">
+                <a16:creationId xmlns:a16="http://schemas.microsoft.com/office/drawing/2014/main" id="{97560EAD-2DA9-498C-93E4-890496EBD447}"/>
               </a:ext>
             </a:extLst>
           </p:cNvPr>
@@ -5169,40 +8207,22 @@
           </p:cNvPicPr>
           <p:nvPr/>
         </p:nvPicPr>
-        <p:blipFill>
+        <p:blipFill rotWithShape="1">
           <a:blip r:embed="rId3">
-            <a:extLst>
-              <a:ext uri="{BEBA8EAE-BF5A-486C-A8C5-ECC9F3942E4B}">
-                <a14:imgProps xmlns:a14="http://schemas.microsoft.com/office/drawing/2010/main">
-                  <a14:imgLayer r:embed="rId4">
-                    <a14:imgEffect>
-                      <a14:backgroundRemoval t="9938" b="89938" l="6379" r="91632">
-                        <a14:foregroundMark x1="6462" y1="36025" x2="6959" y2="40994"/>
-                        <a14:foregroundMark x1="16736" y1="44224" x2="20298" y2="43602"/>
-                        <a14:foregroundMark x1="27423" y1="44224" x2="30240" y2="43851"/>
-                        <a14:foregroundMark x1="38111" y1="44224" x2="40928" y2="43230"/>
-                        <a14:foregroundMark x1="48136" y1="36522" x2="48384" y2="41118"/>
-                        <a14:foregroundMark x1="53355" y1="44596" x2="54764" y2="44224"/>
-                        <a14:foregroundMark x1="91632" y1="30311" x2="91632" y2="33168"/>
-                      </a14:backgroundRemoval>
-                    </a14:imgEffect>
-                  </a14:imgLayer>
-                </a14:imgProps>
-              </a:ext>
+            <a:alphaModFix amt="85000"/>
+            <a:extLst>
               <a:ext uri="{28A0092B-C50C-407E-A947-70E740481C1C}">
                 <a14:useLocalDpi xmlns:a14="http://schemas.microsoft.com/office/drawing/2010/main" val="0"/>
               </a:ext>
             </a:extLst>
           </a:blip>
-          <a:srcRect/>
-          <a:stretch>
-            <a:fillRect/>
-          </a:stretch>
+          <a:srcRect t="35728" b="40402"/>
+          <a:stretch/>
         </p:blipFill>
         <p:spPr bwMode="auto">
           <a:xfrm>
-            <a:off x="950018" y="2292532"/>
-            <a:ext cx="3653355" cy="2436698"/>
+            <a:off x="0" y="0"/>
+            <a:ext cx="12192000" cy="1563624"/>
           </a:xfrm>
           <a:prstGeom prst="rect">
             <a:avLst/>
@@ -5219,273 +8239,113 @@
           </a:extLst>
         </p:spPr>
       </p:pic>
-      <p:pic>
-        <p:nvPicPr>
-          <p:cNvPr id="16" name="Graphic 15" descr="Car with solid fill">
-            <a:extLst>
-              <a:ext uri="{FF2B5EF4-FFF2-40B4-BE49-F238E27FC236}">
-                <a16:creationId xmlns:a16="http://schemas.microsoft.com/office/drawing/2014/main" id="{F905E9E7-4D18-4915-9EC4-145E889A70FE}"/>
-              </a:ext>
-            </a:extLst>
-          </p:cNvPr>
-          <p:cNvPicPr>
-            <a:picLocks noChangeAspect="1"/>
-          </p:cNvPicPr>
+      <p:grpSp>
+        <p:nvGrpSpPr>
+          <p:cNvPr id="9" name="Group 8">
+            <a:extLst>
+              <a:ext uri="{FF2B5EF4-FFF2-40B4-BE49-F238E27FC236}">
+                <a16:creationId xmlns:a16="http://schemas.microsoft.com/office/drawing/2014/main" id="{43144B71-3909-466D-A8C8-5B553E212C10}"/>
+              </a:ext>
+            </a:extLst>
+          </p:cNvPr>
+          <p:cNvGrpSpPr/>
           <p:nvPr/>
-        </p:nvPicPr>
-        <p:blipFill>
-          <a:blip r:embed="rId5">
-            <a:extLst>
-              <a:ext uri="{28A0092B-C50C-407E-A947-70E740481C1C}">
-                <a14:useLocalDpi xmlns:a14="http://schemas.microsoft.com/office/drawing/2010/main" val="0"/>
-              </a:ext>
-              <a:ext uri="{96DAC541-7B7A-43D3-8B79-37D633B846F1}">
-                <asvg:svgBlip xmlns:asvg="http://schemas.microsoft.com/office/drawing/2016/SVG/main" r:embed="rId6"/>
-              </a:ext>
-            </a:extLst>
-          </a:blip>
-          <a:stretch>
-            <a:fillRect/>
-          </a:stretch>
-        </p:blipFill>
-        <p:spPr>
+        </p:nvGrpSpPr>
+        <p:grpSpPr>
           <a:xfrm>
-            <a:off x="6339842" y="1604839"/>
-            <a:ext cx="668099" cy="668099"/>
-          </a:xfrm>
-          <a:prstGeom prst="rect">
-            <a:avLst/>
-          </a:prstGeom>
-        </p:spPr>
-      </p:pic>
-      <p:sp>
-        <p:nvSpPr>
-          <p:cNvPr id="11" name="TextBox 10">
-            <a:extLst>
-              <a:ext uri="{FF2B5EF4-FFF2-40B4-BE49-F238E27FC236}">
-                <a16:creationId xmlns:a16="http://schemas.microsoft.com/office/drawing/2014/main" id="{0B250991-E4DA-4300-B393-F77BE9791DF7}"/>
-              </a:ext>
-            </a:extLst>
-          </p:cNvPr>
-          <p:cNvSpPr txBox="1"/>
-          <p:nvPr/>
-        </p:nvSpPr>
-        <p:spPr>
-          <a:xfrm>
-            <a:off x="7007941" y="1711234"/>
-            <a:ext cx="4892322" cy="4801314"/>
-          </a:xfrm>
-          <a:prstGeom prst="rect">
-            <a:avLst/>
-          </a:prstGeom>
-          <a:noFill/>
-        </p:spPr>
-        <p:txBody>
-          <a:bodyPr wrap="square" rtlCol="0">
-            <a:spAutoFit/>
-          </a:bodyPr>
-          <a:lstStyle/>
-          <a:p>
-            <a:r>
-              <a:rPr lang="en-US" sz="1800" b="0" i="0" u="none" strike="noStrike" dirty="0">
-                <a:solidFill>
-                  <a:srgbClr val="000000"/>
-                </a:solidFill>
-                <a:effectLst/>
-                <a:latin typeface="Arial" panose="020B0604020202020204" pitchFamily="34" charset="0"/>
-              </a:rPr>
-              <a:t>Purpose: To help others determine how much to sell their used cars (based on Market price)</a:t>
-            </a:r>
-          </a:p>
-          <a:p>
-            <a:endParaRPr lang="en-US" dirty="0">
+            <a:off x="364236" y="367028"/>
+            <a:ext cx="5265855" cy="769441"/>
+            <a:chOff x="364236" y="367028"/>
+            <a:chExt cx="5265855" cy="769441"/>
+          </a:xfrm>
+        </p:grpSpPr>
+        <p:sp>
+          <p:nvSpPr>
+            <p:cNvPr id="10" name="TextBox 9">
+              <a:extLst>
+                <a:ext uri="{FF2B5EF4-FFF2-40B4-BE49-F238E27FC236}">
+                  <a16:creationId xmlns:a16="http://schemas.microsoft.com/office/drawing/2014/main" id="{F3A04461-B3C9-454D-BF97-B3889A0CE459}"/>
+                </a:ext>
+              </a:extLst>
+            </p:cNvPr>
+            <p:cNvSpPr txBox="1"/>
+            <p:nvPr/>
+          </p:nvSpPr>
+          <p:spPr>
+            <a:xfrm>
+              <a:off x="364236" y="367028"/>
+              <a:ext cx="4194701" cy="769441"/>
+            </a:xfrm>
+            <a:prstGeom prst="rect">
+              <a:avLst/>
+            </a:prstGeom>
+            <a:noFill/>
+          </p:spPr>
+          <p:txBody>
+            <a:bodyPr wrap="square" rtlCol="0">
+              <a:spAutoFit/>
+            </a:bodyPr>
+            <a:lstStyle/>
+            <a:p>
+              <a:r>
+                <a:rPr lang="en-US" sz="4400" b="1" dirty="0">
+                  <a:solidFill>
+                    <a:schemeClr val="bg1"/>
+                  </a:solidFill>
+                  <a:latin typeface="Arial" panose="020B0604020202020204" pitchFamily="34" charset="0"/>
+                  <a:cs typeface="Arial" panose="020B0604020202020204" pitchFamily="34" charset="0"/>
+                </a:rPr>
+                <a:t>Price vs Model</a:t>
+              </a:r>
+            </a:p>
+          </p:txBody>
+        </p:sp>
+        <p:cxnSp>
+          <p:nvCxnSpPr>
+            <p:cNvPr id="11" name="Straight Connector 10">
+              <a:extLst>
+                <a:ext uri="{FF2B5EF4-FFF2-40B4-BE49-F238E27FC236}">
+                  <a16:creationId xmlns:a16="http://schemas.microsoft.com/office/drawing/2014/main" id="{2EFCC5C6-377D-44E1-AC2F-0E6B02127538}"/>
+                </a:ext>
+              </a:extLst>
+            </p:cNvPr>
+            <p:cNvCxnSpPr/>
+            <p:nvPr/>
+          </p:nvCxnSpPr>
+          <p:spPr>
+            <a:xfrm>
+              <a:off x="365760" y="1136469"/>
+              <a:ext cx="5264331" cy="0"/>
+            </a:xfrm>
+            <a:prstGeom prst="line">
+              <a:avLst/>
+            </a:prstGeom>
+            <a:ln w="25400" cmpd="sng">
               <a:solidFill>
-                <a:srgbClr val="000000"/>
+                <a:srgbClr val="EB0A1E"/>
               </a:solidFill>
-              <a:latin typeface="Arial" panose="020B0604020202020204" pitchFamily="34" charset="0"/>
-            </a:endParaRPr>
-          </a:p>
-          <a:p>
-            <a:endParaRPr lang="en-US" dirty="0">
-              <a:solidFill>
-                <a:srgbClr val="000000"/>
-              </a:solidFill>
-              <a:latin typeface="Arial" panose="020B0604020202020204" pitchFamily="34" charset="0"/>
-            </a:endParaRPr>
-          </a:p>
-          <a:p>
-            <a:r>
-              <a:rPr lang="en-US" dirty="0">
-                <a:solidFill>
-                  <a:srgbClr val="000000"/>
-                </a:solidFill>
-                <a:latin typeface="Arial" panose="020B0604020202020204" pitchFamily="34" charset="0"/>
-              </a:rPr>
-              <a:t>How: </a:t>
-            </a:r>
-            <a:endParaRPr lang="en-US" sz="1800" b="0" i="0" u="none" strike="noStrike" dirty="0">
-              <a:solidFill>
-                <a:srgbClr val="000000"/>
-              </a:solidFill>
-              <a:effectLst/>
-              <a:latin typeface="Arial" panose="020B0604020202020204" pitchFamily="34" charset="0"/>
-            </a:endParaRPr>
-          </a:p>
-          <a:p>
-            <a:r>
-              <a:rPr lang="en-US" sz="1800" b="0" i="0" u="none" strike="noStrike" dirty="0">
-                <a:solidFill>
-                  <a:srgbClr val="000000"/>
-                </a:solidFill>
-                <a:effectLst/>
-                <a:latin typeface="Arial" panose="020B0604020202020204" pitchFamily="34" charset="0"/>
-              </a:rPr>
-              <a:t>Contains web-scraped data on 100,000 used cars divided into csv based on brands. In this project we focused on Toyota &amp; Ford)</a:t>
-            </a:r>
-          </a:p>
-          <a:p>
-            <a:endParaRPr lang="en-US" dirty="0">
-              <a:solidFill>
-                <a:srgbClr val="000000"/>
-              </a:solidFill>
-              <a:latin typeface="Arial" panose="020B0604020202020204" pitchFamily="34" charset="0"/>
-            </a:endParaRPr>
-          </a:p>
-          <a:p>
-            <a:endParaRPr lang="en-US" dirty="0">
-              <a:solidFill>
-                <a:srgbClr val="000000"/>
-              </a:solidFill>
-              <a:latin typeface="Arial" panose="020B0604020202020204" pitchFamily="34" charset="0"/>
-            </a:endParaRPr>
-          </a:p>
-          <a:p>
-            <a:r>
-              <a:rPr lang="en-US" sz="1800" b="0" i="0" u="none" strike="noStrike" dirty="0">
-                <a:solidFill>
-                  <a:srgbClr val="000000"/>
-                </a:solidFill>
-                <a:effectLst/>
-                <a:latin typeface="Arial" panose="020B0604020202020204" pitchFamily="34" charset="0"/>
-              </a:rPr>
-              <a:t>Gets better: </a:t>
-            </a:r>
-          </a:p>
-          <a:p>
-            <a:r>
-              <a:rPr lang="en-US" sz="1800" b="0" i="0" u="none" strike="noStrike" dirty="0">
-                <a:solidFill>
-                  <a:srgbClr val="000000"/>
-                </a:solidFill>
-                <a:effectLst/>
-                <a:latin typeface="Arial" panose="020B0604020202020204" pitchFamily="34" charset="0"/>
-              </a:rPr>
-              <a:t>The data set contains mostly clean data with variables such as Price, mileage, mpg, year of model, and engine size. </a:t>
-            </a:r>
-          </a:p>
-          <a:p>
-            <a:endParaRPr lang="en-US" dirty="0">
-              <a:solidFill>
-                <a:srgbClr val="000000"/>
-              </a:solidFill>
-              <a:latin typeface="Arial" panose="020B0604020202020204" pitchFamily="34" charset="0"/>
-            </a:endParaRPr>
-          </a:p>
-          <a:p>
-            <a:endParaRPr lang="en-US" dirty="0">
-              <a:solidFill>
-                <a:srgbClr val="000000"/>
-              </a:solidFill>
-              <a:latin typeface="Arial" panose="020B0604020202020204" pitchFamily="34" charset="0"/>
-            </a:endParaRPr>
-          </a:p>
-          <a:p>
-            <a:endParaRPr lang="en-US" dirty="0"/>
-          </a:p>
-        </p:txBody>
-      </p:sp>
-      <p:pic>
-        <p:nvPicPr>
-          <p:cNvPr id="17" name="Graphic 16" descr="Car with solid fill">
-            <a:extLst>
-              <a:ext uri="{FF2B5EF4-FFF2-40B4-BE49-F238E27FC236}">
-                <a16:creationId xmlns:a16="http://schemas.microsoft.com/office/drawing/2014/main" id="{11DAFE24-3A4A-4195-8D39-34F770159F88}"/>
-              </a:ext>
-            </a:extLst>
-          </p:cNvPr>
-          <p:cNvPicPr>
-            <a:picLocks noChangeAspect="1"/>
-          </p:cNvPicPr>
-          <p:nvPr/>
-        </p:nvPicPr>
-        <p:blipFill>
-          <a:blip r:embed="rId5">
-            <a:extLst>
-              <a:ext uri="{28A0092B-C50C-407E-A947-70E740481C1C}">
-                <a14:useLocalDpi xmlns:a14="http://schemas.microsoft.com/office/drawing/2010/main" val="0"/>
-              </a:ext>
-              <a:ext uri="{96DAC541-7B7A-43D3-8B79-37D633B846F1}">
-                <asvg:svgBlip xmlns:asvg="http://schemas.microsoft.com/office/drawing/2016/SVG/main" r:embed="rId6"/>
-              </a:ext>
-            </a:extLst>
-          </a:blip>
-          <a:stretch>
-            <a:fillRect/>
-          </a:stretch>
-        </p:blipFill>
-        <p:spPr>
-          <a:xfrm>
-            <a:off x="6270521" y="2684701"/>
-            <a:ext cx="668099" cy="668099"/>
-          </a:xfrm>
-          <a:prstGeom prst="rect">
-            <a:avLst/>
-          </a:prstGeom>
-        </p:spPr>
-      </p:pic>
-      <p:pic>
-        <p:nvPicPr>
-          <p:cNvPr id="18" name="Graphic 17" descr="Car with solid fill">
-            <a:extLst>
-              <a:ext uri="{FF2B5EF4-FFF2-40B4-BE49-F238E27FC236}">
-                <a16:creationId xmlns:a16="http://schemas.microsoft.com/office/drawing/2014/main" id="{81747CFF-644E-4223-84E6-BA37F7D2EA57}"/>
-              </a:ext>
-            </a:extLst>
-          </p:cNvPr>
-          <p:cNvPicPr>
-            <a:picLocks noChangeAspect="1"/>
-          </p:cNvPicPr>
-          <p:nvPr/>
-        </p:nvPicPr>
-        <p:blipFill>
-          <a:blip r:embed="rId5">
-            <a:extLst>
-              <a:ext uri="{28A0092B-C50C-407E-A947-70E740481C1C}">
-                <a14:useLocalDpi xmlns:a14="http://schemas.microsoft.com/office/drawing/2010/main" val="0"/>
-              </a:ext>
-              <a:ext uri="{96DAC541-7B7A-43D3-8B79-37D633B846F1}">
-                <asvg:svgBlip xmlns:asvg="http://schemas.microsoft.com/office/drawing/2016/SVG/main" r:embed="rId6"/>
-              </a:ext>
-            </a:extLst>
-          </a:blip>
-          <a:stretch>
-            <a:fillRect/>
-          </a:stretch>
-        </p:blipFill>
-        <p:spPr>
-          <a:xfrm>
-            <a:off x="6270521" y="4286631"/>
-            <a:ext cx="668099" cy="668099"/>
-          </a:xfrm>
-          <a:prstGeom prst="rect">
-            <a:avLst/>
-          </a:prstGeom>
-        </p:spPr>
-      </p:pic>
+            </a:ln>
+          </p:spPr>
+          <p:style>
+            <a:lnRef idx="3">
+              <a:schemeClr val="accent2"/>
+            </a:lnRef>
+            <a:fillRef idx="0">
+              <a:schemeClr val="accent2"/>
+            </a:fillRef>
+            <a:effectRef idx="2">
+              <a:schemeClr val="accent2"/>
+            </a:effectRef>
+            <a:fontRef idx="minor">
+              <a:schemeClr val="tx1"/>
+            </a:fontRef>
+          </p:style>
+        </p:cxnSp>
+      </p:grpSp>
     </p:spTree>
     <p:extLst>
       <p:ext uri="{BB962C8B-B14F-4D97-AF65-F5344CB8AC3E}">
-        <p14:creationId xmlns:p14="http://schemas.microsoft.com/office/powerpoint/2010/main" val="2800893205"/>
+        <p14:creationId xmlns:p14="http://schemas.microsoft.com/office/powerpoint/2010/main" val="10575418"/>
       </p:ext>
     </p:extLst>
   </p:cSld>
@@ -5495,23 +8355,9 @@
 </p:sld>
 </file>
 
-<file path=ppt/slides/slide4.xml><?xml version="1.0" encoding="utf-8"?>
+<file path=ppt/slides/slide8.xml><?xml version="1.0" encoding="utf-8"?>
 <p:sld xmlns:a="http://schemas.openxmlformats.org/drawingml/2006/main" xmlns:r="http://schemas.openxmlformats.org/officeDocument/2006/relationships" xmlns:p="http://schemas.openxmlformats.org/presentationml/2006/main">
   <p:cSld>
-    <p:bg>
-      <p:bgPr>
-        <a:blipFill dpi="0" rotWithShape="1">
-          <a:blip r:embed="rId2">
-            <a:lum/>
-          </a:blip>
-          <a:srcRect/>
-          <a:stretch>
-            <a:fillRect/>
-          </a:stretch>
-        </a:blipFill>
-        <a:effectLst/>
-      </p:bgPr>
-    </p:bg>
     <p:spTree>
       <p:nvGrpSpPr>
         <p:cNvPr id="1" name=""/>
@@ -5528,227 +8374,142 @@
       </p:grpSpPr>
       <p:sp>
         <p:nvSpPr>
-          <p:cNvPr id="10" name="Rectangle 9">
-            <a:extLst>
-              <a:ext uri="{FF2B5EF4-FFF2-40B4-BE49-F238E27FC236}">
-                <a16:creationId xmlns:a16="http://schemas.microsoft.com/office/drawing/2014/main" id="{01C24B81-F692-4BAC-A39B-9E75A8DACB75}"/>
-              </a:ext>
-            </a:extLst>
-          </p:cNvPr>
-          <p:cNvSpPr/>
+          <p:cNvPr id="2" name="Title 1">
+            <a:extLst>
+              <a:ext uri="{FF2B5EF4-FFF2-40B4-BE49-F238E27FC236}">
+                <a16:creationId xmlns:a16="http://schemas.microsoft.com/office/drawing/2014/main" id="{B73E7076-E1FA-4BBA-A97D-B2344FAD7813}"/>
+              </a:ext>
+            </a:extLst>
+          </p:cNvPr>
+          <p:cNvSpPr>
+            <a:spLocks noGrp="1"/>
+          </p:cNvSpPr>
+          <p:nvPr>
+            <p:ph type="title"/>
+          </p:nvPr>
+        </p:nvSpPr>
+        <p:spPr/>
+        <p:txBody>
+          <a:bodyPr/>
+          <a:lstStyle/>
+          <a:p>
+            <a:endParaRPr lang="en-US"/>
+          </a:p>
+        </p:txBody>
+      </p:sp>
+      <p:sp>
+        <p:nvSpPr>
+          <p:cNvPr id="3" name="Content Placeholder 2">
+            <a:extLst>
+              <a:ext uri="{FF2B5EF4-FFF2-40B4-BE49-F238E27FC236}">
+                <a16:creationId xmlns:a16="http://schemas.microsoft.com/office/drawing/2014/main" id="{198F8278-DDBE-44D0-B0F1-8F5AA19809F0}"/>
+              </a:ext>
+            </a:extLst>
+          </p:cNvPr>
+          <p:cNvSpPr>
+            <a:spLocks noGrp="1"/>
+          </p:cNvSpPr>
+          <p:nvPr>
+            <p:ph idx="1"/>
+          </p:nvPr>
+        </p:nvSpPr>
+        <p:spPr/>
+        <p:txBody>
+          <a:bodyPr/>
+          <a:lstStyle/>
+          <a:p>
+            <a:endParaRPr lang="en-US"/>
+          </a:p>
+        </p:txBody>
+      </p:sp>
+      <p:pic>
+        <p:nvPicPr>
+          <p:cNvPr id="4" name="Content Placeholder 3">
+            <a:extLst>
+              <a:ext uri="{FF2B5EF4-FFF2-40B4-BE49-F238E27FC236}">
+                <a16:creationId xmlns:a16="http://schemas.microsoft.com/office/drawing/2014/main" id="{FC90D1F6-2AAB-474F-A2D7-C0D81B9D6DE0}"/>
+              </a:ext>
+            </a:extLst>
+          </p:cNvPr>
+          <p:cNvPicPr>
+            <a:picLocks noChangeAspect="1"/>
+          </p:cNvPicPr>
           <p:nvPr/>
-        </p:nvSpPr>
+        </p:nvPicPr>
+        <p:blipFill rotWithShape="1">
+          <a:blip r:embed="rId2"/>
+          <a:srcRect t="15746"/>
+          <a:stretch/>
+        </p:blipFill>
         <p:spPr>
           <a:xfrm>
             <a:off x="0" y="0"/>
-            <a:ext cx="5852160" cy="6858000"/>
+            <a:ext cx="12191980" cy="6856718"/>
           </a:xfrm>
           <a:prstGeom prst="rect">
             <a:avLst/>
           </a:prstGeom>
-          <a:solidFill>
-            <a:srgbClr val="58595B"/>
-          </a:solidFill>
-          <a:ln>
-            <a:noFill/>
-          </a:ln>
         </p:spPr>
-        <p:style>
-          <a:lnRef idx="2">
-            <a:schemeClr val="accent1">
-              <a:shade val="50000"/>
-            </a:schemeClr>
-          </a:lnRef>
-          <a:fillRef idx="1">
-            <a:schemeClr val="accent1"/>
-          </a:fillRef>
-          <a:effectRef idx="0">
-            <a:schemeClr val="accent1"/>
-          </a:effectRef>
-          <a:fontRef idx="minor">
-            <a:schemeClr val="lt1"/>
-          </a:fontRef>
-        </p:style>
-        <p:txBody>
-          <a:bodyPr rtlCol="0" anchor="ctr"/>
-          <a:lstStyle/>
-          <a:p>
-            <a:pPr algn="ctr"/>
-            <a:endParaRPr lang="en-US"/>
-          </a:p>
-        </p:txBody>
-      </p:sp>
-      <p:sp>
-        <p:nvSpPr>
-          <p:cNvPr id="15" name="Rectangle 8">
-            <a:extLst>
-              <a:ext uri="{FF2B5EF4-FFF2-40B4-BE49-F238E27FC236}">
-                <a16:creationId xmlns:a16="http://schemas.microsoft.com/office/drawing/2014/main" id="{42A4FC2C-047E-45A5-965D-8E1E3BF09BC6}"/>
-              </a:ext>
-              <a:ext uri="{C183D7F6-B498-43B3-948B-1728B52AA6E4}">
-                <adec:decorative xmlns:adec="http://schemas.microsoft.com/office/drawing/2017/decorative" val="1"/>
-              </a:ext>
-            </a:extLst>
-          </p:cNvPr>
-          <p:cNvSpPr>
-            <a:spLocks noGrp="1" noRot="1" noChangeAspect="1" noMove="1" noResize="1" noEditPoints="1" noAdjustHandles="1" noChangeArrowheads="1" noChangeShapeType="1" noTextEdit="1"/>
-          </p:cNvSpPr>
-          <p:nvPr>
-            <p:extLst>
-              <p:ext uri="{386F3935-93C4-4BCD-93E2-E3B085C9AB24}">
-                <p16:designElem xmlns:p16="http://schemas.microsoft.com/office/powerpoint/2015/main" val="1"/>
-              </p:ext>
-            </p:extLst>
-          </p:nvPr>
-        </p:nvSpPr>
-        <p:spPr bwMode="white">
+      </p:pic>
+      <p:sp>
+        <p:nvSpPr>
+          <p:cNvPr id="8" name="TextBox 7">
+            <a:extLst>
+              <a:ext uri="{FF2B5EF4-FFF2-40B4-BE49-F238E27FC236}">
+                <a16:creationId xmlns:a16="http://schemas.microsoft.com/office/drawing/2014/main" id="{ED7094DD-9B27-4D33-AD07-64E8071113A9}"/>
+              </a:ext>
+            </a:extLst>
+          </p:cNvPr>
+          <p:cNvSpPr txBox="1"/>
+          <p:nvPr/>
+        </p:nvSpPr>
+        <p:spPr>
           <a:xfrm>
-            <a:off x="1524" y="0"/>
-            <a:ext cx="12188952" cy="6858000"/>
+            <a:off x="6095990" y="230188"/>
+            <a:ext cx="5832649" cy="769441"/>
           </a:xfrm>
           <a:prstGeom prst="rect">
             <a:avLst/>
           </a:prstGeom>
           <a:noFill/>
-          <a:ln>
-            <a:noFill/>
-          </a:ln>
         </p:spPr>
-        <p:style>
-          <a:lnRef idx="2">
-            <a:schemeClr val="accent1">
-              <a:shade val="50000"/>
-            </a:schemeClr>
-          </a:lnRef>
-          <a:fillRef idx="1">
-            <a:schemeClr val="accent1"/>
-          </a:fillRef>
-          <a:effectRef idx="0">
-            <a:schemeClr val="accent1"/>
-          </a:effectRef>
-          <a:fontRef idx="minor">
-            <a:schemeClr val="lt1"/>
-          </a:fontRef>
-        </p:style>
-        <p:txBody>
-          <a:bodyPr rtlCol="0" anchor="ctr"/>
-          <a:lstStyle>
-            <a:defPPr>
-              <a:defRPr lang="en-US"/>
-            </a:defPPr>
-            <a:lvl1pPr marL="0" algn="l" defTabSz="914400" rtl="0" eaLnBrk="1" latinLnBrk="0" hangingPunct="1">
-              <a:defRPr sz="1800" kern="1200">
+        <p:txBody>
+          <a:bodyPr wrap="square" rtlCol="0">
+            <a:spAutoFit/>
+          </a:bodyPr>
+          <a:lstStyle/>
+          <a:p>
+            <a:r>
+              <a:rPr lang="en-US" sz="4400" b="1" dirty="0">
                 <a:solidFill>
-                  <a:schemeClr val="lt1"/>
+                  <a:srgbClr val="262626"/>
                 </a:solidFill>
-                <a:latin typeface="+mn-lt"/>
-                <a:ea typeface="+mn-ea"/>
-                <a:cs typeface="+mn-cs"/>
-              </a:defRPr>
-            </a:lvl1pPr>
-            <a:lvl2pPr marL="457200" algn="l" defTabSz="914400" rtl="0" eaLnBrk="1" latinLnBrk="0" hangingPunct="1">
-              <a:defRPr sz="1800" kern="1200">
-                <a:solidFill>
-                  <a:schemeClr val="lt1"/>
-                </a:solidFill>
-                <a:latin typeface="+mn-lt"/>
-                <a:ea typeface="+mn-ea"/>
-                <a:cs typeface="+mn-cs"/>
-              </a:defRPr>
-            </a:lvl2pPr>
-            <a:lvl3pPr marL="914400" algn="l" defTabSz="914400" rtl="0" eaLnBrk="1" latinLnBrk="0" hangingPunct="1">
-              <a:defRPr sz="1800" kern="1200">
-                <a:solidFill>
-                  <a:schemeClr val="lt1"/>
-                </a:solidFill>
-                <a:latin typeface="+mn-lt"/>
-                <a:ea typeface="+mn-ea"/>
-                <a:cs typeface="+mn-cs"/>
-              </a:defRPr>
-            </a:lvl3pPr>
-            <a:lvl4pPr marL="1371600" algn="l" defTabSz="914400" rtl="0" eaLnBrk="1" latinLnBrk="0" hangingPunct="1">
-              <a:defRPr sz="1800" kern="1200">
-                <a:solidFill>
-                  <a:schemeClr val="lt1"/>
-                </a:solidFill>
-                <a:latin typeface="+mn-lt"/>
-                <a:ea typeface="+mn-ea"/>
-                <a:cs typeface="+mn-cs"/>
-              </a:defRPr>
-            </a:lvl4pPr>
-            <a:lvl5pPr marL="1828800" algn="l" defTabSz="914400" rtl="0" eaLnBrk="1" latinLnBrk="0" hangingPunct="1">
-              <a:defRPr sz="1800" kern="1200">
-                <a:solidFill>
-                  <a:schemeClr val="lt1"/>
-                </a:solidFill>
-                <a:latin typeface="+mn-lt"/>
-                <a:ea typeface="+mn-ea"/>
-                <a:cs typeface="+mn-cs"/>
-              </a:defRPr>
-            </a:lvl5pPr>
-            <a:lvl6pPr marL="2286000" algn="l" defTabSz="914400" rtl="0" eaLnBrk="1" latinLnBrk="0" hangingPunct="1">
-              <a:defRPr sz="1800" kern="1200">
-                <a:solidFill>
-                  <a:schemeClr val="lt1"/>
-                </a:solidFill>
-                <a:latin typeface="+mn-lt"/>
-                <a:ea typeface="+mn-ea"/>
-                <a:cs typeface="+mn-cs"/>
-              </a:defRPr>
-            </a:lvl6pPr>
-            <a:lvl7pPr marL="2743200" algn="l" defTabSz="914400" rtl="0" eaLnBrk="1" latinLnBrk="0" hangingPunct="1">
-              <a:defRPr sz="1800" kern="1200">
-                <a:solidFill>
-                  <a:schemeClr val="lt1"/>
-                </a:solidFill>
-                <a:latin typeface="+mn-lt"/>
-                <a:ea typeface="+mn-ea"/>
-                <a:cs typeface="+mn-cs"/>
-              </a:defRPr>
-            </a:lvl7pPr>
-            <a:lvl8pPr marL="3200400" algn="l" defTabSz="914400" rtl="0" eaLnBrk="1" latinLnBrk="0" hangingPunct="1">
-              <a:defRPr sz="1800" kern="1200">
-                <a:solidFill>
-                  <a:schemeClr val="lt1"/>
-                </a:solidFill>
-                <a:latin typeface="+mn-lt"/>
-                <a:ea typeface="+mn-ea"/>
-                <a:cs typeface="+mn-cs"/>
-              </a:defRPr>
-            </a:lvl8pPr>
-            <a:lvl9pPr marL="3657600" algn="l" defTabSz="914400" rtl="0" eaLnBrk="1" latinLnBrk="0" hangingPunct="1">
-              <a:defRPr sz="1800" kern="1200">
-                <a:solidFill>
-                  <a:schemeClr val="lt1"/>
-                </a:solidFill>
-                <a:latin typeface="+mn-lt"/>
-                <a:ea typeface="+mn-ea"/>
-                <a:cs typeface="+mn-cs"/>
-              </a:defRPr>
-            </a:lvl9pPr>
-          </a:lstStyle>
-          <a:p>
-            <a:pPr algn="ctr"/>
-            <a:endParaRPr lang="en-US"/>
+                <a:latin typeface="Arial" panose="020B0604020202020204" pitchFamily="34" charset="0"/>
+                <a:cs typeface="Arial" panose="020B0604020202020204" pitchFamily="34" charset="0"/>
+              </a:rPr>
+              <a:t>Hypotheses Review</a:t>
+            </a:r>
           </a:p>
         </p:txBody>
       </p:sp>
       <p:cxnSp>
         <p:nvCxnSpPr>
-          <p:cNvPr id="8" name="Straight Connector 7">
-            <a:extLst>
-              <a:ext uri="{FF2B5EF4-FFF2-40B4-BE49-F238E27FC236}">
-                <a16:creationId xmlns:a16="http://schemas.microsoft.com/office/drawing/2014/main" id="{5A9B000F-A657-449D-A557-8027C3D59329}"/>
-              </a:ext>
-            </a:extLst>
-          </p:cNvPr>
-          <p:cNvCxnSpPr/>
+          <p:cNvPr id="11" name="Straight Connector 10">
+            <a:extLst>
+              <a:ext uri="{FF2B5EF4-FFF2-40B4-BE49-F238E27FC236}">
+                <a16:creationId xmlns:a16="http://schemas.microsoft.com/office/drawing/2014/main" id="{2CD8C99B-B602-4538-A53F-C8034A9A5CAD}"/>
+              </a:ext>
+            </a:extLst>
+          </p:cNvPr>
+          <p:cNvCxnSpPr>
+            <a:cxnSpLocks/>
+          </p:cNvCxnSpPr>
           <p:nvPr/>
         </p:nvCxnSpPr>
         <p:spPr>
           <a:xfrm>
-            <a:off x="365760" y="1136469"/>
-            <a:ext cx="5264331" cy="0"/>
+            <a:off x="6196083" y="999629"/>
+            <a:ext cx="2524836" cy="0"/>
           </a:xfrm>
           <a:prstGeom prst="line">
             <a:avLst/>
@@ -5776,240 +8537,332 @@
       </p:cxnSp>
       <p:sp>
         <p:nvSpPr>
-          <p:cNvPr id="14" name="TextBox 13">
-            <a:extLst>
-              <a:ext uri="{FF2B5EF4-FFF2-40B4-BE49-F238E27FC236}">
-                <a16:creationId xmlns:a16="http://schemas.microsoft.com/office/drawing/2014/main" id="{8F228711-3E1D-4A5F-B1EC-F791CBB4F396}"/>
-              </a:ext>
-            </a:extLst>
-          </p:cNvPr>
-          <p:cNvSpPr txBox="1"/>
+          <p:cNvPr id="5" name="Rectangle 4">
+            <a:extLst>
+              <a:ext uri="{FF2B5EF4-FFF2-40B4-BE49-F238E27FC236}">
+                <a16:creationId xmlns:a16="http://schemas.microsoft.com/office/drawing/2014/main" id="{1FF43E43-9D82-427F-971E-CCD568B969D6}"/>
+              </a:ext>
+            </a:extLst>
+          </p:cNvPr>
+          <p:cNvSpPr/>
           <p:nvPr/>
         </p:nvSpPr>
         <p:spPr>
           <a:xfrm>
-            <a:off x="364236" y="367028"/>
-            <a:ext cx="4952347" cy="769441"/>
+            <a:off x="-24304" y="0"/>
+            <a:ext cx="4943776" cy="6858000"/>
           </a:xfrm>
           <a:prstGeom prst="rect">
             <a:avLst/>
           </a:prstGeom>
-          <a:noFill/>
+          <a:solidFill>
+            <a:schemeClr val="dk1">
+              <a:alpha val="66000"/>
+            </a:schemeClr>
+          </a:solidFill>
+          <a:ln>
+            <a:solidFill>
+              <a:srgbClr val="000000">
+                <a:alpha val="78039"/>
+              </a:srgbClr>
+            </a:solidFill>
+          </a:ln>
         </p:spPr>
-        <p:txBody>
-          <a:bodyPr wrap="square" rtlCol="0">
-            <a:spAutoFit/>
-          </a:bodyPr>
+        <p:style>
+          <a:lnRef idx="2">
+            <a:schemeClr val="dk1">
+              <a:shade val="50000"/>
+            </a:schemeClr>
+          </a:lnRef>
+          <a:fillRef idx="1">
+            <a:schemeClr val="dk1"/>
+          </a:fillRef>
+          <a:effectRef idx="0">
+            <a:schemeClr val="dk1"/>
+          </a:effectRef>
+          <a:fontRef idx="minor">
+            <a:schemeClr val="lt1"/>
+          </a:fontRef>
+        </p:style>
+        <p:txBody>
+          <a:bodyPr rtlCol="0" anchor="ctr"/>
           <a:lstStyle/>
           <a:p>
-            <a:r>
-              <a:rPr lang="en-US" sz="4400" b="1" dirty="0">
-                <a:solidFill>
-                  <a:schemeClr val="bg1"/>
-                </a:solidFill>
+            <a:pPr algn="ctr"/>
+            <a:endParaRPr lang="en-US"/>
+          </a:p>
+        </p:txBody>
+      </p:sp>
+      <p:grpSp>
+        <p:nvGrpSpPr>
+          <p:cNvPr id="13" name="Group 12">
+            <a:extLst>
+              <a:ext uri="{FF2B5EF4-FFF2-40B4-BE49-F238E27FC236}">
+                <a16:creationId xmlns:a16="http://schemas.microsoft.com/office/drawing/2014/main" id="{BAFD6C1C-59AF-468E-94EB-AE68E342A880}"/>
+              </a:ext>
+            </a:extLst>
+          </p:cNvPr>
+          <p:cNvGrpSpPr/>
+          <p:nvPr/>
+        </p:nvGrpSpPr>
+        <p:grpSpPr>
+          <a:xfrm>
+            <a:off x="6178121" y="1824343"/>
+            <a:ext cx="5750518" cy="3493264"/>
+            <a:chOff x="5962735" y="1704152"/>
+            <a:chExt cx="5750518" cy="3493264"/>
+          </a:xfrm>
+        </p:grpSpPr>
+        <p:sp>
+          <p:nvSpPr>
+            <p:cNvPr id="14" name="TextBox 13">
+              <a:extLst>
+                <a:ext uri="{FF2B5EF4-FFF2-40B4-BE49-F238E27FC236}">
+                  <a16:creationId xmlns:a16="http://schemas.microsoft.com/office/drawing/2014/main" id="{3924136E-C0E1-49D8-B611-8E368F6AD8E7}"/>
+                </a:ext>
+              </a:extLst>
+            </p:cNvPr>
+            <p:cNvSpPr txBox="1"/>
+            <p:nvPr/>
+          </p:nvSpPr>
+          <p:spPr>
+            <a:xfrm>
+              <a:off x="6820931" y="1704152"/>
+              <a:ext cx="4892322" cy="3493264"/>
+            </a:xfrm>
+            <a:prstGeom prst="rect">
+              <a:avLst/>
+            </a:prstGeom>
+            <a:noFill/>
+          </p:spPr>
+          <p:txBody>
+            <a:bodyPr wrap="square" rtlCol="0">
+              <a:spAutoFit/>
+            </a:bodyPr>
+            <a:lstStyle/>
+            <a:p>
+              <a:pPr rtl="0">
+                <a:spcBef>
+                  <a:spcPts val="0"/>
+                </a:spcBef>
+                <a:spcAft>
+                  <a:spcPts val="1200"/>
+                </a:spcAft>
+              </a:pPr>
+              <a:r>
+                <a:rPr lang="en-US" sz="2400" b="0" i="0" u="none" strike="noStrike" dirty="0">
+                  <a:effectLst/>
+                  <a:latin typeface="Arial" panose="020B0604020202020204" pitchFamily="34" charset="0"/>
+                  <a:cs typeface="Arial" panose="020B0604020202020204" pitchFamily="34" charset="0"/>
+                </a:rPr>
+                <a:t>There is a difference between</a:t>
+              </a:r>
+              <a:r>
+                <a:rPr lang="en-US" sz="2400" dirty="0">
+                  <a:latin typeface="Arial" panose="020B0604020202020204" pitchFamily="34" charset="0"/>
+                  <a:cs typeface="Arial" panose="020B0604020202020204" pitchFamily="34" charset="0"/>
+                </a:rPr>
+                <a:t> sell price for models within brands </a:t>
+              </a:r>
+              <a:endParaRPr lang="en-US" sz="2400" b="0" i="0" u="none" strike="noStrike" dirty="0">
+                <a:effectLst/>
                 <a:latin typeface="Arial" panose="020B0604020202020204" pitchFamily="34" charset="0"/>
                 <a:cs typeface="Arial" panose="020B0604020202020204" pitchFamily="34" charset="0"/>
-              </a:rPr>
-              <a:t>Data Cleaning</a:t>
-            </a:r>
-          </a:p>
-        </p:txBody>
-      </p:sp>
-      <p:sp>
-        <p:nvSpPr>
-          <p:cNvPr id="11" name="TextBox 10">
-            <a:extLst>
-              <a:ext uri="{FF2B5EF4-FFF2-40B4-BE49-F238E27FC236}">
-                <a16:creationId xmlns:a16="http://schemas.microsoft.com/office/drawing/2014/main" id="{0B250991-E4DA-4300-B393-F77BE9791DF7}"/>
-              </a:ext>
-            </a:extLst>
-          </p:cNvPr>
-          <p:cNvSpPr txBox="1"/>
-          <p:nvPr/>
-        </p:nvSpPr>
-        <p:spPr>
-          <a:xfrm>
-            <a:off x="7118387" y="1384663"/>
-            <a:ext cx="4892322" cy="3354765"/>
-          </a:xfrm>
-          <a:prstGeom prst="rect">
-            <a:avLst/>
-          </a:prstGeom>
-          <a:noFill/>
-        </p:spPr>
-        <p:txBody>
-          <a:bodyPr wrap="square" rtlCol="0">
-            <a:spAutoFit/>
-          </a:bodyPr>
-          <a:lstStyle/>
-          <a:p>
-            <a:pPr rtl="0">
-              <a:spcBef>
-                <a:spcPts val="0"/>
-              </a:spcBef>
-              <a:spcAft>
-                <a:spcPts val="1200"/>
-              </a:spcAft>
-            </a:pPr>
-            <a:r>
-              <a:rPr lang="en-US" sz="1800" b="0" i="0" u="none" strike="noStrike" dirty="0">
-                <a:solidFill>
-                  <a:srgbClr val="595959"/>
-                </a:solidFill>
+              </a:endParaRPr>
+            </a:p>
+            <a:p>
+              <a:pPr rtl="0">
+                <a:spcBef>
+                  <a:spcPts val="0"/>
+                </a:spcBef>
+                <a:spcAft>
+                  <a:spcPts val="1200"/>
+                </a:spcAft>
+              </a:pPr>
+              <a:endParaRPr lang="en-US" sz="1100" b="0" dirty="0">
                 <a:effectLst/>
                 <a:latin typeface="Arial" panose="020B0604020202020204" pitchFamily="34" charset="0"/>
-              </a:rPr>
-              <a:t>Price - Only kept the mean price + 2 standard deviations</a:t>
-            </a:r>
-            <a:endParaRPr lang="en-US" b="0" dirty="0">
-              <a:effectLst/>
-            </a:endParaRPr>
-          </a:p>
-          <a:p>
-            <a:pPr rtl="0">
-              <a:spcBef>
-                <a:spcPts val="0"/>
-              </a:spcBef>
-              <a:spcAft>
-                <a:spcPts val="1200"/>
-              </a:spcAft>
-            </a:pPr>
-            <a:r>
-              <a:rPr lang="en-US" sz="1800" b="0" i="0" u="none" strike="noStrike" dirty="0">
-                <a:solidFill>
-                  <a:srgbClr val="595959"/>
-                </a:solidFill>
+                <a:cs typeface="Arial" panose="020B0604020202020204" pitchFamily="34" charset="0"/>
+              </a:endParaRPr>
+            </a:p>
+            <a:p>
+              <a:pPr rtl="0">
+                <a:spcBef>
+                  <a:spcPts val="0"/>
+                </a:spcBef>
+                <a:spcAft>
+                  <a:spcPts val="1200"/>
+                </a:spcAft>
+              </a:pPr>
+              <a:r>
+                <a:rPr lang="en-US" sz="2400" b="0" i="0" u="none" strike="noStrike" dirty="0">
+                  <a:effectLst/>
+                  <a:latin typeface="Arial" panose="020B0604020202020204" pitchFamily="34" charset="0"/>
+                  <a:cs typeface="Arial" panose="020B0604020202020204" pitchFamily="34" charset="0"/>
+                </a:rPr>
+                <a:t>The year of a used car impacts the market price of the car. </a:t>
+              </a:r>
+            </a:p>
+            <a:p>
+              <a:pPr rtl="0">
+                <a:spcBef>
+                  <a:spcPts val="0"/>
+                </a:spcBef>
+                <a:spcAft>
+                  <a:spcPts val="1200"/>
+                </a:spcAft>
+              </a:pPr>
+              <a:endParaRPr lang="en-US" sz="800" b="0" dirty="0">
                 <a:effectLst/>
                 <a:latin typeface="Arial" panose="020B0604020202020204" pitchFamily="34" charset="0"/>
-              </a:rPr>
-              <a:t>Mileage - Only kept the mean mileage + 2 standard deviations</a:t>
-            </a:r>
-            <a:endParaRPr lang="en-US" b="0" dirty="0">
-              <a:effectLst/>
-            </a:endParaRPr>
-          </a:p>
-          <a:p>
-            <a:pPr rtl="0">
-              <a:spcBef>
-                <a:spcPts val="0"/>
-              </a:spcBef>
-              <a:spcAft>
-                <a:spcPts val="1200"/>
-              </a:spcAft>
-            </a:pPr>
-            <a:r>
-              <a:rPr lang="en-US" sz="1800" b="0" i="0" u="none" strike="noStrike" dirty="0">
-                <a:solidFill>
-                  <a:srgbClr val="595959"/>
-                </a:solidFill>
-                <a:effectLst/>
+                <a:cs typeface="Arial" panose="020B0604020202020204" pitchFamily="34" charset="0"/>
+              </a:endParaRPr>
+            </a:p>
+            <a:p>
+              <a:r>
+                <a:rPr lang="en-US" sz="2400" dirty="0">
+                  <a:latin typeface="Arial" panose="020B0604020202020204" pitchFamily="34" charset="0"/>
+                  <a:cs typeface="Arial" panose="020B0604020202020204" pitchFamily="34" charset="0"/>
+                </a:rPr>
+                <a:t>There is a difference in Market price between Ford and Toyota</a:t>
+              </a:r>
+              <a:br>
+                <a:rPr lang="en-US" dirty="0">
+                  <a:latin typeface="Arial" panose="020B0604020202020204" pitchFamily="34" charset="0"/>
+                  <a:cs typeface="Arial" panose="020B0604020202020204" pitchFamily="34" charset="0"/>
+                </a:rPr>
+              </a:br>
+              <a:endParaRPr lang="en-US" dirty="0">
                 <a:latin typeface="Arial" panose="020B0604020202020204" pitchFamily="34" charset="0"/>
-              </a:rPr>
-              <a:t>Years only included 2013-2020</a:t>
-            </a:r>
-            <a:endParaRPr lang="en-US" b="0" dirty="0">
-              <a:effectLst/>
-            </a:endParaRPr>
-          </a:p>
-          <a:p>
-            <a:pPr rtl="0">
-              <a:spcBef>
-                <a:spcPts val="0"/>
-              </a:spcBef>
-              <a:spcAft>
-                <a:spcPts val="1200"/>
-              </a:spcAft>
-            </a:pPr>
-            <a:r>
-              <a:rPr lang="en-US" sz="1800" b="0" i="0" u="none" strike="noStrike" dirty="0">
-                <a:solidFill>
-                  <a:srgbClr val="595959"/>
-                </a:solidFill>
-                <a:effectLst/>
-                <a:latin typeface="Arial" panose="020B0604020202020204" pitchFamily="34" charset="0"/>
-              </a:rPr>
-              <a:t>Models- only kept Aygo, Yaris, Fiesta, Focus</a:t>
-            </a:r>
-            <a:endParaRPr lang="en-US" b="0" dirty="0">
-              <a:effectLst/>
-            </a:endParaRPr>
-          </a:p>
-          <a:p>
-            <a:pPr rtl="0">
-              <a:spcBef>
-                <a:spcPts val="0"/>
-              </a:spcBef>
-              <a:spcAft>
-                <a:spcPts val="1200"/>
-              </a:spcAft>
-            </a:pPr>
-            <a:r>
-              <a:rPr lang="en-US" sz="1800" b="0" i="0" u="none" strike="noStrike" dirty="0">
-                <a:solidFill>
-                  <a:srgbClr val="595959"/>
-                </a:solidFill>
-                <a:effectLst/>
-                <a:latin typeface="Arial" panose="020B0604020202020204" pitchFamily="34" charset="0"/>
-              </a:rPr>
-              <a:t>Engine size not equal to 0</a:t>
-            </a:r>
-            <a:endParaRPr lang="en-US" b="0" dirty="0">
-              <a:effectLst/>
-            </a:endParaRPr>
-          </a:p>
-          <a:p>
-            <a:br>
-              <a:rPr lang="en-US" dirty="0"/>
-            </a:br>
-            <a:endParaRPr lang="en-US" dirty="0"/>
-          </a:p>
-        </p:txBody>
-      </p:sp>
+                <a:cs typeface="Arial" panose="020B0604020202020204" pitchFamily="34" charset="0"/>
+              </a:endParaRPr>
+            </a:p>
+          </p:txBody>
+        </p:sp>
+        <p:pic>
+          <p:nvPicPr>
+            <p:cNvPr id="15" name="Graphic 14" descr="Lightbulb with solid fill">
+              <a:extLst>
+                <a:ext uri="{FF2B5EF4-FFF2-40B4-BE49-F238E27FC236}">
+                  <a16:creationId xmlns:a16="http://schemas.microsoft.com/office/drawing/2014/main" id="{3E724023-55E4-491C-918B-D8AD9C817F69}"/>
+                </a:ext>
+              </a:extLst>
+            </p:cNvPr>
+            <p:cNvPicPr>
+              <a:picLocks noChangeAspect="1"/>
+            </p:cNvPicPr>
+            <p:nvPr/>
+          </p:nvPicPr>
+          <p:blipFill>
+            <a:blip r:embed="rId3">
+              <a:extLst>
+                <a:ext uri="{28A0092B-C50C-407E-A947-70E740481C1C}">
+                  <a14:useLocalDpi xmlns:a14="http://schemas.microsoft.com/office/drawing/2010/main" val="0"/>
+                </a:ext>
+                <a:ext uri="{96DAC541-7B7A-43D3-8B79-37D633B846F1}">
+                  <asvg:svgBlip xmlns:asvg="http://schemas.microsoft.com/office/drawing/2016/SVG/main" r:embed="rId4"/>
+                </a:ext>
+              </a:extLst>
+            </a:blip>
+            <a:stretch>
+              <a:fillRect/>
+            </a:stretch>
+          </p:blipFill>
+          <p:spPr>
+            <a:xfrm>
+              <a:off x="5980697" y="1704152"/>
+              <a:ext cx="670539" cy="670539"/>
+            </a:xfrm>
+            <a:prstGeom prst="rect">
+              <a:avLst/>
+            </a:prstGeom>
+          </p:spPr>
+        </p:pic>
+        <p:pic>
+          <p:nvPicPr>
+            <p:cNvPr id="16" name="Graphic 15" descr="Lightbulb with solid fill">
+              <a:extLst>
+                <a:ext uri="{FF2B5EF4-FFF2-40B4-BE49-F238E27FC236}">
+                  <a16:creationId xmlns:a16="http://schemas.microsoft.com/office/drawing/2014/main" id="{CB737545-C072-4CB2-B141-2E65E6C6575A}"/>
+                </a:ext>
+              </a:extLst>
+            </p:cNvPr>
+            <p:cNvPicPr>
+              <a:picLocks noChangeAspect="1"/>
+            </p:cNvPicPr>
+            <p:nvPr/>
+          </p:nvPicPr>
+          <p:blipFill>
+            <a:blip r:embed="rId5">
+              <a:extLst>
+                <a:ext uri="{28A0092B-C50C-407E-A947-70E740481C1C}">
+                  <a14:useLocalDpi xmlns:a14="http://schemas.microsoft.com/office/drawing/2010/main" val="0"/>
+                </a:ext>
+                <a:ext uri="{96DAC541-7B7A-43D3-8B79-37D633B846F1}">
+                  <asvg:svgBlip xmlns:asvg="http://schemas.microsoft.com/office/drawing/2016/SVG/main" r:embed="rId6"/>
+                </a:ext>
+              </a:extLst>
+            </a:blip>
+            <a:stretch>
+              <a:fillRect/>
+            </a:stretch>
+          </p:blipFill>
+          <p:spPr>
+            <a:xfrm>
+              <a:off x="5962735" y="2916652"/>
+              <a:ext cx="670539" cy="670539"/>
+            </a:xfrm>
+            <a:prstGeom prst="rect">
+              <a:avLst/>
+            </a:prstGeom>
+          </p:spPr>
+        </p:pic>
+        <p:pic>
+          <p:nvPicPr>
+            <p:cNvPr id="17" name="Graphic 16" descr="Lightbulb with solid fill">
+              <a:extLst>
+                <a:ext uri="{FF2B5EF4-FFF2-40B4-BE49-F238E27FC236}">
+                  <a16:creationId xmlns:a16="http://schemas.microsoft.com/office/drawing/2014/main" id="{95A8BB4A-2A73-4344-ACE6-50EB2513BA2B}"/>
+                </a:ext>
+              </a:extLst>
+            </p:cNvPr>
+            <p:cNvPicPr>
+              <a:picLocks noChangeAspect="1"/>
+            </p:cNvPicPr>
+            <p:nvPr/>
+          </p:nvPicPr>
+          <p:blipFill>
+            <a:blip r:embed="rId3">
+              <a:extLst>
+                <a:ext uri="{28A0092B-C50C-407E-A947-70E740481C1C}">
+                  <a14:useLocalDpi xmlns:a14="http://schemas.microsoft.com/office/drawing/2010/main" val="0"/>
+                </a:ext>
+                <a:ext uri="{96DAC541-7B7A-43D3-8B79-37D633B846F1}">
+                  <asvg:svgBlip xmlns:asvg="http://schemas.microsoft.com/office/drawing/2016/SVG/main" r:embed="rId7"/>
+                </a:ext>
+              </a:extLst>
+            </a:blip>
+            <a:stretch>
+              <a:fillRect/>
+            </a:stretch>
+          </p:blipFill>
+          <p:spPr>
+            <a:xfrm>
+              <a:off x="5980697" y="4129152"/>
+              <a:ext cx="670539" cy="670539"/>
+            </a:xfrm>
+            <a:prstGeom prst="rect">
+              <a:avLst/>
+            </a:prstGeom>
+          </p:spPr>
+        </p:pic>
+      </p:grpSp>
       <p:pic>
         <p:nvPicPr>
-          <p:cNvPr id="18" name="Graphic 17" descr="Car with solid fill">
-            <a:extLst>
-              <a:ext uri="{FF2B5EF4-FFF2-40B4-BE49-F238E27FC236}">
-                <a16:creationId xmlns:a16="http://schemas.microsoft.com/office/drawing/2014/main" id="{81747CFF-644E-4223-84E6-BA37F7D2EA57}"/>
-              </a:ext>
-            </a:extLst>
-          </p:cNvPr>
-          <p:cNvPicPr>
-            <a:picLocks noChangeAspect="1"/>
-          </p:cNvPicPr>
-          <p:nvPr/>
-        </p:nvPicPr>
-        <p:blipFill>
-          <a:blip r:embed="rId3">
-            <a:extLst>
-              <a:ext uri="{28A0092B-C50C-407E-A947-70E740481C1C}">
-                <a14:useLocalDpi xmlns:a14="http://schemas.microsoft.com/office/drawing/2010/main" val="0"/>
-              </a:ext>
-              <a:ext uri="{96DAC541-7B7A-43D3-8B79-37D633B846F1}">
-                <asvg:svgBlip xmlns:asvg="http://schemas.microsoft.com/office/drawing/2016/SVG/main" r:embed="rId4"/>
-              </a:ext>
-            </a:extLst>
-          </a:blip>
-          <a:stretch>
-            <a:fillRect/>
-          </a:stretch>
-        </p:blipFill>
-        <p:spPr>
-          <a:xfrm>
-            <a:off x="6270521" y="3102489"/>
-            <a:ext cx="668099" cy="668099"/>
-          </a:xfrm>
-          <a:prstGeom prst="rect">
-            <a:avLst/>
-          </a:prstGeom>
-        </p:spPr>
-      </p:pic>
-      <p:pic>
-        <p:nvPicPr>
-          <p:cNvPr id="4100" name="Picture 4" descr="See the source image">
-            <a:extLst>
-              <a:ext uri="{FF2B5EF4-FFF2-40B4-BE49-F238E27FC236}">
-                <a16:creationId xmlns:a16="http://schemas.microsoft.com/office/drawing/2014/main" id="{BAB0A02B-5703-4668-B6D4-A3C644C0CD1B}"/>
+          <p:cNvPr id="4102" name="Picture 6" descr="Toyota Launches New Model Harrier in Japan | Toyota | Global Newsroom |  Toyota Motor Corporation Official Global Website">
+            <a:extLst>
+              <a:ext uri="{FF2B5EF4-FFF2-40B4-BE49-F238E27FC236}">
+                <a16:creationId xmlns:a16="http://schemas.microsoft.com/office/drawing/2014/main" id="{A01490EB-8426-4BA7-A3DA-DA4CC3333225}"/>
               </a:ext>
             </a:extLst>
           </p:cNvPr>
@@ -6018,23 +8871,22 @@
           </p:cNvPicPr>
           <p:nvPr/>
         </p:nvPicPr>
-        <p:blipFill>
-          <a:blip r:embed="rId5">
+        <p:blipFill rotWithShape="1">
+          <a:blip r:embed="rId8">
+            <a:alphaModFix amt="85000"/>
             <a:extLst>
               <a:ext uri="{28A0092B-C50C-407E-A947-70E740481C1C}">
                 <a14:useLocalDpi xmlns:a14="http://schemas.microsoft.com/office/drawing/2010/main" val="0"/>
               </a:ext>
             </a:extLst>
           </a:blip>
-          <a:srcRect/>
-          <a:stretch>
-            <a:fillRect/>
-          </a:stretch>
+          <a:srcRect l="56579" r="193"/>
+          <a:stretch/>
         </p:blipFill>
         <p:spPr bwMode="auto">
           <a:xfrm>
-            <a:off x="859088" y="1938888"/>
-            <a:ext cx="3962642" cy="3251667"/>
+            <a:off x="0" y="1289"/>
+            <a:ext cx="4919472" cy="6856711"/>
           </a:xfrm>
           <a:prstGeom prst="rect">
             <a:avLst/>
@@ -6051,1312 +8903,192 @@
           </a:extLst>
         </p:spPr>
       </p:pic>
-      <p:pic>
-        <p:nvPicPr>
-          <p:cNvPr id="3" name="Graphic 2" descr="Money outline">
-            <a:extLst>
-              <a:ext uri="{FF2B5EF4-FFF2-40B4-BE49-F238E27FC236}">
-                <a16:creationId xmlns:a16="http://schemas.microsoft.com/office/drawing/2014/main" id="{1B8992DC-FCAE-423F-87A0-51D6B79E717E}"/>
-              </a:ext>
-            </a:extLst>
-          </p:cNvPr>
-          <p:cNvPicPr>
-            <a:picLocks noChangeAspect="1"/>
-          </p:cNvPicPr>
+      <p:grpSp>
+        <p:nvGrpSpPr>
+          <p:cNvPr id="19" name="Group 18">
+            <a:extLst>
+              <a:ext uri="{FF2B5EF4-FFF2-40B4-BE49-F238E27FC236}">
+                <a16:creationId xmlns:a16="http://schemas.microsoft.com/office/drawing/2014/main" id="{3B68F9B1-A91B-47BB-9E3D-D30B30E18B27}"/>
+              </a:ext>
+            </a:extLst>
+          </p:cNvPr>
+          <p:cNvGrpSpPr/>
           <p:nvPr/>
-        </p:nvPicPr>
-        <p:blipFill>
-          <a:blip r:embed="rId6">
-            <a:extLst>
-              <a:ext uri="{28A0092B-C50C-407E-A947-70E740481C1C}">
-                <a14:useLocalDpi xmlns:a14="http://schemas.microsoft.com/office/drawing/2010/main" val="0"/>
-              </a:ext>
-              <a:ext uri="{96DAC541-7B7A-43D3-8B79-37D633B846F1}">
-                <asvg:svgBlip xmlns:asvg="http://schemas.microsoft.com/office/drawing/2016/SVG/main" r:embed="rId7"/>
-              </a:ext>
-            </a:extLst>
-          </a:blip>
-          <a:stretch>
-            <a:fillRect/>
-          </a:stretch>
-        </p:blipFill>
-        <p:spPr>
+        </p:nvGrpSpPr>
+        <p:grpSpPr>
           <a:xfrm>
-            <a:off x="5917824" y="1228916"/>
-            <a:ext cx="914400" cy="914400"/>
-          </a:xfrm>
-          <a:prstGeom prst="rect">
-            <a:avLst/>
-          </a:prstGeom>
-        </p:spPr>
-      </p:pic>
-      <p:pic>
-        <p:nvPicPr>
-          <p:cNvPr id="5" name="Graphic 4" descr="Slippery Road with solid fill">
-            <a:extLst>
-              <a:ext uri="{FF2B5EF4-FFF2-40B4-BE49-F238E27FC236}">
-                <a16:creationId xmlns:a16="http://schemas.microsoft.com/office/drawing/2014/main" id="{46CB9250-B039-47A9-B64A-293A9B8693F8}"/>
-              </a:ext>
-            </a:extLst>
-          </p:cNvPr>
-          <p:cNvPicPr>
-            <a:picLocks noChangeAspect="1"/>
-          </p:cNvPicPr>
-          <p:nvPr/>
-        </p:nvPicPr>
-        <p:blipFill>
-          <a:blip r:embed="rId8">
-            <a:extLst>
-              <a:ext uri="{28A0092B-C50C-407E-A947-70E740481C1C}">
-                <a14:useLocalDpi xmlns:a14="http://schemas.microsoft.com/office/drawing/2010/main" val="0"/>
-              </a:ext>
-              <a:ext uri="{96DAC541-7B7A-43D3-8B79-37D633B846F1}">
-                <asvg:svgBlip xmlns:asvg="http://schemas.microsoft.com/office/drawing/2016/SVG/main" r:embed="rId9"/>
-              </a:ext>
-            </a:extLst>
-          </a:blip>
-          <a:stretch>
-            <a:fillRect/>
-          </a:stretch>
-        </p:blipFill>
-        <p:spPr>
-          <a:xfrm>
-            <a:off x="6087957" y="2180551"/>
-            <a:ext cx="914400" cy="914400"/>
-          </a:xfrm>
-          <a:prstGeom prst="rect">
-            <a:avLst/>
-          </a:prstGeom>
-        </p:spPr>
-      </p:pic>
+            <a:off x="4927607" y="-17508"/>
+            <a:ext cx="353385" cy="6891733"/>
+            <a:chOff x="6024284" y="-33733"/>
+            <a:chExt cx="353385" cy="6891733"/>
+          </a:xfrm>
+        </p:grpSpPr>
+        <p:sp>
+          <p:nvSpPr>
+            <p:cNvPr id="20" name="Rectangle 19">
+              <a:extLst>
+                <a:ext uri="{FF2B5EF4-FFF2-40B4-BE49-F238E27FC236}">
+                  <a16:creationId xmlns:a16="http://schemas.microsoft.com/office/drawing/2014/main" id="{3400A21C-6FB3-4F22-9A7B-73A4C6CA93FA}"/>
+                </a:ext>
+              </a:extLst>
+            </p:cNvPr>
+            <p:cNvSpPr/>
+            <p:nvPr/>
+          </p:nvSpPr>
+          <p:spPr>
+            <a:xfrm>
+              <a:off x="6033902" y="-24821"/>
+              <a:ext cx="335456" cy="6881539"/>
+            </a:xfrm>
+            <a:prstGeom prst="rect">
+              <a:avLst/>
+            </a:prstGeom>
+            <a:solidFill>
+              <a:schemeClr val="dk1">
+                <a:alpha val="66000"/>
+              </a:schemeClr>
+            </a:solidFill>
+            <a:ln>
+              <a:solidFill>
+                <a:srgbClr val="000000">
+                  <a:alpha val="78039"/>
+                </a:srgbClr>
+              </a:solidFill>
+            </a:ln>
+          </p:spPr>
+          <p:style>
+            <a:lnRef idx="2">
+              <a:schemeClr val="dk1">
+                <a:shade val="50000"/>
+              </a:schemeClr>
+            </a:lnRef>
+            <a:fillRef idx="1">
+              <a:schemeClr val="dk1"/>
+            </a:fillRef>
+            <a:effectRef idx="0">
+              <a:schemeClr val="dk1"/>
+            </a:effectRef>
+            <a:fontRef idx="minor">
+              <a:schemeClr val="lt1"/>
+            </a:fontRef>
+          </p:style>
+          <p:txBody>
+            <a:bodyPr rtlCol="0" anchor="ctr"/>
+            <a:lstStyle/>
+            <a:p>
+              <a:pPr algn="ctr"/>
+              <a:endParaRPr lang="en-US"/>
+            </a:p>
+          </p:txBody>
+        </p:sp>
+        <p:grpSp>
+          <p:nvGrpSpPr>
+            <p:cNvPr id="21" name="Group 20">
+              <a:extLst>
+                <a:ext uri="{FF2B5EF4-FFF2-40B4-BE49-F238E27FC236}">
+                  <a16:creationId xmlns:a16="http://schemas.microsoft.com/office/drawing/2014/main" id="{91927A88-6D51-4633-A475-405D95F17BD8}"/>
+                </a:ext>
+              </a:extLst>
+            </p:cNvPr>
+            <p:cNvGrpSpPr/>
+            <p:nvPr/>
+          </p:nvGrpSpPr>
+          <p:grpSpPr>
+            <a:xfrm>
+              <a:off x="6024284" y="-33733"/>
+              <a:ext cx="353385" cy="6891733"/>
+              <a:chOff x="6024284" y="-33733"/>
+              <a:chExt cx="353385" cy="6891733"/>
+            </a:xfrm>
+          </p:grpSpPr>
+          <p:cxnSp>
+            <p:nvCxnSpPr>
+              <p:cNvPr id="22" name="Straight Connector 21">
+                <a:extLst>
+                  <a:ext uri="{FF2B5EF4-FFF2-40B4-BE49-F238E27FC236}">
+                    <a16:creationId xmlns:a16="http://schemas.microsoft.com/office/drawing/2014/main" id="{C98A9D26-26C2-45AD-B69B-F93EAC1E3333}"/>
+                  </a:ext>
+                </a:extLst>
+              </p:cNvPr>
+              <p:cNvCxnSpPr/>
+              <p:nvPr/>
+            </p:nvCxnSpPr>
+            <p:spPr>
+              <a:xfrm>
+                <a:off x="6024284" y="-33733"/>
+                <a:ext cx="0" cy="6890451"/>
+              </a:xfrm>
+              <a:prstGeom prst="line">
+                <a:avLst/>
+              </a:prstGeom>
+              <a:ln>
+                <a:solidFill>
+                  <a:srgbClr val="2A6BAC"/>
+                </a:solidFill>
+              </a:ln>
+            </p:spPr>
+            <p:style>
+              <a:lnRef idx="1">
+                <a:schemeClr val="accent1"/>
+              </a:lnRef>
+              <a:fillRef idx="0">
+                <a:schemeClr val="accent1"/>
+              </a:fillRef>
+              <a:effectRef idx="0">
+                <a:schemeClr val="accent1"/>
+              </a:effectRef>
+              <a:fontRef idx="minor">
+                <a:schemeClr val="tx1"/>
+              </a:fontRef>
+            </p:style>
+          </p:cxnSp>
+          <p:cxnSp>
+            <p:nvCxnSpPr>
+              <p:cNvPr id="23" name="Straight Connector 22">
+                <a:extLst>
+                  <a:ext uri="{FF2B5EF4-FFF2-40B4-BE49-F238E27FC236}">
+                    <a16:creationId xmlns:a16="http://schemas.microsoft.com/office/drawing/2014/main" id="{64A5E0C1-ECB1-4066-8DE0-3012C2D01E58}"/>
+                  </a:ext>
+                </a:extLst>
+              </p:cNvPr>
+              <p:cNvCxnSpPr/>
+              <p:nvPr/>
+            </p:nvCxnSpPr>
+            <p:spPr>
+              <a:xfrm>
+                <a:off x="6377669" y="-32451"/>
+                <a:ext cx="0" cy="6890451"/>
+              </a:xfrm>
+              <a:prstGeom prst="line">
+                <a:avLst/>
+              </a:prstGeom>
+              <a:ln>
+                <a:solidFill>
+                  <a:srgbClr val="EB0A1E"/>
+                </a:solidFill>
+              </a:ln>
+            </p:spPr>
+            <p:style>
+              <a:lnRef idx="1">
+                <a:schemeClr val="accent1"/>
+              </a:lnRef>
+              <a:fillRef idx="0">
+                <a:schemeClr val="accent1"/>
+              </a:fillRef>
+              <a:effectRef idx="0">
+                <a:schemeClr val="accent1"/>
+              </a:effectRef>
+              <a:fontRef idx="minor">
+                <a:schemeClr val="tx1"/>
+              </a:fontRef>
+            </p:style>
+          </p:cxnSp>
+        </p:grpSp>
+      </p:grpSp>
     </p:spTree>
     <p:extLst>
       <p:ext uri="{BB962C8B-B14F-4D97-AF65-F5344CB8AC3E}">
-        <p14:creationId xmlns:p14="http://schemas.microsoft.com/office/powerpoint/2010/main" val="645250624"/>
-      </p:ext>
-    </p:extLst>
-  </p:cSld>
-  <p:clrMapOvr>
-    <a:masterClrMapping/>
-  </p:clrMapOvr>
-</p:sld>
-</file>
-
-<file path=ppt/slides/slide5.xml><?xml version="1.0" encoding="utf-8"?>
-<p:sld xmlns:a="http://schemas.openxmlformats.org/drawingml/2006/main" xmlns:r="http://schemas.openxmlformats.org/officeDocument/2006/relationships" xmlns:p="http://schemas.openxmlformats.org/presentationml/2006/main">
-  <p:cSld>
-    <p:bg>
-      <p:bgPr>
-        <a:solidFill>
-          <a:schemeClr val="bg1"/>
-        </a:solidFill>
-        <a:effectLst/>
-      </p:bgPr>
-    </p:bg>
-    <p:spTree>
-      <p:nvGrpSpPr>
-        <p:cNvPr id="1" name=""/>
-        <p:cNvGrpSpPr/>
-        <p:nvPr/>
-      </p:nvGrpSpPr>
-      <p:grpSpPr>
-        <a:xfrm>
-          <a:off x="0" y="0"/>
-          <a:ext cx="0" cy="0"/>
-          <a:chOff x="0" y="0"/>
-          <a:chExt cx="0" cy="0"/>
-        </a:xfrm>
-      </p:grpSpPr>
-      <p:pic>
-        <p:nvPicPr>
-          <p:cNvPr id="4" name="Content Placeholder 3">
-            <a:extLst>
-              <a:ext uri="{FF2B5EF4-FFF2-40B4-BE49-F238E27FC236}">
-                <a16:creationId xmlns:a16="http://schemas.microsoft.com/office/drawing/2014/main" id="{2BCA72F6-9D1B-4D14-A14A-8CCA1A821A8E}"/>
-              </a:ext>
-            </a:extLst>
-          </p:cNvPr>
-          <p:cNvPicPr>
-            <a:picLocks noGrp="1" noChangeAspect="1"/>
-          </p:cNvPicPr>
-          <p:nvPr>
-            <p:ph idx="1"/>
-          </p:nvPr>
-        </p:nvPicPr>
-        <p:blipFill rotWithShape="1">
-          <a:blip r:embed="rId2"/>
-          <a:srcRect t="15746"/>
-          <a:stretch/>
-        </p:blipFill>
-        <p:spPr>
-          <a:xfrm>
-            <a:off x="20" y="1282"/>
-            <a:ext cx="12191980" cy="6856718"/>
-          </a:xfrm>
-          <a:prstGeom prst="rect">
-            <a:avLst/>
-          </a:prstGeom>
-        </p:spPr>
-      </p:pic>
-      <p:sp>
-        <p:nvSpPr>
-          <p:cNvPr id="15" name="Rectangle 8">
-            <a:extLst>
-              <a:ext uri="{FF2B5EF4-FFF2-40B4-BE49-F238E27FC236}">
-                <a16:creationId xmlns:a16="http://schemas.microsoft.com/office/drawing/2014/main" id="{42A4FC2C-047E-45A5-965D-8E1E3BF09BC6}"/>
-              </a:ext>
-              <a:ext uri="{C183D7F6-B498-43B3-948B-1728B52AA6E4}">
-                <adec:decorative xmlns:adec="http://schemas.microsoft.com/office/drawing/2017/decorative" val="1"/>
-              </a:ext>
-            </a:extLst>
-          </p:cNvPr>
-          <p:cNvSpPr>
-            <a:spLocks noGrp="1" noRot="1" noChangeAspect="1" noMove="1" noResize="1" noEditPoints="1" noAdjustHandles="1" noChangeArrowheads="1" noChangeShapeType="1" noTextEdit="1"/>
-          </p:cNvSpPr>
-          <p:nvPr>
-            <p:extLst>
-              <p:ext uri="{386F3935-93C4-4BCD-93E2-E3B085C9AB24}">
-                <p16:designElem xmlns:p16="http://schemas.microsoft.com/office/powerpoint/2015/main" val="1"/>
-              </p:ext>
-            </p:extLst>
-          </p:nvPr>
-        </p:nvSpPr>
-        <p:spPr bwMode="white">
-          <a:xfrm>
-            <a:off x="1524" y="0"/>
-            <a:ext cx="12188952" cy="6858000"/>
-          </a:xfrm>
-          <a:prstGeom prst="rect">
-            <a:avLst/>
-          </a:prstGeom>
-          <a:noFill/>
-          <a:ln>
-            <a:noFill/>
-          </a:ln>
-        </p:spPr>
-        <p:style>
-          <a:lnRef idx="2">
-            <a:schemeClr val="accent1">
-              <a:shade val="50000"/>
-            </a:schemeClr>
-          </a:lnRef>
-          <a:fillRef idx="1">
-            <a:schemeClr val="accent1"/>
-          </a:fillRef>
-          <a:effectRef idx="0">
-            <a:schemeClr val="accent1"/>
-          </a:effectRef>
-          <a:fontRef idx="minor">
-            <a:schemeClr val="lt1"/>
-          </a:fontRef>
-        </p:style>
-        <p:txBody>
-          <a:bodyPr rtlCol="0" anchor="ctr"/>
-          <a:lstStyle>
-            <a:defPPr>
-              <a:defRPr lang="en-US"/>
-            </a:defPPr>
-            <a:lvl1pPr marL="0" algn="l" defTabSz="914400" rtl="0" eaLnBrk="1" latinLnBrk="0" hangingPunct="1">
-              <a:defRPr sz="1800" kern="1200">
-                <a:solidFill>
-                  <a:schemeClr val="lt1"/>
-                </a:solidFill>
-                <a:latin typeface="+mn-lt"/>
-                <a:ea typeface="+mn-ea"/>
-                <a:cs typeface="+mn-cs"/>
-              </a:defRPr>
-            </a:lvl1pPr>
-            <a:lvl2pPr marL="457200" algn="l" defTabSz="914400" rtl="0" eaLnBrk="1" latinLnBrk="0" hangingPunct="1">
-              <a:defRPr sz="1800" kern="1200">
-                <a:solidFill>
-                  <a:schemeClr val="lt1"/>
-                </a:solidFill>
-                <a:latin typeface="+mn-lt"/>
-                <a:ea typeface="+mn-ea"/>
-                <a:cs typeface="+mn-cs"/>
-              </a:defRPr>
-            </a:lvl2pPr>
-            <a:lvl3pPr marL="914400" algn="l" defTabSz="914400" rtl="0" eaLnBrk="1" latinLnBrk="0" hangingPunct="1">
-              <a:defRPr sz="1800" kern="1200">
-                <a:solidFill>
-                  <a:schemeClr val="lt1"/>
-                </a:solidFill>
-                <a:latin typeface="+mn-lt"/>
-                <a:ea typeface="+mn-ea"/>
-                <a:cs typeface="+mn-cs"/>
-              </a:defRPr>
-            </a:lvl3pPr>
-            <a:lvl4pPr marL="1371600" algn="l" defTabSz="914400" rtl="0" eaLnBrk="1" latinLnBrk="0" hangingPunct="1">
-              <a:defRPr sz="1800" kern="1200">
-                <a:solidFill>
-                  <a:schemeClr val="lt1"/>
-                </a:solidFill>
-                <a:latin typeface="+mn-lt"/>
-                <a:ea typeface="+mn-ea"/>
-                <a:cs typeface="+mn-cs"/>
-              </a:defRPr>
-            </a:lvl4pPr>
-            <a:lvl5pPr marL="1828800" algn="l" defTabSz="914400" rtl="0" eaLnBrk="1" latinLnBrk="0" hangingPunct="1">
-              <a:defRPr sz="1800" kern="1200">
-                <a:solidFill>
-                  <a:schemeClr val="lt1"/>
-                </a:solidFill>
-                <a:latin typeface="+mn-lt"/>
-                <a:ea typeface="+mn-ea"/>
-                <a:cs typeface="+mn-cs"/>
-              </a:defRPr>
-            </a:lvl5pPr>
-            <a:lvl6pPr marL="2286000" algn="l" defTabSz="914400" rtl="0" eaLnBrk="1" latinLnBrk="0" hangingPunct="1">
-              <a:defRPr sz="1800" kern="1200">
-                <a:solidFill>
-                  <a:schemeClr val="lt1"/>
-                </a:solidFill>
-                <a:latin typeface="+mn-lt"/>
-                <a:ea typeface="+mn-ea"/>
-                <a:cs typeface="+mn-cs"/>
-              </a:defRPr>
-            </a:lvl6pPr>
-            <a:lvl7pPr marL="2743200" algn="l" defTabSz="914400" rtl="0" eaLnBrk="1" latinLnBrk="0" hangingPunct="1">
-              <a:defRPr sz="1800" kern="1200">
-                <a:solidFill>
-                  <a:schemeClr val="lt1"/>
-                </a:solidFill>
-                <a:latin typeface="+mn-lt"/>
-                <a:ea typeface="+mn-ea"/>
-                <a:cs typeface="+mn-cs"/>
-              </a:defRPr>
-            </a:lvl7pPr>
-            <a:lvl8pPr marL="3200400" algn="l" defTabSz="914400" rtl="0" eaLnBrk="1" latinLnBrk="0" hangingPunct="1">
-              <a:defRPr sz="1800" kern="1200">
-                <a:solidFill>
-                  <a:schemeClr val="lt1"/>
-                </a:solidFill>
-                <a:latin typeface="+mn-lt"/>
-                <a:ea typeface="+mn-ea"/>
-                <a:cs typeface="+mn-cs"/>
-              </a:defRPr>
-            </a:lvl8pPr>
-            <a:lvl9pPr marL="3657600" algn="l" defTabSz="914400" rtl="0" eaLnBrk="1" latinLnBrk="0" hangingPunct="1">
-              <a:defRPr sz="1800" kern="1200">
-                <a:solidFill>
-                  <a:schemeClr val="lt1"/>
-                </a:solidFill>
-                <a:latin typeface="+mn-lt"/>
-                <a:ea typeface="+mn-ea"/>
-                <a:cs typeface="+mn-cs"/>
-              </a:defRPr>
-            </a:lvl9pPr>
-          </a:lstStyle>
-          <a:p>
-            <a:pPr algn="ctr"/>
-            <a:endParaRPr lang="en-US"/>
-          </a:p>
-        </p:txBody>
-      </p:sp>
-      <p:cxnSp>
-        <p:nvCxnSpPr>
-          <p:cNvPr id="8" name="Straight Connector 7">
-            <a:extLst>
-              <a:ext uri="{FF2B5EF4-FFF2-40B4-BE49-F238E27FC236}">
-                <a16:creationId xmlns:a16="http://schemas.microsoft.com/office/drawing/2014/main" id="{5A9B000F-A657-449D-A557-8027C3D59329}"/>
-              </a:ext>
-            </a:extLst>
-          </p:cNvPr>
-          <p:cNvCxnSpPr/>
-          <p:nvPr/>
-        </p:nvCxnSpPr>
-        <p:spPr>
-          <a:xfrm>
-            <a:off x="365760" y="1136469"/>
-            <a:ext cx="5264331" cy="0"/>
-          </a:xfrm>
-          <a:prstGeom prst="line">
-            <a:avLst/>
-          </a:prstGeom>
-          <a:ln w="25400" cmpd="sng">
-            <a:solidFill>
-              <a:srgbClr val="EB0A1E"/>
-            </a:solidFill>
-          </a:ln>
-        </p:spPr>
-        <p:style>
-          <a:lnRef idx="3">
-            <a:schemeClr val="accent2"/>
-          </a:lnRef>
-          <a:fillRef idx="0">
-            <a:schemeClr val="accent2"/>
-          </a:fillRef>
-          <a:effectRef idx="2">
-            <a:schemeClr val="accent2"/>
-          </a:effectRef>
-          <a:fontRef idx="minor">
-            <a:schemeClr val="tx1"/>
-          </a:fontRef>
-        </p:style>
-      </p:cxnSp>
-      <p:sp>
-        <p:nvSpPr>
-          <p:cNvPr id="14" name="TextBox 13">
-            <a:extLst>
-              <a:ext uri="{FF2B5EF4-FFF2-40B4-BE49-F238E27FC236}">
-                <a16:creationId xmlns:a16="http://schemas.microsoft.com/office/drawing/2014/main" id="{8F228711-3E1D-4A5F-B1EC-F791CBB4F396}"/>
-              </a:ext>
-            </a:extLst>
-          </p:cNvPr>
-          <p:cNvSpPr txBox="1"/>
-          <p:nvPr/>
-        </p:nvSpPr>
-        <p:spPr>
-          <a:xfrm>
-            <a:off x="364236" y="367028"/>
-            <a:ext cx="4194701" cy="769441"/>
-          </a:xfrm>
-          <a:prstGeom prst="rect">
-            <a:avLst/>
-          </a:prstGeom>
-          <a:noFill/>
-        </p:spPr>
-        <p:txBody>
-          <a:bodyPr wrap="square" rtlCol="0">
-            <a:spAutoFit/>
-          </a:bodyPr>
-          <a:lstStyle/>
-          <a:p>
-            <a:r>
-              <a:rPr lang="en-US" sz="4400" b="1" dirty="0">
-                <a:solidFill>
-                  <a:srgbClr val="58595B"/>
-                </a:solidFill>
-                <a:latin typeface="Arial" panose="020B0604020202020204" pitchFamily="34" charset="0"/>
-                <a:cs typeface="Arial" panose="020B0604020202020204" pitchFamily="34" charset="0"/>
-              </a:rPr>
-              <a:t>Data Cleaning</a:t>
-            </a:r>
-          </a:p>
-        </p:txBody>
-      </p:sp>
-    </p:spTree>
-    <p:extLst>
-      <p:ext uri="{BB962C8B-B14F-4D97-AF65-F5344CB8AC3E}">
-        <p14:creationId xmlns:p14="http://schemas.microsoft.com/office/powerpoint/2010/main" val="179518130"/>
-      </p:ext>
-    </p:extLst>
-  </p:cSld>
-  <p:clrMapOvr>
-    <a:masterClrMapping/>
-  </p:clrMapOvr>
-</p:sld>
-</file>
-
-<file path=ppt/slides/slide6.xml><?xml version="1.0" encoding="utf-8"?>
-<p:sld xmlns:a="http://schemas.openxmlformats.org/drawingml/2006/main" xmlns:r="http://schemas.openxmlformats.org/officeDocument/2006/relationships" xmlns:p="http://schemas.openxmlformats.org/presentationml/2006/main">
-  <p:cSld>
-    <p:bg>
-      <p:bgPr>
-        <a:solidFill>
-          <a:schemeClr val="bg1"/>
-        </a:solidFill>
-        <a:effectLst/>
-      </p:bgPr>
-    </p:bg>
-    <p:spTree>
-      <p:nvGrpSpPr>
-        <p:cNvPr id="1" name=""/>
-        <p:cNvGrpSpPr/>
-        <p:nvPr/>
-      </p:nvGrpSpPr>
-      <p:grpSpPr>
-        <a:xfrm>
-          <a:off x="0" y="0"/>
-          <a:ext cx="0" cy="0"/>
-          <a:chOff x="0" y="0"/>
-          <a:chExt cx="0" cy="0"/>
-        </a:xfrm>
-      </p:grpSpPr>
-      <p:pic>
-        <p:nvPicPr>
-          <p:cNvPr id="4" name="Content Placeholder 3">
-            <a:extLst>
-              <a:ext uri="{FF2B5EF4-FFF2-40B4-BE49-F238E27FC236}">
-                <a16:creationId xmlns:a16="http://schemas.microsoft.com/office/drawing/2014/main" id="{2BCA72F6-9D1B-4D14-A14A-8CCA1A821A8E}"/>
-              </a:ext>
-            </a:extLst>
-          </p:cNvPr>
-          <p:cNvPicPr>
-            <a:picLocks noGrp="1" noChangeAspect="1"/>
-          </p:cNvPicPr>
-          <p:nvPr>
-            <p:ph idx="1"/>
-          </p:nvPr>
-        </p:nvPicPr>
-        <p:blipFill rotWithShape="1">
-          <a:blip r:embed="rId2"/>
-          <a:srcRect t="15746"/>
-          <a:stretch/>
-        </p:blipFill>
-        <p:spPr>
-          <a:xfrm>
-            <a:off x="20" y="1282"/>
-            <a:ext cx="12191980" cy="6856718"/>
-          </a:xfrm>
-          <a:prstGeom prst="rect">
-            <a:avLst/>
-          </a:prstGeom>
-        </p:spPr>
-      </p:pic>
-      <p:sp>
-        <p:nvSpPr>
-          <p:cNvPr id="15" name="Rectangle 8">
-            <a:extLst>
-              <a:ext uri="{FF2B5EF4-FFF2-40B4-BE49-F238E27FC236}">
-                <a16:creationId xmlns:a16="http://schemas.microsoft.com/office/drawing/2014/main" id="{42A4FC2C-047E-45A5-965D-8E1E3BF09BC6}"/>
-              </a:ext>
-              <a:ext uri="{C183D7F6-B498-43B3-948B-1728B52AA6E4}">
-                <adec:decorative xmlns:adec="http://schemas.microsoft.com/office/drawing/2017/decorative" val="1"/>
-              </a:ext>
-            </a:extLst>
-          </p:cNvPr>
-          <p:cNvSpPr>
-            <a:spLocks noGrp="1" noRot="1" noChangeAspect="1" noMove="1" noResize="1" noEditPoints="1" noAdjustHandles="1" noChangeArrowheads="1" noChangeShapeType="1" noTextEdit="1"/>
-          </p:cNvSpPr>
-          <p:nvPr>
-            <p:extLst>
-              <p:ext uri="{386F3935-93C4-4BCD-93E2-E3B085C9AB24}">
-                <p16:designElem xmlns:p16="http://schemas.microsoft.com/office/powerpoint/2015/main" val="1"/>
-              </p:ext>
-            </p:extLst>
-          </p:nvPr>
-        </p:nvSpPr>
-        <p:spPr bwMode="white">
-          <a:xfrm>
-            <a:off x="1524" y="0"/>
-            <a:ext cx="12188952" cy="6858000"/>
-          </a:xfrm>
-          <a:prstGeom prst="rect">
-            <a:avLst/>
-          </a:prstGeom>
-          <a:noFill/>
-          <a:ln>
-            <a:noFill/>
-          </a:ln>
-        </p:spPr>
-        <p:style>
-          <a:lnRef idx="2">
-            <a:schemeClr val="accent1">
-              <a:shade val="50000"/>
-            </a:schemeClr>
-          </a:lnRef>
-          <a:fillRef idx="1">
-            <a:schemeClr val="accent1"/>
-          </a:fillRef>
-          <a:effectRef idx="0">
-            <a:schemeClr val="accent1"/>
-          </a:effectRef>
-          <a:fontRef idx="minor">
-            <a:schemeClr val="lt1"/>
-          </a:fontRef>
-        </p:style>
-        <p:txBody>
-          <a:bodyPr rtlCol="0" anchor="ctr"/>
-          <a:lstStyle>
-            <a:defPPr>
-              <a:defRPr lang="en-US"/>
-            </a:defPPr>
-            <a:lvl1pPr marL="0" algn="l" defTabSz="914400" rtl="0" eaLnBrk="1" latinLnBrk="0" hangingPunct="1">
-              <a:defRPr sz="1800" kern="1200">
-                <a:solidFill>
-                  <a:schemeClr val="lt1"/>
-                </a:solidFill>
-                <a:latin typeface="+mn-lt"/>
-                <a:ea typeface="+mn-ea"/>
-                <a:cs typeface="+mn-cs"/>
-              </a:defRPr>
-            </a:lvl1pPr>
-            <a:lvl2pPr marL="457200" algn="l" defTabSz="914400" rtl="0" eaLnBrk="1" latinLnBrk="0" hangingPunct="1">
-              <a:defRPr sz="1800" kern="1200">
-                <a:solidFill>
-                  <a:schemeClr val="lt1"/>
-                </a:solidFill>
-                <a:latin typeface="+mn-lt"/>
-                <a:ea typeface="+mn-ea"/>
-                <a:cs typeface="+mn-cs"/>
-              </a:defRPr>
-            </a:lvl2pPr>
-            <a:lvl3pPr marL="914400" algn="l" defTabSz="914400" rtl="0" eaLnBrk="1" latinLnBrk="0" hangingPunct="1">
-              <a:defRPr sz="1800" kern="1200">
-                <a:solidFill>
-                  <a:schemeClr val="lt1"/>
-                </a:solidFill>
-                <a:latin typeface="+mn-lt"/>
-                <a:ea typeface="+mn-ea"/>
-                <a:cs typeface="+mn-cs"/>
-              </a:defRPr>
-            </a:lvl3pPr>
-            <a:lvl4pPr marL="1371600" algn="l" defTabSz="914400" rtl="0" eaLnBrk="1" latinLnBrk="0" hangingPunct="1">
-              <a:defRPr sz="1800" kern="1200">
-                <a:solidFill>
-                  <a:schemeClr val="lt1"/>
-                </a:solidFill>
-                <a:latin typeface="+mn-lt"/>
-                <a:ea typeface="+mn-ea"/>
-                <a:cs typeface="+mn-cs"/>
-              </a:defRPr>
-            </a:lvl4pPr>
-            <a:lvl5pPr marL="1828800" algn="l" defTabSz="914400" rtl="0" eaLnBrk="1" latinLnBrk="0" hangingPunct="1">
-              <a:defRPr sz="1800" kern="1200">
-                <a:solidFill>
-                  <a:schemeClr val="lt1"/>
-                </a:solidFill>
-                <a:latin typeface="+mn-lt"/>
-                <a:ea typeface="+mn-ea"/>
-                <a:cs typeface="+mn-cs"/>
-              </a:defRPr>
-            </a:lvl5pPr>
-            <a:lvl6pPr marL="2286000" algn="l" defTabSz="914400" rtl="0" eaLnBrk="1" latinLnBrk="0" hangingPunct="1">
-              <a:defRPr sz="1800" kern="1200">
-                <a:solidFill>
-                  <a:schemeClr val="lt1"/>
-                </a:solidFill>
-                <a:latin typeface="+mn-lt"/>
-                <a:ea typeface="+mn-ea"/>
-                <a:cs typeface="+mn-cs"/>
-              </a:defRPr>
-            </a:lvl6pPr>
-            <a:lvl7pPr marL="2743200" algn="l" defTabSz="914400" rtl="0" eaLnBrk="1" latinLnBrk="0" hangingPunct="1">
-              <a:defRPr sz="1800" kern="1200">
-                <a:solidFill>
-                  <a:schemeClr val="lt1"/>
-                </a:solidFill>
-                <a:latin typeface="+mn-lt"/>
-                <a:ea typeface="+mn-ea"/>
-                <a:cs typeface="+mn-cs"/>
-              </a:defRPr>
-            </a:lvl7pPr>
-            <a:lvl8pPr marL="3200400" algn="l" defTabSz="914400" rtl="0" eaLnBrk="1" latinLnBrk="0" hangingPunct="1">
-              <a:defRPr sz="1800" kern="1200">
-                <a:solidFill>
-                  <a:schemeClr val="lt1"/>
-                </a:solidFill>
-                <a:latin typeface="+mn-lt"/>
-                <a:ea typeface="+mn-ea"/>
-                <a:cs typeface="+mn-cs"/>
-              </a:defRPr>
-            </a:lvl8pPr>
-            <a:lvl9pPr marL="3657600" algn="l" defTabSz="914400" rtl="0" eaLnBrk="1" latinLnBrk="0" hangingPunct="1">
-              <a:defRPr sz="1800" kern="1200">
-                <a:solidFill>
-                  <a:schemeClr val="lt1"/>
-                </a:solidFill>
-                <a:latin typeface="+mn-lt"/>
-                <a:ea typeface="+mn-ea"/>
-                <a:cs typeface="+mn-cs"/>
-              </a:defRPr>
-            </a:lvl9pPr>
-          </a:lstStyle>
-          <a:p>
-            <a:pPr algn="ctr"/>
-            <a:endParaRPr lang="en-US"/>
-          </a:p>
-        </p:txBody>
-      </p:sp>
-      <p:cxnSp>
-        <p:nvCxnSpPr>
-          <p:cNvPr id="8" name="Straight Connector 7">
-            <a:extLst>
-              <a:ext uri="{FF2B5EF4-FFF2-40B4-BE49-F238E27FC236}">
-                <a16:creationId xmlns:a16="http://schemas.microsoft.com/office/drawing/2014/main" id="{5A9B000F-A657-449D-A557-8027C3D59329}"/>
-              </a:ext>
-            </a:extLst>
-          </p:cNvPr>
-          <p:cNvCxnSpPr/>
-          <p:nvPr/>
-        </p:nvCxnSpPr>
-        <p:spPr>
-          <a:xfrm>
-            <a:off x="365760" y="1136469"/>
-            <a:ext cx="5264331" cy="0"/>
-          </a:xfrm>
-          <a:prstGeom prst="line">
-            <a:avLst/>
-          </a:prstGeom>
-          <a:ln w="25400" cmpd="sng">
-            <a:solidFill>
-              <a:srgbClr val="EB0A1E"/>
-            </a:solidFill>
-          </a:ln>
-        </p:spPr>
-        <p:style>
-          <a:lnRef idx="3">
-            <a:schemeClr val="accent2"/>
-          </a:lnRef>
-          <a:fillRef idx="0">
-            <a:schemeClr val="accent2"/>
-          </a:fillRef>
-          <a:effectRef idx="2">
-            <a:schemeClr val="accent2"/>
-          </a:effectRef>
-          <a:fontRef idx="minor">
-            <a:schemeClr val="tx1"/>
-          </a:fontRef>
-        </p:style>
-      </p:cxnSp>
-      <p:sp>
-        <p:nvSpPr>
-          <p:cNvPr id="14" name="TextBox 13">
-            <a:extLst>
-              <a:ext uri="{FF2B5EF4-FFF2-40B4-BE49-F238E27FC236}">
-                <a16:creationId xmlns:a16="http://schemas.microsoft.com/office/drawing/2014/main" id="{8F228711-3E1D-4A5F-B1EC-F791CBB4F396}"/>
-              </a:ext>
-            </a:extLst>
-          </p:cNvPr>
-          <p:cNvSpPr txBox="1"/>
-          <p:nvPr/>
-        </p:nvSpPr>
-        <p:spPr>
-          <a:xfrm>
-            <a:off x="364236" y="367028"/>
-            <a:ext cx="5422610" cy="769441"/>
-          </a:xfrm>
-          <a:prstGeom prst="rect">
-            <a:avLst/>
-          </a:prstGeom>
-          <a:noFill/>
-        </p:spPr>
-        <p:txBody>
-          <a:bodyPr wrap="square" rtlCol="0">
-            <a:spAutoFit/>
-          </a:bodyPr>
-          <a:lstStyle/>
-          <a:p>
-            <a:r>
-              <a:rPr lang="en-US" sz="4400" b="1" dirty="0">
-                <a:solidFill>
-                  <a:srgbClr val="58595B"/>
-                </a:solidFill>
-                <a:latin typeface="Arial" panose="020B0604020202020204" pitchFamily="34" charset="0"/>
-                <a:cs typeface="Arial" panose="020B0604020202020204" pitchFamily="34" charset="0"/>
-              </a:rPr>
-              <a:t>Corrs of our Data</a:t>
-            </a:r>
-          </a:p>
-        </p:txBody>
-      </p:sp>
-    </p:spTree>
-    <p:extLst>
-      <p:ext uri="{BB962C8B-B14F-4D97-AF65-F5344CB8AC3E}">
-        <p14:creationId xmlns:p14="http://schemas.microsoft.com/office/powerpoint/2010/main" val="1530257643"/>
-      </p:ext>
-    </p:extLst>
-  </p:cSld>
-  <p:clrMapOvr>
-    <a:masterClrMapping/>
-  </p:clrMapOvr>
-</p:sld>
-</file>
-
-<file path=ppt/slides/slide7.xml><?xml version="1.0" encoding="utf-8"?>
-<p:sld xmlns:a="http://schemas.openxmlformats.org/drawingml/2006/main" xmlns:r="http://schemas.openxmlformats.org/officeDocument/2006/relationships" xmlns:p="http://schemas.openxmlformats.org/presentationml/2006/main">
-  <p:cSld>
-    <p:bg>
-      <p:bgPr>
-        <a:solidFill>
-          <a:schemeClr val="bg1"/>
-        </a:solidFill>
-        <a:effectLst/>
-      </p:bgPr>
-    </p:bg>
-    <p:spTree>
-      <p:nvGrpSpPr>
-        <p:cNvPr id="1" name=""/>
-        <p:cNvGrpSpPr/>
-        <p:nvPr/>
-      </p:nvGrpSpPr>
-      <p:grpSpPr>
-        <a:xfrm>
-          <a:off x="0" y="0"/>
-          <a:ext cx="0" cy="0"/>
-          <a:chOff x="0" y="0"/>
-          <a:chExt cx="0" cy="0"/>
-        </a:xfrm>
-      </p:grpSpPr>
-      <p:pic>
-        <p:nvPicPr>
-          <p:cNvPr id="4" name="Content Placeholder 3">
-            <a:extLst>
-              <a:ext uri="{FF2B5EF4-FFF2-40B4-BE49-F238E27FC236}">
-                <a16:creationId xmlns:a16="http://schemas.microsoft.com/office/drawing/2014/main" id="{2BCA72F6-9D1B-4D14-A14A-8CCA1A821A8E}"/>
-              </a:ext>
-            </a:extLst>
-          </p:cNvPr>
-          <p:cNvPicPr>
-            <a:picLocks noGrp="1" noChangeAspect="1"/>
-          </p:cNvPicPr>
-          <p:nvPr>
-            <p:ph idx="1"/>
-          </p:nvPr>
-        </p:nvPicPr>
-        <p:blipFill rotWithShape="1">
-          <a:blip r:embed="rId2"/>
-          <a:srcRect t="15746"/>
-          <a:stretch/>
-        </p:blipFill>
-        <p:spPr>
-          <a:xfrm>
-            <a:off x="20" y="1282"/>
-            <a:ext cx="12191980" cy="6856718"/>
-          </a:xfrm>
-          <a:prstGeom prst="rect">
-            <a:avLst/>
-          </a:prstGeom>
-        </p:spPr>
-      </p:pic>
-      <p:sp>
-        <p:nvSpPr>
-          <p:cNvPr id="15" name="Rectangle 8">
-            <a:extLst>
-              <a:ext uri="{FF2B5EF4-FFF2-40B4-BE49-F238E27FC236}">
-                <a16:creationId xmlns:a16="http://schemas.microsoft.com/office/drawing/2014/main" id="{42A4FC2C-047E-45A5-965D-8E1E3BF09BC6}"/>
-              </a:ext>
-              <a:ext uri="{C183D7F6-B498-43B3-948B-1728B52AA6E4}">
-                <adec:decorative xmlns:adec="http://schemas.microsoft.com/office/drawing/2017/decorative" val="1"/>
-              </a:ext>
-            </a:extLst>
-          </p:cNvPr>
-          <p:cNvSpPr>
-            <a:spLocks noGrp="1" noRot="1" noChangeAspect="1" noMove="1" noResize="1" noEditPoints="1" noAdjustHandles="1" noChangeArrowheads="1" noChangeShapeType="1" noTextEdit="1"/>
-          </p:cNvSpPr>
-          <p:nvPr>
-            <p:extLst>
-              <p:ext uri="{386F3935-93C4-4BCD-93E2-E3B085C9AB24}">
-                <p16:designElem xmlns:p16="http://schemas.microsoft.com/office/powerpoint/2015/main" val="1"/>
-              </p:ext>
-            </p:extLst>
-          </p:nvPr>
-        </p:nvSpPr>
-        <p:spPr bwMode="white">
-          <a:xfrm>
-            <a:off x="1524" y="0"/>
-            <a:ext cx="12188952" cy="6858000"/>
-          </a:xfrm>
-          <a:prstGeom prst="rect">
-            <a:avLst/>
-          </a:prstGeom>
-          <a:noFill/>
-          <a:ln>
-            <a:noFill/>
-          </a:ln>
-        </p:spPr>
-        <p:style>
-          <a:lnRef idx="2">
-            <a:schemeClr val="accent1">
-              <a:shade val="50000"/>
-            </a:schemeClr>
-          </a:lnRef>
-          <a:fillRef idx="1">
-            <a:schemeClr val="accent1"/>
-          </a:fillRef>
-          <a:effectRef idx="0">
-            <a:schemeClr val="accent1"/>
-          </a:effectRef>
-          <a:fontRef idx="minor">
-            <a:schemeClr val="lt1"/>
-          </a:fontRef>
-        </p:style>
-        <p:txBody>
-          <a:bodyPr rtlCol="0" anchor="ctr"/>
-          <a:lstStyle>
-            <a:defPPr>
-              <a:defRPr lang="en-US"/>
-            </a:defPPr>
-            <a:lvl1pPr marL="0" algn="l" defTabSz="914400" rtl="0" eaLnBrk="1" latinLnBrk="0" hangingPunct="1">
-              <a:defRPr sz="1800" kern="1200">
-                <a:solidFill>
-                  <a:schemeClr val="lt1"/>
-                </a:solidFill>
-                <a:latin typeface="+mn-lt"/>
-                <a:ea typeface="+mn-ea"/>
-                <a:cs typeface="+mn-cs"/>
-              </a:defRPr>
-            </a:lvl1pPr>
-            <a:lvl2pPr marL="457200" algn="l" defTabSz="914400" rtl="0" eaLnBrk="1" latinLnBrk="0" hangingPunct="1">
-              <a:defRPr sz="1800" kern="1200">
-                <a:solidFill>
-                  <a:schemeClr val="lt1"/>
-                </a:solidFill>
-                <a:latin typeface="+mn-lt"/>
-                <a:ea typeface="+mn-ea"/>
-                <a:cs typeface="+mn-cs"/>
-              </a:defRPr>
-            </a:lvl2pPr>
-            <a:lvl3pPr marL="914400" algn="l" defTabSz="914400" rtl="0" eaLnBrk="1" latinLnBrk="0" hangingPunct="1">
-              <a:defRPr sz="1800" kern="1200">
-                <a:solidFill>
-                  <a:schemeClr val="lt1"/>
-                </a:solidFill>
-                <a:latin typeface="+mn-lt"/>
-                <a:ea typeface="+mn-ea"/>
-                <a:cs typeface="+mn-cs"/>
-              </a:defRPr>
-            </a:lvl3pPr>
-            <a:lvl4pPr marL="1371600" algn="l" defTabSz="914400" rtl="0" eaLnBrk="1" latinLnBrk="0" hangingPunct="1">
-              <a:defRPr sz="1800" kern="1200">
-                <a:solidFill>
-                  <a:schemeClr val="lt1"/>
-                </a:solidFill>
-                <a:latin typeface="+mn-lt"/>
-                <a:ea typeface="+mn-ea"/>
-                <a:cs typeface="+mn-cs"/>
-              </a:defRPr>
-            </a:lvl4pPr>
-            <a:lvl5pPr marL="1828800" algn="l" defTabSz="914400" rtl="0" eaLnBrk="1" latinLnBrk="0" hangingPunct="1">
-              <a:defRPr sz="1800" kern="1200">
-                <a:solidFill>
-                  <a:schemeClr val="lt1"/>
-                </a:solidFill>
-                <a:latin typeface="+mn-lt"/>
-                <a:ea typeface="+mn-ea"/>
-                <a:cs typeface="+mn-cs"/>
-              </a:defRPr>
-            </a:lvl5pPr>
-            <a:lvl6pPr marL="2286000" algn="l" defTabSz="914400" rtl="0" eaLnBrk="1" latinLnBrk="0" hangingPunct="1">
-              <a:defRPr sz="1800" kern="1200">
-                <a:solidFill>
-                  <a:schemeClr val="lt1"/>
-                </a:solidFill>
-                <a:latin typeface="+mn-lt"/>
-                <a:ea typeface="+mn-ea"/>
-                <a:cs typeface="+mn-cs"/>
-              </a:defRPr>
-            </a:lvl6pPr>
-            <a:lvl7pPr marL="2743200" algn="l" defTabSz="914400" rtl="0" eaLnBrk="1" latinLnBrk="0" hangingPunct="1">
-              <a:defRPr sz="1800" kern="1200">
-                <a:solidFill>
-                  <a:schemeClr val="lt1"/>
-                </a:solidFill>
-                <a:latin typeface="+mn-lt"/>
-                <a:ea typeface="+mn-ea"/>
-                <a:cs typeface="+mn-cs"/>
-              </a:defRPr>
-            </a:lvl7pPr>
-            <a:lvl8pPr marL="3200400" algn="l" defTabSz="914400" rtl="0" eaLnBrk="1" latinLnBrk="0" hangingPunct="1">
-              <a:defRPr sz="1800" kern="1200">
-                <a:solidFill>
-                  <a:schemeClr val="lt1"/>
-                </a:solidFill>
-                <a:latin typeface="+mn-lt"/>
-                <a:ea typeface="+mn-ea"/>
-                <a:cs typeface="+mn-cs"/>
-              </a:defRPr>
-            </a:lvl8pPr>
-            <a:lvl9pPr marL="3657600" algn="l" defTabSz="914400" rtl="0" eaLnBrk="1" latinLnBrk="0" hangingPunct="1">
-              <a:defRPr sz="1800" kern="1200">
-                <a:solidFill>
-                  <a:schemeClr val="lt1"/>
-                </a:solidFill>
-                <a:latin typeface="+mn-lt"/>
-                <a:ea typeface="+mn-ea"/>
-                <a:cs typeface="+mn-cs"/>
-              </a:defRPr>
-            </a:lvl9pPr>
-          </a:lstStyle>
-          <a:p>
-            <a:pPr algn="ctr"/>
-            <a:endParaRPr lang="en-US"/>
-          </a:p>
-        </p:txBody>
-      </p:sp>
-      <p:cxnSp>
-        <p:nvCxnSpPr>
-          <p:cNvPr id="8" name="Straight Connector 7">
-            <a:extLst>
-              <a:ext uri="{FF2B5EF4-FFF2-40B4-BE49-F238E27FC236}">
-                <a16:creationId xmlns:a16="http://schemas.microsoft.com/office/drawing/2014/main" id="{5A9B000F-A657-449D-A557-8027C3D59329}"/>
-              </a:ext>
-            </a:extLst>
-          </p:cNvPr>
-          <p:cNvCxnSpPr/>
-          <p:nvPr/>
-        </p:nvCxnSpPr>
-        <p:spPr>
-          <a:xfrm>
-            <a:off x="365760" y="1136469"/>
-            <a:ext cx="5264331" cy="0"/>
-          </a:xfrm>
-          <a:prstGeom prst="line">
-            <a:avLst/>
-          </a:prstGeom>
-          <a:ln w="25400" cmpd="sng">
-            <a:solidFill>
-              <a:srgbClr val="EB0A1E"/>
-            </a:solidFill>
-          </a:ln>
-        </p:spPr>
-        <p:style>
-          <a:lnRef idx="3">
-            <a:schemeClr val="accent2"/>
-          </a:lnRef>
-          <a:fillRef idx="0">
-            <a:schemeClr val="accent2"/>
-          </a:fillRef>
-          <a:effectRef idx="2">
-            <a:schemeClr val="accent2"/>
-          </a:effectRef>
-          <a:fontRef idx="minor">
-            <a:schemeClr val="tx1"/>
-          </a:fontRef>
-        </p:style>
-      </p:cxnSp>
-      <p:sp>
-        <p:nvSpPr>
-          <p:cNvPr id="14" name="TextBox 13">
-            <a:extLst>
-              <a:ext uri="{FF2B5EF4-FFF2-40B4-BE49-F238E27FC236}">
-                <a16:creationId xmlns:a16="http://schemas.microsoft.com/office/drawing/2014/main" id="{8F228711-3E1D-4A5F-B1EC-F791CBB4F396}"/>
-              </a:ext>
-            </a:extLst>
-          </p:cNvPr>
-          <p:cNvSpPr txBox="1"/>
-          <p:nvPr/>
-        </p:nvSpPr>
-        <p:spPr>
-          <a:xfrm>
-            <a:off x="364236" y="367028"/>
-            <a:ext cx="4194701" cy="769441"/>
-          </a:xfrm>
-          <a:prstGeom prst="rect">
-            <a:avLst/>
-          </a:prstGeom>
-          <a:noFill/>
-        </p:spPr>
-        <p:txBody>
-          <a:bodyPr wrap="square" rtlCol="0">
-            <a:spAutoFit/>
-          </a:bodyPr>
-          <a:lstStyle/>
-          <a:p>
-            <a:r>
-              <a:rPr lang="en-US" sz="4400" b="1" dirty="0">
-                <a:solidFill>
-                  <a:srgbClr val="58595B"/>
-                </a:solidFill>
-                <a:latin typeface="Arial" panose="020B0604020202020204" pitchFamily="34" charset="0"/>
-                <a:cs typeface="Arial" panose="020B0604020202020204" pitchFamily="34" charset="0"/>
-              </a:rPr>
-              <a:t>Shape of Price</a:t>
-            </a:r>
-          </a:p>
-        </p:txBody>
-      </p:sp>
-    </p:spTree>
-    <p:extLst>
-      <p:ext uri="{BB962C8B-B14F-4D97-AF65-F5344CB8AC3E}">
-        <p14:creationId xmlns:p14="http://schemas.microsoft.com/office/powerpoint/2010/main" val="10575418"/>
-      </p:ext>
-    </p:extLst>
-  </p:cSld>
-  <p:clrMapOvr>
-    <a:masterClrMapping/>
-  </p:clrMapOvr>
-</p:sld>
-</file>
-
-<file path=ppt/slides/slide8.xml><?xml version="1.0" encoding="utf-8"?>
-<p:sld xmlns:a="http://schemas.openxmlformats.org/drawingml/2006/main" xmlns:r="http://schemas.openxmlformats.org/officeDocument/2006/relationships" xmlns:p="http://schemas.openxmlformats.org/presentationml/2006/main">
-  <p:cSld>
-    <p:bg>
-      <p:bgPr>
-        <a:solidFill>
-          <a:schemeClr val="bg1"/>
-        </a:solidFill>
-        <a:effectLst/>
-      </p:bgPr>
-    </p:bg>
-    <p:spTree>
-      <p:nvGrpSpPr>
-        <p:cNvPr id="1" name=""/>
-        <p:cNvGrpSpPr/>
-        <p:nvPr/>
-      </p:nvGrpSpPr>
-      <p:grpSpPr>
-        <a:xfrm>
-          <a:off x="0" y="0"/>
-          <a:ext cx="0" cy="0"/>
-          <a:chOff x="0" y="0"/>
-          <a:chExt cx="0" cy="0"/>
-        </a:xfrm>
-      </p:grpSpPr>
-      <p:pic>
-        <p:nvPicPr>
-          <p:cNvPr id="4" name="Content Placeholder 3">
-            <a:extLst>
-              <a:ext uri="{FF2B5EF4-FFF2-40B4-BE49-F238E27FC236}">
-                <a16:creationId xmlns:a16="http://schemas.microsoft.com/office/drawing/2014/main" id="{2BCA72F6-9D1B-4D14-A14A-8CCA1A821A8E}"/>
-              </a:ext>
-            </a:extLst>
-          </p:cNvPr>
-          <p:cNvPicPr>
-            <a:picLocks noGrp="1" noChangeAspect="1"/>
-          </p:cNvPicPr>
-          <p:nvPr>
-            <p:ph idx="1"/>
-          </p:nvPr>
-        </p:nvPicPr>
-        <p:blipFill rotWithShape="1">
-          <a:blip r:embed="rId2"/>
-          <a:srcRect t="15746"/>
-          <a:stretch/>
-        </p:blipFill>
-        <p:spPr>
-          <a:xfrm>
-            <a:off x="20" y="1282"/>
-            <a:ext cx="12191980" cy="6856718"/>
-          </a:xfrm>
-          <a:prstGeom prst="rect">
-            <a:avLst/>
-          </a:prstGeom>
-        </p:spPr>
-      </p:pic>
-      <p:sp>
-        <p:nvSpPr>
-          <p:cNvPr id="15" name="Rectangle 8">
-            <a:extLst>
-              <a:ext uri="{FF2B5EF4-FFF2-40B4-BE49-F238E27FC236}">
-                <a16:creationId xmlns:a16="http://schemas.microsoft.com/office/drawing/2014/main" id="{42A4FC2C-047E-45A5-965D-8E1E3BF09BC6}"/>
-              </a:ext>
-              <a:ext uri="{C183D7F6-B498-43B3-948B-1728B52AA6E4}">
-                <adec:decorative xmlns:adec="http://schemas.microsoft.com/office/drawing/2017/decorative" val="1"/>
-              </a:ext>
-            </a:extLst>
-          </p:cNvPr>
-          <p:cNvSpPr>
-            <a:spLocks noGrp="1" noRot="1" noChangeAspect="1" noMove="1" noResize="1" noEditPoints="1" noAdjustHandles="1" noChangeArrowheads="1" noChangeShapeType="1" noTextEdit="1"/>
-          </p:cNvSpPr>
-          <p:nvPr>
-            <p:extLst>
-              <p:ext uri="{386F3935-93C4-4BCD-93E2-E3B085C9AB24}">
-                <p16:designElem xmlns:p16="http://schemas.microsoft.com/office/powerpoint/2015/main" val="1"/>
-              </p:ext>
-            </p:extLst>
-          </p:nvPr>
-        </p:nvSpPr>
-        <p:spPr bwMode="white">
-          <a:xfrm>
-            <a:off x="1524" y="0"/>
-            <a:ext cx="12188952" cy="6858000"/>
-          </a:xfrm>
-          <a:prstGeom prst="rect">
-            <a:avLst/>
-          </a:prstGeom>
-          <a:noFill/>
-          <a:ln>
-            <a:noFill/>
-          </a:ln>
-        </p:spPr>
-        <p:style>
-          <a:lnRef idx="2">
-            <a:schemeClr val="accent1">
-              <a:shade val="50000"/>
-            </a:schemeClr>
-          </a:lnRef>
-          <a:fillRef idx="1">
-            <a:schemeClr val="accent1"/>
-          </a:fillRef>
-          <a:effectRef idx="0">
-            <a:schemeClr val="accent1"/>
-          </a:effectRef>
-          <a:fontRef idx="minor">
-            <a:schemeClr val="lt1"/>
-          </a:fontRef>
-        </p:style>
-        <p:txBody>
-          <a:bodyPr rtlCol="0" anchor="ctr"/>
-          <a:lstStyle>
-            <a:defPPr>
-              <a:defRPr lang="en-US"/>
-            </a:defPPr>
-            <a:lvl1pPr marL="0" algn="l" defTabSz="914400" rtl="0" eaLnBrk="1" latinLnBrk="0" hangingPunct="1">
-              <a:defRPr sz="1800" kern="1200">
-                <a:solidFill>
-                  <a:schemeClr val="lt1"/>
-                </a:solidFill>
-                <a:latin typeface="+mn-lt"/>
-                <a:ea typeface="+mn-ea"/>
-                <a:cs typeface="+mn-cs"/>
-              </a:defRPr>
-            </a:lvl1pPr>
-            <a:lvl2pPr marL="457200" algn="l" defTabSz="914400" rtl="0" eaLnBrk="1" latinLnBrk="0" hangingPunct="1">
-              <a:defRPr sz="1800" kern="1200">
-                <a:solidFill>
-                  <a:schemeClr val="lt1"/>
-                </a:solidFill>
-                <a:latin typeface="+mn-lt"/>
-                <a:ea typeface="+mn-ea"/>
-                <a:cs typeface="+mn-cs"/>
-              </a:defRPr>
-            </a:lvl2pPr>
-            <a:lvl3pPr marL="914400" algn="l" defTabSz="914400" rtl="0" eaLnBrk="1" latinLnBrk="0" hangingPunct="1">
-              <a:defRPr sz="1800" kern="1200">
-                <a:solidFill>
-                  <a:schemeClr val="lt1"/>
-                </a:solidFill>
-                <a:latin typeface="+mn-lt"/>
-                <a:ea typeface="+mn-ea"/>
-                <a:cs typeface="+mn-cs"/>
-              </a:defRPr>
-            </a:lvl3pPr>
-            <a:lvl4pPr marL="1371600" algn="l" defTabSz="914400" rtl="0" eaLnBrk="1" latinLnBrk="0" hangingPunct="1">
-              <a:defRPr sz="1800" kern="1200">
-                <a:solidFill>
-                  <a:schemeClr val="lt1"/>
-                </a:solidFill>
-                <a:latin typeface="+mn-lt"/>
-                <a:ea typeface="+mn-ea"/>
-                <a:cs typeface="+mn-cs"/>
-              </a:defRPr>
-            </a:lvl4pPr>
-            <a:lvl5pPr marL="1828800" algn="l" defTabSz="914400" rtl="0" eaLnBrk="1" latinLnBrk="0" hangingPunct="1">
-              <a:defRPr sz="1800" kern="1200">
-                <a:solidFill>
-                  <a:schemeClr val="lt1"/>
-                </a:solidFill>
-                <a:latin typeface="+mn-lt"/>
-                <a:ea typeface="+mn-ea"/>
-                <a:cs typeface="+mn-cs"/>
-              </a:defRPr>
-            </a:lvl5pPr>
-            <a:lvl6pPr marL="2286000" algn="l" defTabSz="914400" rtl="0" eaLnBrk="1" latinLnBrk="0" hangingPunct="1">
-              <a:defRPr sz="1800" kern="1200">
-                <a:solidFill>
-                  <a:schemeClr val="lt1"/>
-                </a:solidFill>
-                <a:latin typeface="+mn-lt"/>
-                <a:ea typeface="+mn-ea"/>
-                <a:cs typeface="+mn-cs"/>
-              </a:defRPr>
-            </a:lvl6pPr>
-            <a:lvl7pPr marL="2743200" algn="l" defTabSz="914400" rtl="0" eaLnBrk="1" latinLnBrk="0" hangingPunct="1">
-              <a:defRPr sz="1800" kern="1200">
-                <a:solidFill>
-                  <a:schemeClr val="lt1"/>
-                </a:solidFill>
-                <a:latin typeface="+mn-lt"/>
-                <a:ea typeface="+mn-ea"/>
-                <a:cs typeface="+mn-cs"/>
-              </a:defRPr>
-            </a:lvl7pPr>
-            <a:lvl8pPr marL="3200400" algn="l" defTabSz="914400" rtl="0" eaLnBrk="1" latinLnBrk="0" hangingPunct="1">
-              <a:defRPr sz="1800" kern="1200">
-                <a:solidFill>
-                  <a:schemeClr val="lt1"/>
-                </a:solidFill>
-                <a:latin typeface="+mn-lt"/>
-                <a:ea typeface="+mn-ea"/>
-                <a:cs typeface="+mn-cs"/>
-              </a:defRPr>
-            </a:lvl8pPr>
-            <a:lvl9pPr marL="3657600" algn="l" defTabSz="914400" rtl="0" eaLnBrk="1" latinLnBrk="0" hangingPunct="1">
-              <a:defRPr sz="1800" kern="1200">
-                <a:solidFill>
-                  <a:schemeClr val="lt1"/>
-                </a:solidFill>
-                <a:latin typeface="+mn-lt"/>
-                <a:ea typeface="+mn-ea"/>
-                <a:cs typeface="+mn-cs"/>
-              </a:defRPr>
-            </a:lvl9pPr>
-          </a:lstStyle>
-          <a:p>
-            <a:pPr algn="ctr"/>
-            <a:endParaRPr lang="en-US"/>
-          </a:p>
-        </p:txBody>
-      </p:sp>
-      <p:cxnSp>
-        <p:nvCxnSpPr>
-          <p:cNvPr id="8" name="Straight Connector 7">
-            <a:extLst>
-              <a:ext uri="{FF2B5EF4-FFF2-40B4-BE49-F238E27FC236}">
-                <a16:creationId xmlns:a16="http://schemas.microsoft.com/office/drawing/2014/main" id="{5A9B000F-A657-449D-A557-8027C3D59329}"/>
-              </a:ext>
-            </a:extLst>
-          </p:cNvPr>
-          <p:cNvCxnSpPr/>
-          <p:nvPr/>
-        </p:nvCxnSpPr>
-        <p:spPr>
-          <a:xfrm>
-            <a:off x="365760" y="1136469"/>
-            <a:ext cx="5264331" cy="0"/>
-          </a:xfrm>
-          <a:prstGeom prst="line">
-            <a:avLst/>
-          </a:prstGeom>
-          <a:ln w="25400" cmpd="sng">
-            <a:solidFill>
-              <a:srgbClr val="EB0A1E"/>
-            </a:solidFill>
-          </a:ln>
-        </p:spPr>
-        <p:style>
-          <a:lnRef idx="3">
-            <a:schemeClr val="accent2"/>
-          </a:lnRef>
-          <a:fillRef idx="0">
-            <a:schemeClr val="accent2"/>
-          </a:fillRef>
-          <a:effectRef idx="2">
-            <a:schemeClr val="accent2"/>
-          </a:effectRef>
-          <a:fontRef idx="minor">
-            <a:schemeClr val="tx1"/>
-          </a:fontRef>
-        </p:style>
-      </p:cxnSp>
-      <p:sp>
-        <p:nvSpPr>
-          <p:cNvPr id="14" name="TextBox 13">
-            <a:extLst>
-              <a:ext uri="{FF2B5EF4-FFF2-40B4-BE49-F238E27FC236}">
-                <a16:creationId xmlns:a16="http://schemas.microsoft.com/office/drawing/2014/main" id="{8F228711-3E1D-4A5F-B1EC-F791CBB4F396}"/>
-              </a:ext>
-            </a:extLst>
-          </p:cNvPr>
-          <p:cNvSpPr txBox="1"/>
-          <p:nvPr/>
-        </p:nvSpPr>
-        <p:spPr>
-          <a:xfrm>
-            <a:off x="364236" y="367028"/>
-            <a:ext cx="4194701" cy="769441"/>
-          </a:xfrm>
-          <a:prstGeom prst="rect">
-            <a:avLst/>
-          </a:prstGeom>
-          <a:noFill/>
-        </p:spPr>
-        <p:txBody>
-          <a:bodyPr wrap="square" rtlCol="0">
-            <a:spAutoFit/>
-          </a:bodyPr>
-          <a:lstStyle/>
-          <a:p>
-            <a:r>
-              <a:rPr lang="en-US" sz="4400" b="1" dirty="0">
-                <a:solidFill>
-                  <a:srgbClr val="58595B"/>
-                </a:solidFill>
-                <a:latin typeface="Arial" panose="020B0604020202020204" pitchFamily="34" charset="0"/>
-                <a:cs typeface="Arial" panose="020B0604020202020204" pitchFamily="34" charset="0"/>
-              </a:rPr>
-              <a:t>Price vs Model</a:t>
-            </a:r>
-          </a:p>
-        </p:txBody>
-      </p:sp>
-    </p:spTree>
-    <p:extLst>
-      <p:ext uri="{BB962C8B-B14F-4D97-AF65-F5344CB8AC3E}">
-        <p14:creationId xmlns:p14="http://schemas.microsoft.com/office/powerpoint/2010/main" val="2863233227"/>
+        <p14:creationId xmlns:p14="http://schemas.microsoft.com/office/powerpoint/2010/main" val="1789081533"/>
       </p:ext>
     </p:extLst>
   </p:cSld>
@@ -7393,29 +9125,27 @@
       </p:grpSpPr>
       <p:pic>
         <p:nvPicPr>
-          <p:cNvPr id="4" name="Content Placeholder 3">
-            <a:extLst>
-              <a:ext uri="{FF2B5EF4-FFF2-40B4-BE49-F238E27FC236}">
-                <a16:creationId xmlns:a16="http://schemas.microsoft.com/office/drawing/2014/main" id="{2BCA72F6-9D1B-4D14-A14A-8CCA1A821A8E}"/>
+          <p:cNvPr id="6" name="Picture 5">
+            <a:extLst>
+              <a:ext uri="{FF2B5EF4-FFF2-40B4-BE49-F238E27FC236}">
+                <a16:creationId xmlns:a16="http://schemas.microsoft.com/office/drawing/2014/main" id="{06AA3B00-07F5-4DB2-8B24-42EBE1063B23}"/>
               </a:ext>
             </a:extLst>
           </p:cNvPr>
           <p:cNvPicPr>
-            <a:picLocks noGrp="1" noChangeAspect="1"/>
+            <a:picLocks noChangeAspect="1"/>
           </p:cNvPicPr>
-          <p:nvPr>
-            <p:ph idx="1"/>
-          </p:nvPr>
+          <p:nvPr/>
         </p:nvPicPr>
         <p:blipFill rotWithShape="1">
           <a:blip r:embed="rId2"/>
-          <a:srcRect t="15746"/>
+          <a:srcRect l="1149" t="6819" r="22638" b="-1"/>
           <a:stretch/>
         </p:blipFill>
         <p:spPr>
           <a:xfrm>
-            <a:off x="20" y="1282"/>
-            <a:ext cx="12191980" cy="6856718"/>
+            <a:off x="2562726" y="1"/>
+            <a:ext cx="9629274" cy="6857999"/>
           </a:xfrm>
           <a:prstGeom prst="rect">
             <a:avLst/>
@@ -7424,10 +9154,10 @@
       </p:pic>
       <p:sp>
         <p:nvSpPr>
-          <p:cNvPr id="15" name="Rectangle 8">
-            <a:extLst>
-              <a:ext uri="{FF2B5EF4-FFF2-40B4-BE49-F238E27FC236}">
-                <a16:creationId xmlns:a16="http://schemas.microsoft.com/office/drawing/2014/main" id="{42A4FC2C-047E-45A5-965D-8E1E3BF09BC6}"/>
+          <p:cNvPr id="47" name="Freeform: Shape 46">
+            <a:extLst>
+              <a:ext uri="{FF2B5EF4-FFF2-40B4-BE49-F238E27FC236}">
+                <a16:creationId xmlns:a16="http://schemas.microsoft.com/office/drawing/2014/main" id="{D928DD85-BB99-450D-A702-2683E0296282}"/>
               </a:ext>
               <a:ext uri="{C183D7F6-B498-43B3-948B-1728B52AA6E4}">
                 <adec:decorative xmlns:adec="http://schemas.microsoft.com/office/drawing/2017/decorative" val="1"/>
@@ -7445,15 +9175,80 @@
             </p:extLst>
           </p:nvPr>
         </p:nvSpPr>
-        <p:spPr bwMode="white">
-          <a:xfrm>
-            <a:off x="1524" y="0"/>
-            <a:ext cx="12188952" cy="6858000"/>
-          </a:xfrm>
-          <a:prstGeom prst="rect">
+        <p:spPr>
+          <a:xfrm flipV="1">
+            <a:off x="0" y="-478"/>
+            <a:ext cx="6754318" cy="6858478"/>
+          </a:xfrm>
+          <a:custGeom>
             <a:avLst/>
-          </a:prstGeom>
-          <a:noFill/>
+            <a:gdLst>
+              <a:gd name="connsiteX0" fmla="*/ 0 w 6754318"/>
+              <a:gd name="connsiteY0" fmla="*/ 6858478 h 6858478"/>
+              <a:gd name="connsiteX1" fmla="*/ 6754318 w 6754318"/>
+              <a:gd name="connsiteY1" fmla="*/ 6858478 h 6858478"/>
+              <a:gd name="connsiteX2" fmla="*/ 3577943 w 6754318"/>
+              <a:gd name="connsiteY2" fmla="*/ 0 h 6858478"/>
+              <a:gd name="connsiteX3" fmla="*/ 3572366 w 6754318"/>
+              <a:gd name="connsiteY3" fmla="*/ 0 h 6858478"/>
+              <a:gd name="connsiteX4" fmla="*/ 2506138 w 6754318"/>
+              <a:gd name="connsiteY4" fmla="*/ 0 h 6858478"/>
+              <a:gd name="connsiteX5" fmla="*/ 0 w 6754318"/>
+              <a:gd name="connsiteY5" fmla="*/ 0 h 6858478"/>
+            </a:gdLst>
+            <a:ahLst/>
+            <a:cxnLst>
+              <a:cxn ang="0">
+                <a:pos x="connsiteX0" y="connsiteY0"/>
+              </a:cxn>
+              <a:cxn ang="0">
+                <a:pos x="connsiteX1" y="connsiteY1"/>
+              </a:cxn>
+              <a:cxn ang="0">
+                <a:pos x="connsiteX2" y="connsiteY2"/>
+              </a:cxn>
+              <a:cxn ang="0">
+                <a:pos x="connsiteX3" y="connsiteY3"/>
+              </a:cxn>
+              <a:cxn ang="0">
+                <a:pos x="connsiteX4" y="connsiteY4"/>
+              </a:cxn>
+              <a:cxn ang="0">
+                <a:pos x="connsiteX5" y="connsiteY5"/>
+              </a:cxn>
+            </a:cxnLst>
+            <a:rect l="l" t="t" r="r" b="b"/>
+            <a:pathLst>
+              <a:path w="6754318" h="6858478">
+                <a:moveTo>
+                  <a:pt x="0" y="6858478"/>
+                </a:moveTo>
+                <a:lnTo>
+                  <a:pt x="6754318" y="6858478"/>
+                </a:lnTo>
+                <a:lnTo>
+                  <a:pt x="3577943" y="0"/>
+                </a:lnTo>
+                <a:lnTo>
+                  <a:pt x="3572366" y="0"/>
+                </a:lnTo>
+                <a:lnTo>
+                  <a:pt x="2506138" y="0"/>
+                </a:lnTo>
+                <a:lnTo>
+                  <a:pt x="0" y="0"/>
+                </a:lnTo>
+                <a:close/>
+              </a:path>
+            </a:pathLst>
+          </a:custGeom>
+          <a:solidFill>
+            <a:schemeClr val="bg1">
+              <a:lumMod val="85000"/>
+              <a:lumOff val="15000"/>
+              <a:alpha val="70000"/>
+            </a:schemeClr>
+          </a:solidFill>
           <a:ln>
             <a:noFill/>
           </a:ln>
@@ -7475,105 +9270,272 @@
           </a:fontRef>
         </p:style>
         <p:txBody>
-          <a:bodyPr rtlCol="0" anchor="ctr"/>
-          <a:lstStyle>
-            <a:defPPr>
-              <a:defRPr lang="en-US"/>
-            </a:defPPr>
-            <a:lvl1pPr marL="0" algn="l" defTabSz="914400" rtl="0" eaLnBrk="1" latinLnBrk="0" hangingPunct="1">
-              <a:defRPr sz="1800" kern="1200">
+          <a:bodyPr wrap="square" rtlCol="0" anchor="ctr">
+            <a:noAutofit/>
+          </a:bodyPr>
+          <a:lstStyle/>
+          <a:p>
+            <a:pPr marL="0" marR="0" lvl="0" indent="0" algn="ctr" defTabSz="914400" rtl="0" eaLnBrk="1" fontAlgn="auto" latinLnBrk="0" hangingPunct="1">
+              <a:lnSpc>
+                <a:spcPct val="100000"/>
+              </a:lnSpc>
+              <a:spcBef>
+                <a:spcPts val="0"/>
+              </a:spcBef>
+              <a:spcAft>
+                <a:spcPts val="0"/>
+              </a:spcAft>
+              <a:buClrTx/>
+              <a:buSzTx/>
+              <a:buFontTx/>
+              <a:buNone/>
+              <a:tabLst/>
+              <a:defRPr/>
+            </a:pPr>
+            <a:endParaRPr kumimoji="0" lang="en-US" sz="1800" b="0" i="0" u="none" strike="noStrike" kern="1200" cap="none" spc="0" normalizeH="0" baseline="0" noProof="0">
+              <a:ln>
+                <a:noFill/>
+              </a:ln>
+              <a:solidFill>
+                <a:prstClr val="white"/>
+              </a:solidFill>
+              <a:effectLst/>
+              <a:uLnTx/>
+              <a:uFillTx/>
+              <a:latin typeface="Calibri" panose="020F0502020204030204"/>
+              <a:ea typeface="+mn-ea"/>
+              <a:cs typeface="+mn-cs"/>
+            </a:endParaRPr>
+          </a:p>
+        </p:txBody>
+      </p:sp>
+      <p:sp>
+        <p:nvSpPr>
+          <p:cNvPr id="49" name="Freeform: Shape 48">
+            <a:extLst>
+              <a:ext uri="{FF2B5EF4-FFF2-40B4-BE49-F238E27FC236}">
+                <a16:creationId xmlns:a16="http://schemas.microsoft.com/office/drawing/2014/main" id="{240E5BD2-4019-4012-A1AA-628900E659E9}"/>
+              </a:ext>
+              <a:ext uri="{C183D7F6-B498-43B3-948B-1728B52AA6E4}">
+                <adec:decorative xmlns:adec="http://schemas.microsoft.com/office/drawing/2017/decorative" val="1"/>
+              </a:ext>
+            </a:extLst>
+          </p:cNvPr>
+          <p:cNvSpPr>
+            <a:spLocks noGrp="1" noRot="1" noChangeAspect="1" noMove="1" noResize="1" noEditPoints="1" noAdjustHandles="1" noChangeArrowheads="1" noChangeShapeType="1" noTextEdit="1"/>
+          </p:cNvSpPr>
+          <p:nvPr>
+            <p:extLst>
+              <p:ext uri="{386F3935-93C4-4BCD-93E2-E3B085C9AB24}">
+                <p16:designElem xmlns:p16="http://schemas.microsoft.com/office/powerpoint/2015/main" val="1"/>
+              </p:ext>
+            </p:extLst>
+          </p:nvPr>
+        </p:nvSpPr>
+        <p:spPr>
+          <a:xfrm flipV="1">
+            <a:off x="1" y="-478"/>
+            <a:ext cx="5953780" cy="6858478"/>
+          </a:xfrm>
+          <a:custGeom>
+            <a:avLst/>
+            <a:gdLst>
+              <a:gd name="connsiteX0" fmla="*/ 0 w 5953780"/>
+              <a:gd name="connsiteY0" fmla="*/ 6858478 h 6858478"/>
+              <a:gd name="connsiteX1" fmla="*/ 5953780 w 5953780"/>
+              <a:gd name="connsiteY1" fmla="*/ 6858478 h 6858478"/>
+              <a:gd name="connsiteX2" fmla="*/ 2777405 w 5953780"/>
+              <a:gd name="connsiteY2" fmla="*/ 0 h 6858478"/>
+              <a:gd name="connsiteX3" fmla="*/ 2771828 w 5953780"/>
+              <a:gd name="connsiteY3" fmla="*/ 0 h 6858478"/>
+              <a:gd name="connsiteX4" fmla="*/ 1705600 w 5953780"/>
+              <a:gd name="connsiteY4" fmla="*/ 0 h 6858478"/>
+              <a:gd name="connsiteX5" fmla="*/ 0 w 5953780"/>
+              <a:gd name="connsiteY5" fmla="*/ 0 h 6858478"/>
+            </a:gdLst>
+            <a:ahLst/>
+            <a:cxnLst>
+              <a:cxn ang="0">
+                <a:pos x="connsiteX0" y="connsiteY0"/>
+              </a:cxn>
+              <a:cxn ang="0">
+                <a:pos x="connsiteX1" y="connsiteY1"/>
+              </a:cxn>
+              <a:cxn ang="0">
+                <a:pos x="connsiteX2" y="connsiteY2"/>
+              </a:cxn>
+              <a:cxn ang="0">
+                <a:pos x="connsiteX3" y="connsiteY3"/>
+              </a:cxn>
+              <a:cxn ang="0">
+                <a:pos x="connsiteX4" y="connsiteY4"/>
+              </a:cxn>
+              <a:cxn ang="0">
+                <a:pos x="connsiteX5" y="connsiteY5"/>
+              </a:cxn>
+            </a:cxnLst>
+            <a:rect l="l" t="t" r="r" b="b"/>
+            <a:pathLst>
+              <a:path w="5953780" h="6858478">
+                <a:moveTo>
+                  <a:pt x="0" y="6858478"/>
+                </a:moveTo>
+                <a:lnTo>
+                  <a:pt x="5953780" y="6858478"/>
+                </a:lnTo>
+                <a:lnTo>
+                  <a:pt x="2777405" y="0"/>
+                </a:lnTo>
+                <a:lnTo>
+                  <a:pt x="2771828" y="0"/>
+                </a:lnTo>
+                <a:lnTo>
+                  <a:pt x="1705600" y="0"/>
+                </a:lnTo>
+                <a:lnTo>
+                  <a:pt x="0" y="0"/>
+                </a:lnTo>
+                <a:close/>
+              </a:path>
+            </a:pathLst>
+          </a:custGeom>
+          <a:solidFill>
+            <a:schemeClr val="bg1">
+              <a:lumMod val="85000"/>
+              <a:lumOff val="15000"/>
+            </a:schemeClr>
+          </a:solidFill>
+          <a:ln>
+            <a:noFill/>
+          </a:ln>
+        </p:spPr>
+        <p:style>
+          <a:lnRef idx="2">
+            <a:schemeClr val="accent1">
+              <a:shade val="50000"/>
+            </a:schemeClr>
+          </a:lnRef>
+          <a:fillRef idx="1">
+            <a:schemeClr val="accent1"/>
+          </a:fillRef>
+          <a:effectRef idx="0">
+            <a:schemeClr val="accent1"/>
+          </a:effectRef>
+          <a:fontRef idx="minor">
+            <a:schemeClr val="lt1"/>
+          </a:fontRef>
+        </p:style>
+        <p:txBody>
+          <a:bodyPr wrap="square" rtlCol="0" anchor="ctr">
+            <a:noAutofit/>
+          </a:bodyPr>
+          <a:lstStyle/>
+          <a:p>
+            <a:pPr marL="0" marR="0" lvl="0" indent="0" algn="ctr" defTabSz="914400" rtl="0" eaLnBrk="1" fontAlgn="auto" latinLnBrk="0" hangingPunct="1">
+              <a:lnSpc>
+                <a:spcPct val="100000"/>
+              </a:lnSpc>
+              <a:spcBef>
+                <a:spcPts val="0"/>
+              </a:spcBef>
+              <a:spcAft>
+                <a:spcPts val="0"/>
+              </a:spcAft>
+              <a:buClrTx/>
+              <a:buSzTx/>
+              <a:buFontTx/>
+              <a:buNone/>
+              <a:tabLst/>
+              <a:defRPr/>
+            </a:pPr>
+            <a:endParaRPr kumimoji="0" lang="en-US" sz="1800" b="0" i="0" u="none" strike="noStrike" kern="1200" cap="none" spc="0" normalizeH="0" baseline="0" noProof="0">
+              <a:ln>
+                <a:noFill/>
+              </a:ln>
+              <a:solidFill>
+                <a:prstClr val="white"/>
+              </a:solidFill>
+              <a:effectLst/>
+              <a:uLnTx/>
+              <a:uFillTx/>
+              <a:latin typeface="Calibri" panose="020F0502020204030204"/>
+              <a:ea typeface="+mn-ea"/>
+              <a:cs typeface="+mn-cs"/>
+            </a:endParaRPr>
+          </a:p>
+        </p:txBody>
+      </p:sp>
+      <p:sp>
+        <p:nvSpPr>
+          <p:cNvPr id="5" name="Title 4">
+            <a:extLst>
+              <a:ext uri="{FF2B5EF4-FFF2-40B4-BE49-F238E27FC236}">
+                <a16:creationId xmlns:a16="http://schemas.microsoft.com/office/drawing/2014/main" id="{7BCFFD7F-EA8C-4208-8932-DC9E8F1DD44D}"/>
+              </a:ext>
+            </a:extLst>
+          </p:cNvPr>
+          <p:cNvSpPr>
+            <a:spLocks noGrp="1"/>
+          </p:cNvSpPr>
+          <p:nvPr>
+            <p:ph type="title"/>
+          </p:nvPr>
+        </p:nvSpPr>
+        <p:spPr>
+          <a:xfrm>
+            <a:off x="804672" y="342006"/>
+            <a:ext cx="3879232" cy="2248122"/>
+          </a:xfrm>
+        </p:spPr>
+        <p:txBody>
+          <a:bodyPr vert="horz" lIns="91440" tIns="45720" rIns="91440" bIns="45720" rtlCol="0" anchor="b">
+            <a:normAutofit/>
+          </a:bodyPr>
+          <a:lstStyle/>
+          <a:p>
+            <a:r>
+              <a:rPr lang="en-US" sz="5400" b="1" dirty="0"/>
+              <a:t>Thank You!</a:t>
+            </a:r>
+          </a:p>
+        </p:txBody>
+      </p:sp>
+      <p:sp>
+        <p:nvSpPr>
+          <p:cNvPr id="3" name="Text Placeholder 2">
+            <a:extLst>
+              <a:ext uri="{FF2B5EF4-FFF2-40B4-BE49-F238E27FC236}">
+                <a16:creationId xmlns:a16="http://schemas.microsoft.com/office/drawing/2014/main" id="{CD9A2A57-4007-41B1-9BB7-1A54BBFF536A}"/>
+              </a:ext>
+            </a:extLst>
+          </p:cNvPr>
+          <p:cNvSpPr>
+            <a:spLocks noGrp="1"/>
+          </p:cNvSpPr>
+          <p:nvPr>
+            <p:ph type="body" idx="1"/>
+          </p:nvPr>
+        </p:nvSpPr>
+        <p:spPr>
+          <a:xfrm>
+            <a:off x="804672" y="2726652"/>
+            <a:ext cx="3205463" cy="1155525"/>
+          </a:xfrm>
+        </p:spPr>
+        <p:txBody>
+          <a:bodyPr vert="horz" lIns="91440" tIns="45720" rIns="91440" bIns="45720" rtlCol="0" anchor="t">
+            <a:normAutofit/>
+          </a:bodyPr>
+          <a:lstStyle/>
+          <a:p>
+            <a:r>
+              <a:rPr lang="en-US" sz="2000">
                 <a:solidFill>
-                  <a:schemeClr val="lt1"/>
+                  <a:schemeClr val="tx1"/>
                 </a:solidFill>
-                <a:latin typeface="+mn-lt"/>
-                <a:ea typeface="+mn-ea"/>
-                <a:cs typeface="+mn-cs"/>
-              </a:defRPr>
-            </a:lvl1pPr>
-            <a:lvl2pPr marL="457200" algn="l" defTabSz="914400" rtl="0" eaLnBrk="1" latinLnBrk="0" hangingPunct="1">
-              <a:defRPr sz="1800" kern="1200">
-                <a:solidFill>
-                  <a:schemeClr val="lt1"/>
-                </a:solidFill>
-                <a:latin typeface="+mn-lt"/>
-                <a:ea typeface="+mn-ea"/>
-                <a:cs typeface="+mn-cs"/>
-              </a:defRPr>
-            </a:lvl2pPr>
-            <a:lvl3pPr marL="914400" algn="l" defTabSz="914400" rtl="0" eaLnBrk="1" latinLnBrk="0" hangingPunct="1">
-              <a:defRPr sz="1800" kern="1200">
-                <a:solidFill>
-                  <a:schemeClr val="lt1"/>
-                </a:solidFill>
-                <a:latin typeface="+mn-lt"/>
-                <a:ea typeface="+mn-ea"/>
-                <a:cs typeface="+mn-cs"/>
-              </a:defRPr>
-            </a:lvl3pPr>
-            <a:lvl4pPr marL="1371600" algn="l" defTabSz="914400" rtl="0" eaLnBrk="1" latinLnBrk="0" hangingPunct="1">
-              <a:defRPr sz="1800" kern="1200">
-                <a:solidFill>
-                  <a:schemeClr val="lt1"/>
-                </a:solidFill>
-                <a:latin typeface="+mn-lt"/>
-                <a:ea typeface="+mn-ea"/>
-                <a:cs typeface="+mn-cs"/>
-              </a:defRPr>
-            </a:lvl4pPr>
-            <a:lvl5pPr marL="1828800" algn="l" defTabSz="914400" rtl="0" eaLnBrk="1" latinLnBrk="0" hangingPunct="1">
-              <a:defRPr sz="1800" kern="1200">
-                <a:solidFill>
-                  <a:schemeClr val="lt1"/>
-                </a:solidFill>
-                <a:latin typeface="+mn-lt"/>
-                <a:ea typeface="+mn-ea"/>
-                <a:cs typeface="+mn-cs"/>
-              </a:defRPr>
-            </a:lvl5pPr>
-            <a:lvl6pPr marL="2286000" algn="l" defTabSz="914400" rtl="0" eaLnBrk="1" latinLnBrk="0" hangingPunct="1">
-              <a:defRPr sz="1800" kern="1200">
-                <a:solidFill>
-                  <a:schemeClr val="lt1"/>
-                </a:solidFill>
-                <a:latin typeface="+mn-lt"/>
-                <a:ea typeface="+mn-ea"/>
-                <a:cs typeface="+mn-cs"/>
-              </a:defRPr>
-            </a:lvl6pPr>
-            <a:lvl7pPr marL="2743200" algn="l" defTabSz="914400" rtl="0" eaLnBrk="1" latinLnBrk="0" hangingPunct="1">
-              <a:defRPr sz="1800" kern="1200">
-                <a:solidFill>
-                  <a:schemeClr val="lt1"/>
-                </a:solidFill>
-                <a:latin typeface="+mn-lt"/>
-                <a:ea typeface="+mn-ea"/>
-                <a:cs typeface="+mn-cs"/>
-              </a:defRPr>
-            </a:lvl7pPr>
-            <a:lvl8pPr marL="3200400" algn="l" defTabSz="914400" rtl="0" eaLnBrk="1" latinLnBrk="0" hangingPunct="1">
-              <a:defRPr sz="1800" kern="1200">
-                <a:solidFill>
-                  <a:schemeClr val="lt1"/>
-                </a:solidFill>
-                <a:latin typeface="+mn-lt"/>
-                <a:ea typeface="+mn-ea"/>
-                <a:cs typeface="+mn-cs"/>
-              </a:defRPr>
-            </a:lvl8pPr>
-            <a:lvl9pPr marL="3657600" algn="l" defTabSz="914400" rtl="0" eaLnBrk="1" latinLnBrk="0" hangingPunct="1">
-              <a:defRPr sz="1800" kern="1200">
-                <a:solidFill>
-                  <a:schemeClr val="lt1"/>
-                </a:solidFill>
-                <a:latin typeface="+mn-lt"/>
-                <a:ea typeface="+mn-ea"/>
-                <a:cs typeface="+mn-cs"/>
-              </a:defRPr>
-            </a:lvl9pPr>
-          </a:lstStyle>
-          <a:p>
-            <a:pPr algn="ctr"/>
-            <a:endParaRPr lang="en-US"/>
+              </a:rPr>
+              <a:t>Q &amp; A</a:t>
+            </a:r>
           </a:p>
         </p:txBody>
       </p:sp>
@@ -7582,7 +9544,7 @@
           <p:cNvPr id="8" name="Straight Connector 7">
             <a:extLst>
               <a:ext uri="{FF2B5EF4-FFF2-40B4-BE49-F238E27FC236}">
-                <a16:creationId xmlns:a16="http://schemas.microsoft.com/office/drawing/2014/main" id="{5A9B000F-A657-449D-A557-8027C3D59329}"/>
+                <a16:creationId xmlns:a16="http://schemas.microsoft.com/office/drawing/2014/main" id="{365706AE-0F48-4687-B860-1AD7CA9D68FD}"/>
               </a:ext>
             </a:extLst>
           </p:cNvPr>
@@ -7590,84 +9552,80 @@
           <p:nvPr/>
         </p:nvCxnSpPr>
         <p:spPr>
-          <a:xfrm>
-            <a:off x="365760" y="1136469"/>
-            <a:ext cx="5264331" cy="0"/>
+          <a:xfrm flipH="1">
+            <a:off x="2756647" y="-478"/>
+            <a:ext cx="3197134" cy="6858478"/>
           </a:xfrm>
           <a:prstGeom prst="line">
             <a:avLst/>
           </a:prstGeom>
-          <a:ln w="25400" cmpd="sng">
+          <a:ln>
             <a:solidFill>
-              <a:srgbClr val="EB0A1E"/>
+              <a:srgbClr val="FF0000"/>
             </a:solidFill>
           </a:ln>
         </p:spPr>
         <p:style>
-          <a:lnRef idx="3">
-            <a:schemeClr val="accent2"/>
+          <a:lnRef idx="1">
+            <a:schemeClr val="accent1"/>
           </a:lnRef>
           <a:fillRef idx="0">
-            <a:schemeClr val="accent2"/>
+            <a:schemeClr val="accent1"/>
           </a:fillRef>
-          <a:effectRef idx="2">
-            <a:schemeClr val="accent2"/>
+          <a:effectRef idx="0">
+            <a:schemeClr val="accent1"/>
           </a:effectRef>
           <a:fontRef idx="minor">
             <a:schemeClr val="tx1"/>
           </a:fontRef>
         </p:style>
       </p:cxnSp>
-      <p:sp>
-        <p:nvSpPr>
-          <p:cNvPr id="14" name="TextBox 13">
-            <a:extLst>
-              <a:ext uri="{FF2B5EF4-FFF2-40B4-BE49-F238E27FC236}">
-                <a16:creationId xmlns:a16="http://schemas.microsoft.com/office/drawing/2014/main" id="{8F228711-3E1D-4A5F-B1EC-F791CBB4F396}"/>
-              </a:ext>
-            </a:extLst>
-          </p:cNvPr>
-          <p:cNvSpPr txBox="1"/>
+      <p:cxnSp>
+        <p:nvCxnSpPr>
+          <p:cNvPr id="25" name="Straight Connector 24">
+            <a:extLst>
+              <a:ext uri="{FF2B5EF4-FFF2-40B4-BE49-F238E27FC236}">
+                <a16:creationId xmlns:a16="http://schemas.microsoft.com/office/drawing/2014/main" id="{1164EF5C-B64D-46E7-BE6C-55DD7627DFE2}"/>
+              </a:ext>
+            </a:extLst>
+          </p:cNvPr>
+          <p:cNvCxnSpPr/>
           <p:nvPr/>
-        </p:nvSpPr>
+        </p:nvCxnSpPr>
         <p:spPr>
-          <a:xfrm>
-            <a:off x="364236" y="367028"/>
-            <a:ext cx="4194701" cy="769441"/>
-          </a:xfrm>
-          <a:prstGeom prst="rect">
+          <a:xfrm flipH="1">
+            <a:off x="3557184" y="0"/>
+            <a:ext cx="3197134" cy="6858478"/>
+          </a:xfrm>
+          <a:prstGeom prst="line">
             <a:avLst/>
           </a:prstGeom>
-          <a:noFill/>
+          <a:ln/>
         </p:spPr>
-        <p:txBody>
-          <a:bodyPr wrap="square" rtlCol="0">
-            <a:spAutoFit/>
-          </a:bodyPr>
-          <a:lstStyle/>
-          <a:p>
-            <a:r>
-              <a:rPr lang="en-US" sz="4400" b="1" dirty="0">
-                <a:solidFill>
-                  <a:srgbClr val="58595B"/>
-                </a:solidFill>
-                <a:latin typeface="Arial" panose="020B0604020202020204" pitchFamily="34" charset="0"/>
-                <a:cs typeface="Arial" panose="020B0604020202020204" pitchFamily="34" charset="0"/>
-              </a:rPr>
-              <a:t>Price vs Model</a:t>
-            </a:r>
-          </a:p>
-        </p:txBody>
-      </p:sp>
+        <p:style>
+          <a:lnRef idx="1">
+            <a:schemeClr val="accent1"/>
+          </a:lnRef>
+          <a:fillRef idx="0">
+            <a:schemeClr val="accent1"/>
+          </a:fillRef>
+          <a:effectRef idx="0">
+            <a:schemeClr val="accent1"/>
+          </a:effectRef>
+          <a:fontRef idx="minor">
+            <a:schemeClr val="tx1"/>
+          </a:fontRef>
+        </p:style>
+      </p:cxnSp>
     </p:spTree>
     <p:extLst>
       <p:ext uri="{BB962C8B-B14F-4D97-AF65-F5344CB8AC3E}">
-        <p14:creationId xmlns:p14="http://schemas.microsoft.com/office/powerpoint/2010/main" val="4273179060"/>
+        <p14:creationId xmlns:p14="http://schemas.microsoft.com/office/powerpoint/2010/main" val="1499255396"/>
       </p:ext>
     </p:extLst>
   </p:cSld>
   <p:clrMapOvr>
-    <a:masterClrMapping/>
+    <a:overrideClrMapping bg1="dk1" tx1="lt1" bg2="dk2" tx2="lt2" accent1="accent1" accent2="accent2" accent3="accent3" accent4="accent4" accent5="accent5" accent6="accent6" hlink="hlink" folHlink="folHlink"/>
   </p:clrMapOvr>
 </p:sld>
 </file>
